--- a/Slide.pptx
+++ b/Slide.pptx
@@ -13,17 +13,21 @@
     <p:sldId id="275" r:id="rId7"/>
     <p:sldId id="264" r:id="rId8"/>
     <p:sldId id="274" r:id="rId9"/>
-    <p:sldId id="270" r:id="rId10"/>
-    <p:sldId id="273" r:id="rId11"/>
-    <p:sldId id="268" r:id="rId12"/>
-    <p:sldId id="266" r:id="rId13"/>
-    <p:sldId id="267" r:id="rId14"/>
-    <p:sldId id="271" r:id="rId15"/>
-    <p:sldId id="276" r:id="rId16"/>
-    <p:sldId id="277" r:id="rId17"/>
-    <p:sldId id="269" r:id="rId18"/>
-    <p:sldId id="278" r:id="rId19"/>
-    <p:sldId id="258" r:id="rId20"/>
+    <p:sldId id="279" r:id="rId10"/>
+    <p:sldId id="270" r:id="rId11"/>
+    <p:sldId id="273" r:id="rId12"/>
+    <p:sldId id="268" r:id="rId13"/>
+    <p:sldId id="266" r:id="rId14"/>
+    <p:sldId id="267" r:id="rId15"/>
+    <p:sldId id="271" r:id="rId16"/>
+    <p:sldId id="276" r:id="rId17"/>
+    <p:sldId id="277" r:id="rId18"/>
+    <p:sldId id="280" r:id="rId19"/>
+    <p:sldId id="269" r:id="rId20"/>
+    <p:sldId id="281" r:id="rId21"/>
+    <p:sldId id="282" r:id="rId22"/>
+    <p:sldId id="278" r:id="rId23"/>
+    <p:sldId id="258" r:id="rId24"/>
   </p:sldIdLst>
   <p:sldSz cx="9144000" cy="6858000" type="screen4x3"/>
   <p:notesSz cx="6858000" cy="9144000"/>
@@ -1072,7 +1076,7 @@
         <a:p>
           <a:r>
             <a:rPr lang="en-US"/>
-            <a:t>Flowchart of Sentiment Analysis</a:t>
+            <a:t>Thu thập và phân tích đặc điểm dữ liệu</a:t>
           </a:r>
         </a:p>
       </dgm:t>
@@ -1108,7 +1112,7 @@
         <a:p>
           <a:r>
             <a:rPr lang="en-US"/>
-            <a:t>Input data pre-processing</a:t>
+            <a:t>Tiền xử lý dữ dự</a:t>
           </a:r>
         </a:p>
       </dgm:t>
@@ -1144,7 +1148,7 @@
         <a:p>
           <a:r>
             <a:rPr lang="en-US"/>
-            <a:t>Model for predicting</a:t>
+            <a:t>Vector hóa dữ liệu</a:t>
           </a:r>
         </a:p>
       </dgm:t>
@@ -1180,7 +1184,7 @@
         <a:p>
           <a:r>
             <a:rPr lang="en-US"/>
-            <a:t>Result</a:t>
+            <a:t>Xây dựng và huấn luyện mô hình</a:t>
           </a:r>
         </a:p>
       </dgm:t>
@@ -1371,7 +1375,7 @@
           </a:pPr>
           <a:r>
             <a:rPr lang="en-US" sz="2300" kern="1200"/>
-            <a:t>Result</a:t>
+            <a:t>Xây dựng và huấn luyện mô hình</a:t>
           </a:r>
         </a:p>
       </dsp:txBody>
@@ -1449,7 +1453,7 @@
           </a:pPr>
           <a:r>
             <a:rPr lang="en-US" sz="2300" kern="1200"/>
-            <a:t>Model for predicting</a:t>
+            <a:t>Vector hóa dữ liệu</a:t>
           </a:r>
         </a:p>
       </dsp:txBody>
@@ -1527,7 +1531,7 @@
           </a:pPr>
           <a:r>
             <a:rPr lang="en-US" sz="2300" kern="1200"/>
-            <a:t>Input data pre-processing</a:t>
+            <a:t>Tiền xử lý dữ dự</a:t>
           </a:r>
         </a:p>
       </dsp:txBody>
@@ -1605,7 +1609,7 @@
           </a:pPr>
           <a:r>
             <a:rPr lang="en-US" sz="2300" kern="1200"/>
-            <a:t>Flowchart of Sentiment Analysis</a:t>
+            <a:t>Thu thập và phân tích đặc điểm dữ liệu</a:t>
           </a:r>
         </a:p>
       </dsp:txBody>
@@ -3188,7 +3192,7 @@
           <a:p>
             <a:fld id="{A0EC2761-52B0-42C5-B01B-DF8F69615AE5}" type="datetimeFigureOut">
               <a:rPr lang="en-US" smtClean="0"/>
-              <a:t>12/2/2020</a:t>
+              <a:t>12/15/2020</a:t>
             </a:fld>
             <a:endParaRPr lang="en-US"/>
           </a:p>
@@ -3356,7 +3360,7 @@
           <a:p>
             <a:fld id="{A0EC2761-52B0-42C5-B01B-DF8F69615AE5}" type="datetimeFigureOut">
               <a:rPr lang="en-US" smtClean="0"/>
-              <a:t>12/2/2020</a:t>
+              <a:t>12/15/2020</a:t>
             </a:fld>
             <a:endParaRPr lang="en-US"/>
           </a:p>
@@ -3534,7 +3538,7 @@
           <a:p>
             <a:fld id="{A0EC2761-52B0-42C5-B01B-DF8F69615AE5}" type="datetimeFigureOut">
               <a:rPr lang="en-US" smtClean="0"/>
-              <a:t>12/2/2020</a:t>
+              <a:t>12/15/2020</a:t>
             </a:fld>
             <a:endParaRPr lang="en-US"/>
           </a:p>
@@ -3702,7 +3706,7 @@
           <a:p>
             <a:fld id="{A0EC2761-52B0-42C5-B01B-DF8F69615AE5}" type="datetimeFigureOut">
               <a:rPr lang="en-US" smtClean="0"/>
-              <a:t>12/2/2020</a:t>
+              <a:t>12/15/2020</a:t>
             </a:fld>
             <a:endParaRPr lang="en-US"/>
           </a:p>
@@ -3947,7 +3951,7 @@
           <a:p>
             <a:fld id="{A0EC2761-52B0-42C5-B01B-DF8F69615AE5}" type="datetimeFigureOut">
               <a:rPr lang="en-US" smtClean="0"/>
-              <a:t>12/2/2020</a:t>
+              <a:t>12/15/2020</a:t>
             </a:fld>
             <a:endParaRPr lang="en-US"/>
           </a:p>
@@ -4176,7 +4180,7 @@
           <a:p>
             <a:fld id="{A0EC2761-52B0-42C5-B01B-DF8F69615AE5}" type="datetimeFigureOut">
               <a:rPr lang="en-US" smtClean="0"/>
-              <a:t>12/2/2020</a:t>
+              <a:t>12/15/2020</a:t>
             </a:fld>
             <a:endParaRPr lang="en-US"/>
           </a:p>
@@ -4540,7 +4544,7 @@
           <a:p>
             <a:fld id="{A0EC2761-52B0-42C5-B01B-DF8F69615AE5}" type="datetimeFigureOut">
               <a:rPr lang="en-US" smtClean="0"/>
-              <a:t>12/2/2020</a:t>
+              <a:t>12/15/2020</a:t>
             </a:fld>
             <a:endParaRPr lang="en-US"/>
           </a:p>
@@ -4649,7 +4653,7 @@
           <a:p>
             <a:fld id="{A0EC2761-52B0-42C5-B01B-DF8F69615AE5}" type="datetimeFigureOut">
               <a:rPr lang="en-US" smtClean="0"/>
-              <a:t>12/2/2020</a:t>
+              <a:t>12/15/2020</a:t>
             </a:fld>
             <a:endParaRPr lang="en-US"/>
           </a:p>
@@ -4758,7 +4762,7 @@
           <a:p>
             <a:fld id="{A0EC2761-52B0-42C5-B01B-DF8F69615AE5}" type="datetimeFigureOut">
               <a:rPr lang="en-US" smtClean="0"/>
-              <a:t>12/2/2020</a:t>
+              <a:t>12/15/2020</a:t>
             </a:fld>
             <a:endParaRPr lang="en-US"/>
           </a:p>
@@ -5033,7 +5037,7 @@
           <a:p>
             <a:fld id="{A0EC2761-52B0-42C5-B01B-DF8F69615AE5}" type="datetimeFigureOut">
               <a:rPr lang="en-US" smtClean="0"/>
-              <a:t>12/2/2020</a:t>
+              <a:t>12/15/2020</a:t>
             </a:fld>
             <a:endParaRPr lang="en-US"/>
           </a:p>
@@ -5288,7 +5292,7 @@
           <a:p>
             <a:fld id="{A0EC2761-52B0-42C5-B01B-DF8F69615AE5}" type="datetimeFigureOut">
               <a:rPr lang="en-US" smtClean="0"/>
-              <a:t>12/2/2020</a:t>
+              <a:t>12/15/2020</a:t>
             </a:fld>
             <a:endParaRPr lang="en-US"/>
           </a:p>
@@ -5508,7 +5512,7 @@
           <a:p>
             <a:fld id="{A0EC2761-52B0-42C5-B01B-DF8F69615AE5}" type="datetimeFigureOut">
               <a:rPr lang="en-US" smtClean="0"/>
-              <a:t>12/2/2020</a:t>
+              <a:t>12/15/2020</a:t>
             </a:fld>
             <a:endParaRPr lang="en-US"/>
           </a:p>
@@ -6073,7 +6077,7 @@
         </p:nvSpPr>
         <p:spPr>
           <a:xfrm>
-            <a:off x="596506" y="637953"/>
+            <a:off x="544707" y="1268333"/>
             <a:ext cx="6204344" cy="3189507"/>
           </a:xfrm>
         </p:spPr>
@@ -6092,12 +6096,20 @@
               </a:rPr>
             </a:br>
             <a:r>
+              <a:rPr lang="en-US" sz="2800">
+                <a:solidFill>
+                  <a:srgbClr val="FFFFFF"/>
+                </a:solidFill>
+              </a:rPr>
+              <a:t> </a:t>
+            </a:r>
+            <a:r>
               <a:rPr lang="en-US" sz="6000">
                 <a:solidFill>
                   <a:srgbClr val="FFFFFF"/>
                 </a:solidFill>
               </a:rPr>
-              <a:t>SENTIMENT ANALYSIS</a:t>
+              <a:t>Xây dựng mô hình phân loại sắc thái bình luận </a:t>
             </a:r>
             <a:br>
               <a:rPr lang="en-US" sz="2800">
@@ -6420,7 +6432,7 @@
                   <a:srgbClr val="FEFFFF"/>
                 </a:solidFill>
               </a:rPr>
-              <a:t>Luong Khac Manh</a:t>
+              <a:t>Lương Khắc Mạnh</a:t>
             </a:r>
           </a:p>
         </p:txBody>
@@ -6489,6 +6501,741 @@
 </file>
 
 <file path=ppt/slides/slide10.xml><?xml version="1.0" encoding="utf-8"?>
+<p:sld xmlns:a="http://schemas.openxmlformats.org/drawingml/2006/main" xmlns:r="http://schemas.openxmlformats.org/officeDocument/2006/relationships" xmlns:p="http://schemas.openxmlformats.org/presentationml/2006/main">
+  <p:cSld>
+    <p:bg>
+      <p:bgPr>
+        <a:solidFill>
+          <a:schemeClr val="bg1"/>
+        </a:solidFill>
+        <a:effectLst/>
+      </p:bgPr>
+    </p:bg>
+    <p:spTree>
+      <p:nvGrpSpPr>
+        <p:cNvPr id="1" name=""/>
+        <p:cNvGrpSpPr/>
+        <p:nvPr/>
+      </p:nvGrpSpPr>
+      <p:grpSpPr>
+        <a:xfrm>
+          <a:off x="0" y="0"/>
+          <a:ext cx="0" cy="0"/>
+          <a:chOff x="0" y="0"/>
+          <a:chExt cx="0" cy="0"/>
+        </a:xfrm>
+      </p:grpSpPr>
+      <p:sp useBgFill="1">
+        <p:nvSpPr>
+          <p:cNvPr id="71" name="Rectangle 70">
+            <a:extLst>
+              <a:ext uri="{FF2B5EF4-FFF2-40B4-BE49-F238E27FC236}">
+                <a16:creationId xmlns:a16="http://schemas.microsoft.com/office/drawing/2014/main" id="{F4C0B10B-D2C4-4A54-AFAD-3D27DF88BB37}"/>
+              </a:ext>
+              <a:ext uri="{C183D7F6-B498-43B3-948B-1728B52AA6E4}">
+                <adec:decorative xmlns:adec="http://schemas.microsoft.com/office/drawing/2017/decorative" val="1"/>
+              </a:ext>
+            </a:extLst>
+          </p:cNvPr>
+          <p:cNvSpPr>
+            <a:spLocks noGrp="1" noRot="1" noChangeAspect="1" noMove="1" noResize="1" noEditPoints="1" noAdjustHandles="1" noChangeArrowheads="1" noChangeShapeType="1" noTextEdit="1"/>
+          </p:cNvSpPr>
+          <p:nvPr>
+            <p:extLst>
+              <p:ext uri="{386F3935-93C4-4BCD-93E2-E3B085C9AB24}">
+                <p16:designElem xmlns:p16="http://schemas.microsoft.com/office/powerpoint/2015/main" val="1"/>
+              </p:ext>
+            </p:extLst>
+          </p:nvPr>
+        </p:nvSpPr>
+        <p:spPr>
+          <a:xfrm>
+            <a:off x="0" y="0"/>
+            <a:ext cx="9141714" cy="6858000"/>
+          </a:xfrm>
+          <a:prstGeom prst="rect">
+            <a:avLst/>
+          </a:prstGeom>
+          <a:ln>
+            <a:noFill/>
+          </a:ln>
+        </p:spPr>
+        <p:style>
+          <a:lnRef idx="2">
+            <a:schemeClr val="accent1">
+              <a:shade val="50000"/>
+            </a:schemeClr>
+          </a:lnRef>
+          <a:fillRef idx="1">
+            <a:schemeClr val="accent1"/>
+          </a:fillRef>
+          <a:effectRef idx="0">
+            <a:schemeClr val="accent1"/>
+          </a:effectRef>
+          <a:fontRef idx="minor">
+            <a:schemeClr val="lt1"/>
+          </a:fontRef>
+        </p:style>
+        <p:txBody>
+          <a:bodyPr rtlCol="0" anchor="ctr"/>
+          <a:lstStyle/>
+          <a:p>
+            <a:pPr algn="ctr"/>
+            <a:endParaRPr lang="en-US"/>
+          </a:p>
+        </p:txBody>
+      </p:sp>
+      <p:grpSp>
+        <p:nvGrpSpPr>
+          <p:cNvPr id="73" name="Group 72">
+            <a:extLst>
+              <a:ext uri="{FF2B5EF4-FFF2-40B4-BE49-F238E27FC236}">
+                <a16:creationId xmlns:a16="http://schemas.microsoft.com/office/drawing/2014/main" id="{B6BADB90-C74B-40D6-86DC-503F65FCE8DC}"/>
+              </a:ext>
+              <a:ext uri="{C183D7F6-B498-43B3-948B-1728B52AA6E4}">
+                <adec:decorative xmlns:adec="http://schemas.microsoft.com/office/drawing/2017/decorative" val="1"/>
+              </a:ext>
+            </a:extLst>
+          </p:cNvPr>
+          <p:cNvGrpSpPr>
+            <a:grpSpLocks noGrp="1" noUngrp="1" noRot="1" noChangeAspect="1" noMove="1" noResize="1"/>
+          </p:cNvGrpSpPr>
+          <p:nvPr>
+            <p:extLst>
+              <p:ext uri="{386F3935-93C4-4BCD-93E2-E3B085C9AB24}">
+                <p16:designElem xmlns:p16="http://schemas.microsoft.com/office/powerpoint/2015/main" val="1"/>
+              </p:ext>
+            </p:extLst>
+          </p:nvPr>
+        </p:nvGrpSpPr>
+        <p:grpSpPr>
+          <a:xfrm>
+            <a:off x="307282" y="635715"/>
+            <a:ext cx="8356656" cy="2482136"/>
+            <a:chOff x="409710" y="635715"/>
+            <a:chExt cx="11142208" cy="2482136"/>
+          </a:xfrm>
+        </p:grpSpPr>
+        <p:sp>
+          <p:nvSpPr>
+            <p:cNvPr id="74" name="Freeform 44">
+              <a:extLst>
+                <a:ext uri="{FF2B5EF4-FFF2-40B4-BE49-F238E27FC236}">
+                  <a16:creationId xmlns:a16="http://schemas.microsoft.com/office/drawing/2014/main" id="{6559431D-1886-4AE0-9B87-9AD2ECAB8439}"/>
+                </a:ext>
+                <a:ext uri="{C183D7F6-B498-43B3-948B-1728B52AA6E4}">
+                  <adec:decorative xmlns:adec="http://schemas.microsoft.com/office/drawing/2017/decorative" val="1"/>
+                </a:ext>
+              </a:extLst>
+            </p:cNvPr>
+            <p:cNvSpPr>
+              <a:spLocks/>
+            </p:cNvSpPr>
+            <p:nvPr>
+              <p:extLst>
+                <p:ext uri="{386F3935-93C4-4BCD-93E2-E3B085C9AB24}">
+                  <p16:designElem xmlns:p16="http://schemas.microsoft.com/office/powerpoint/2015/main" val="1"/>
+                </p:ext>
+              </p:extLst>
+            </p:nvPr>
+          </p:nvSpPr>
+          <p:spPr bwMode="auto">
+            <a:xfrm>
+              <a:off x="11223203" y="635716"/>
+              <a:ext cx="328612" cy="1742360"/>
+            </a:xfrm>
+            <a:custGeom>
+              <a:avLst/>
+              <a:gdLst>
+                <a:gd name="T0" fmla="*/ 207 w 207"/>
+                <a:gd name="T1" fmla="*/ 987 h 1114"/>
+                <a:gd name="T2" fmla="*/ 0 w 207"/>
+                <a:gd name="T3" fmla="*/ 1114 h 1114"/>
+                <a:gd name="T4" fmla="*/ 0 w 207"/>
+                <a:gd name="T5" fmla="*/ 127 h 1114"/>
+                <a:gd name="T6" fmla="*/ 207 w 207"/>
+                <a:gd name="T7" fmla="*/ 0 h 1114"/>
+                <a:gd name="T8" fmla="*/ 207 w 207"/>
+                <a:gd name="T9" fmla="*/ 987 h 1114"/>
+              </a:gdLst>
+              <a:ahLst/>
+              <a:cxnLst>
+                <a:cxn ang="0">
+                  <a:pos x="T0" y="T1"/>
+                </a:cxn>
+                <a:cxn ang="0">
+                  <a:pos x="T2" y="T3"/>
+                </a:cxn>
+                <a:cxn ang="0">
+                  <a:pos x="T4" y="T5"/>
+                </a:cxn>
+                <a:cxn ang="0">
+                  <a:pos x="T6" y="T7"/>
+                </a:cxn>
+                <a:cxn ang="0">
+                  <a:pos x="T8" y="T9"/>
+                </a:cxn>
+              </a:cxnLst>
+              <a:rect l="0" t="0" r="r" b="b"/>
+              <a:pathLst>
+                <a:path w="207" h="1114">
+                  <a:moveTo>
+                    <a:pt x="207" y="987"/>
+                  </a:moveTo>
+                  <a:lnTo>
+                    <a:pt x="0" y="1114"/>
+                  </a:lnTo>
+                  <a:lnTo>
+                    <a:pt x="0" y="127"/>
+                  </a:lnTo>
+                  <a:lnTo>
+                    <a:pt x="207" y="0"/>
+                  </a:lnTo>
+                  <a:lnTo>
+                    <a:pt x="207" y="987"/>
+                  </a:lnTo>
+                  <a:close/>
+                </a:path>
+              </a:pathLst>
+            </a:custGeom>
+            <a:solidFill>
+              <a:schemeClr val="accent1">
+                <a:lumMod val="50000"/>
+              </a:schemeClr>
+            </a:solidFill>
+            <a:ln>
+              <a:noFill/>
+            </a:ln>
+          </p:spPr>
+          <p:txBody>
+            <a:bodyPr vert="horz" wrap="square" lIns="91440" tIns="45720" rIns="91440" bIns="45720" numCol="1" anchor="t" anchorCtr="0" compatLnSpc="1">
+              <a:prstTxWarp prst="textNoShape">
+                <a:avLst/>
+              </a:prstTxWarp>
+            </a:bodyPr>
+            <a:lstStyle/>
+            <a:p>
+              <a:endParaRPr lang="en-US"/>
+            </a:p>
+          </p:txBody>
+        </p:sp>
+        <p:sp>
+          <p:nvSpPr>
+            <p:cNvPr id="75" name="Freeform 45">
+              <a:extLst>
+                <a:ext uri="{FF2B5EF4-FFF2-40B4-BE49-F238E27FC236}">
+                  <a16:creationId xmlns:a16="http://schemas.microsoft.com/office/drawing/2014/main" id="{373850A5-B04A-4FCD-9E73-EE322167FB31}"/>
+                </a:ext>
+                <a:ext uri="{C183D7F6-B498-43B3-948B-1728B52AA6E4}">
+                  <adec:decorative xmlns:adec="http://schemas.microsoft.com/office/drawing/2017/decorative" val="1"/>
+                </a:ext>
+              </a:extLst>
+            </p:cNvPr>
+            <p:cNvSpPr>
+              <a:spLocks/>
+            </p:cNvSpPr>
+            <p:nvPr>
+              <p:extLst>
+                <p:ext uri="{386F3935-93C4-4BCD-93E2-E3B085C9AB24}">
+                  <p16:designElem xmlns:p16="http://schemas.microsoft.com/office/powerpoint/2015/main" val="1"/>
+                </p:ext>
+              </p:extLst>
+            </p:nvPr>
+          </p:nvSpPr>
+          <p:spPr bwMode="auto">
+            <a:xfrm>
+              <a:off x="409710" y="1022350"/>
+              <a:ext cx="709612" cy="2095501"/>
+            </a:xfrm>
+            <a:custGeom>
+              <a:avLst/>
+              <a:gdLst>
+                <a:gd name="T0" fmla="*/ 447 w 447"/>
+                <a:gd name="T1" fmla="*/ 1363 h 1363"/>
+                <a:gd name="T2" fmla="*/ 0 w 447"/>
+                <a:gd name="T3" fmla="*/ 987 h 1363"/>
+                <a:gd name="T4" fmla="*/ 0 w 447"/>
+                <a:gd name="T5" fmla="*/ 0 h 1363"/>
+                <a:gd name="T6" fmla="*/ 447 w 447"/>
+                <a:gd name="T7" fmla="*/ 376 h 1363"/>
+                <a:gd name="T8" fmla="*/ 447 w 447"/>
+                <a:gd name="T9" fmla="*/ 1363 h 1363"/>
+              </a:gdLst>
+              <a:ahLst/>
+              <a:cxnLst>
+                <a:cxn ang="0">
+                  <a:pos x="T0" y="T1"/>
+                </a:cxn>
+                <a:cxn ang="0">
+                  <a:pos x="T2" y="T3"/>
+                </a:cxn>
+                <a:cxn ang="0">
+                  <a:pos x="T4" y="T5"/>
+                </a:cxn>
+                <a:cxn ang="0">
+                  <a:pos x="T6" y="T7"/>
+                </a:cxn>
+                <a:cxn ang="0">
+                  <a:pos x="T8" y="T9"/>
+                </a:cxn>
+              </a:cxnLst>
+              <a:rect l="0" t="0" r="r" b="b"/>
+              <a:pathLst>
+                <a:path w="447" h="1363">
+                  <a:moveTo>
+                    <a:pt x="447" y="1363"/>
+                  </a:moveTo>
+                  <a:lnTo>
+                    <a:pt x="0" y="987"/>
+                  </a:lnTo>
+                  <a:lnTo>
+                    <a:pt x="0" y="0"/>
+                  </a:lnTo>
+                  <a:lnTo>
+                    <a:pt x="447" y="376"/>
+                  </a:lnTo>
+                  <a:lnTo>
+                    <a:pt x="447" y="1363"/>
+                  </a:lnTo>
+                  <a:close/>
+                </a:path>
+              </a:pathLst>
+            </a:custGeom>
+            <a:solidFill>
+              <a:schemeClr val="accent1">
+                <a:lumMod val="50000"/>
+              </a:schemeClr>
+            </a:solidFill>
+            <a:ln>
+              <a:noFill/>
+            </a:ln>
+          </p:spPr>
+          <p:txBody>
+            <a:bodyPr vert="horz" wrap="square" lIns="91440" tIns="45720" rIns="91440" bIns="45720" numCol="1" anchor="t" anchorCtr="0" compatLnSpc="1">
+              <a:prstTxWarp prst="textNoShape">
+                <a:avLst/>
+              </a:prstTxWarp>
+            </a:bodyPr>
+            <a:lstStyle/>
+            <a:p>
+              <a:endParaRPr lang="en-US"/>
+            </a:p>
+          </p:txBody>
+        </p:sp>
+        <p:sp>
+          <p:nvSpPr>
+            <p:cNvPr id="76" name="Freeform 46">
+              <a:extLst>
+                <a:ext uri="{FF2B5EF4-FFF2-40B4-BE49-F238E27FC236}">
+                  <a16:creationId xmlns:a16="http://schemas.microsoft.com/office/drawing/2014/main" id="{82C18C67-80FA-4738-AA53-0AF2419F98E0}"/>
+                </a:ext>
+                <a:ext uri="{C183D7F6-B498-43B3-948B-1728B52AA6E4}">
+                  <adec:decorative xmlns:adec="http://schemas.microsoft.com/office/drawing/2017/decorative" val="1"/>
+                </a:ext>
+              </a:extLst>
+            </p:cNvPr>
+            <p:cNvSpPr>
+              <a:spLocks/>
+            </p:cNvSpPr>
+            <p:nvPr>
+              <p:extLst>
+                <p:ext uri="{386F3935-93C4-4BCD-93E2-E3B085C9AB24}">
+                  <p16:designElem xmlns:p16="http://schemas.microsoft.com/office/powerpoint/2015/main" val="1"/>
+                </p:ext>
+              </p:extLst>
+            </p:nvPr>
+          </p:nvSpPr>
+          <p:spPr bwMode="auto">
+            <a:xfrm>
+              <a:off x="409710" y="837744"/>
+              <a:ext cx="403225" cy="1705431"/>
+            </a:xfrm>
+            <a:custGeom>
+              <a:avLst/>
+              <a:gdLst>
+                <a:gd name="T0" fmla="*/ 254 w 254"/>
+                <a:gd name="T1" fmla="*/ 987 h 1109"/>
+                <a:gd name="T2" fmla="*/ 0 w 254"/>
+                <a:gd name="T3" fmla="*/ 1109 h 1109"/>
+                <a:gd name="T4" fmla="*/ 0 w 254"/>
+                <a:gd name="T5" fmla="*/ 119 h 1109"/>
+                <a:gd name="T6" fmla="*/ 254 w 254"/>
+                <a:gd name="T7" fmla="*/ 0 h 1109"/>
+                <a:gd name="T8" fmla="*/ 254 w 254"/>
+                <a:gd name="T9" fmla="*/ 987 h 1109"/>
+              </a:gdLst>
+              <a:ahLst/>
+              <a:cxnLst>
+                <a:cxn ang="0">
+                  <a:pos x="T0" y="T1"/>
+                </a:cxn>
+                <a:cxn ang="0">
+                  <a:pos x="T2" y="T3"/>
+                </a:cxn>
+                <a:cxn ang="0">
+                  <a:pos x="T4" y="T5"/>
+                </a:cxn>
+                <a:cxn ang="0">
+                  <a:pos x="T6" y="T7"/>
+                </a:cxn>
+                <a:cxn ang="0">
+                  <a:pos x="T8" y="T9"/>
+                </a:cxn>
+              </a:cxnLst>
+              <a:rect l="0" t="0" r="r" b="b"/>
+              <a:pathLst>
+                <a:path w="254" h="1109">
+                  <a:moveTo>
+                    <a:pt x="254" y="987"/>
+                  </a:moveTo>
+                  <a:lnTo>
+                    <a:pt x="0" y="1109"/>
+                  </a:lnTo>
+                  <a:lnTo>
+                    <a:pt x="0" y="119"/>
+                  </a:lnTo>
+                  <a:lnTo>
+                    <a:pt x="254" y="0"/>
+                  </a:lnTo>
+                  <a:lnTo>
+                    <a:pt x="254" y="987"/>
+                  </a:lnTo>
+                  <a:close/>
+                </a:path>
+              </a:pathLst>
+            </a:custGeom>
+            <a:solidFill>
+              <a:schemeClr val="accent1">
+                <a:lumMod val="75000"/>
+              </a:schemeClr>
+            </a:solidFill>
+            <a:ln>
+              <a:noFill/>
+            </a:ln>
+          </p:spPr>
+          <p:txBody>
+            <a:bodyPr vert="horz" wrap="square" lIns="91440" tIns="45720" rIns="91440" bIns="45720" numCol="1" anchor="t" anchorCtr="0" compatLnSpc="1">
+              <a:prstTxWarp prst="textNoShape">
+                <a:avLst/>
+              </a:prstTxWarp>
+            </a:bodyPr>
+            <a:lstStyle/>
+            <a:p>
+              <a:endParaRPr lang="en-US"/>
+            </a:p>
+          </p:txBody>
+        </p:sp>
+        <p:sp>
+          <p:nvSpPr>
+            <p:cNvPr id="77" name="Freeform 47">
+              <a:extLst>
+                <a:ext uri="{FF2B5EF4-FFF2-40B4-BE49-F238E27FC236}">
+                  <a16:creationId xmlns:a16="http://schemas.microsoft.com/office/drawing/2014/main" id="{48543B1A-8BF5-4C63-8404-41B2EA70B33E}"/>
+                </a:ext>
+                <a:ext uri="{C183D7F6-B498-43B3-948B-1728B52AA6E4}">
+                  <adec:decorative xmlns:adec="http://schemas.microsoft.com/office/drawing/2017/decorative" val="1"/>
+                </a:ext>
+              </a:extLst>
+            </p:cNvPr>
+            <p:cNvSpPr>
+              <a:spLocks/>
+            </p:cNvSpPr>
+            <p:nvPr>
+              <p:extLst>
+                <p:ext uri="{386F3935-93C4-4BCD-93E2-E3B085C9AB24}">
+                  <p16:designElem xmlns:p16="http://schemas.microsoft.com/office/powerpoint/2015/main" val="1"/>
+                </p:ext>
+              </p:extLst>
+            </p:nvPr>
+          </p:nvSpPr>
+          <p:spPr bwMode="auto">
+            <a:xfrm>
+              <a:off x="644660" y="640894"/>
+              <a:ext cx="168275" cy="1713195"/>
+            </a:xfrm>
+            <a:custGeom>
+              <a:avLst/>
+              <a:gdLst>
+                <a:gd name="T0" fmla="*/ 106 w 106"/>
+                <a:gd name="T1" fmla="*/ 1114 h 1114"/>
+                <a:gd name="T2" fmla="*/ 0 w 106"/>
+                <a:gd name="T3" fmla="*/ 1005 h 1114"/>
+                <a:gd name="T4" fmla="*/ 0 w 106"/>
+                <a:gd name="T5" fmla="*/ 0 h 1114"/>
+                <a:gd name="T6" fmla="*/ 106 w 106"/>
+                <a:gd name="T7" fmla="*/ 110 h 1114"/>
+                <a:gd name="T8" fmla="*/ 106 w 106"/>
+                <a:gd name="T9" fmla="*/ 1114 h 1114"/>
+              </a:gdLst>
+              <a:ahLst/>
+              <a:cxnLst>
+                <a:cxn ang="0">
+                  <a:pos x="T0" y="T1"/>
+                </a:cxn>
+                <a:cxn ang="0">
+                  <a:pos x="T2" y="T3"/>
+                </a:cxn>
+                <a:cxn ang="0">
+                  <a:pos x="T4" y="T5"/>
+                </a:cxn>
+                <a:cxn ang="0">
+                  <a:pos x="T6" y="T7"/>
+                </a:cxn>
+                <a:cxn ang="0">
+                  <a:pos x="T8" y="T9"/>
+                </a:cxn>
+              </a:cxnLst>
+              <a:rect l="0" t="0" r="r" b="b"/>
+              <a:pathLst>
+                <a:path w="106" h="1114">
+                  <a:moveTo>
+                    <a:pt x="106" y="1114"/>
+                  </a:moveTo>
+                  <a:lnTo>
+                    <a:pt x="0" y="1005"/>
+                  </a:lnTo>
+                  <a:lnTo>
+                    <a:pt x="0" y="0"/>
+                  </a:lnTo>
+                  <a:lnTo>
+                    <a:pt x="106" y="110"/>
+                  </a:lnTo>
+                  <a:lnTo>
+                    <a:pt x="106" y="1114"/>
+                  </a:lnTo>
+                  <a:close/>
+                </a:path>
+              </a:pathLst>
+            </a:custGeom>
+            <a:solidFill>
+              <a:schemeClr val="accent1">
+                <a:lumMod val="50000"/>
+              </a:schemeClr>
+            </a:solidFill>
+            <a:ln>
+              <a:noFill/>
+            </a:ln>
+          </p:spPr>
+          <p:txBody>
+            <a:bodyPr vert="horz" wrap="square" lIns="91440" tIns="45720" rIns="91440" bIns="45720" numCol="1" anchor="t" anchorCtr="0" compatLnSpc="1">
+              <a:prstTxWarp prst="textNoShape">
+                <a:avLst/>
+              </a:prstTxWarp>
+            </a:bodyPr>
+            <a:lstStyle/>
+            <a:p>
+              <a:endParaRPr lang="en-US"/>
+            </a:p>
+          </p:txBody>
+        </p:sp>
+        <p:sp>
+          <p:nvSpPr>
+            <p:cNvPr id="78" name="Rectangle 77">
+              <a:extLst>
+                <a:ext uri="{FF2B5EF4-FFF2-40B4-BE49-F238E27FC236}">
+                  <a16:creationId xmlns:a16="http://schemas.microsoft.com/office/drawing/2014/main" id="{92DF5096-E051-498C-A3ED-CBA77A813AAC}"/>
+                </a:ext>
+                <a:ext uri="{C183D7F6-B498-43B3-948B-1728B52AA6E4}">
+                  <adec:decorative xmlns:adec="http://schemas.microsoft.com/office/drawing/2017/decorative" val="1"/>
+                </a:ext>
+              </a:extLst>
+            </p:cNvPr>
+            <p:cNvSpPr>
+              <a:spLocks noChangeArrowheads="1"/>
+            </p:cNvSpPr>
+            <p:nvPr>
+              <p:extLst>
+                <p:ext uri="{386F3935-93C4-4BCD-93E2-E3B085C9AB24}">
+                  <p16:designElem xmlns:p16="http://schemas.microsoft.com/office/powerpoint/2015/main" val="1"/>
+                </p:ext>
+              </p:extLst>
+            </p:nvPr>
+          </p:nvSpPr>
+          <p:spPr bwMode="auto">
+            <a:xfrm>
+              <a:off x="644055" y="635715"/>
+              <a:ext cx="10907863" cy="1541457"/>
+            </a:xfrm>
+            <a:prstGeom prst="rect">
+              <a:avLst/>
+            </a:prstGeom>
+            <a:solidFill>
+              <a:schemeClr val="accent1"/>
+            </a:solidFill>
+            <a:ln>
+              <a:noFill/>
+            </a:ln>
+          </p:spPr>
+          <p:txBody>
+            <a:bodyPr vert="horz" wrap="square" lIns="91440" tIns="45720" rIns="91440" bIns="45720" numCol="1" anchor="t" anchorCtr="0" compatLnSpc="1">
+              <a:prstTxWarp prst="textNoShape">
+                <a:avLst/>
+              </a:prstTxWarp>
+            </a:bodyPr>
+            <a:lstStyle/>
+            <a:p>
+              <a:endParaRPr lang="en-US"/>
+            </a:p>
+          </p:txBody>
+        </p:sp>
+      </p:grpSp>
+      <p:sp>
+        <p:nvSpPr>
+          <p:cNvPr id="2" name="Title 1">
+            <a:extLst>
+              <a:ext uri="{FF2B5EF4-FFF2-40B4-BE49-F238E27FC236}">
+                <a16:creationId xmlns:a16="http://schemas.microsoft.com/office/drawing/2014/main" id="{E85A56EF-DD75-4BAD-AC45-089427969E8D}"/>
+              </a:ext>
+            </a:extLst>
+          </p:cNvPr>
+          <p:cNvSpPr>
+            <a:spLocks noGrp="1"/>
+          </p:cNvSpPr>
+          <p:nvPr>
+            <p:ph type="title"/>
+          </p:nvPr>
+        </p:nvSpPr>
+        <p:spPr>
+          <a:xfrm>
+            <a:off x="785460" y="759805"/>
+            <a:ext cx="7729890" cy="1325563"/>
+          </a:xfrm>
+        </p:spPr>
+        <p:txBody>
+          <a:bodyPr>
+            <a:normAutofit/>
+          </a:bodyPr>
+          <a:lstStyle/>
+          <a:p>
+            <a:r>
+              <a:rPr lang="en-US" sz="3500">
+                <a:solidFill>
+                  <a:srgbClr val="FFFFFF"/>
+                </a:solidFill>
+              </a:rPr>
+              <a:t>Vectorizer – Bag of Words</a:t>
+            </a:r>
+          </a:p>
+        </p:txBody>
+      </p:sp>
+      <p:sp>
+        <p:nvSpPr>
+          <p:cNvPr id="3" name="TextBox 2">
+            <a:extLst>
+              <a:ext uri="{FF2B5EF4-FFF2-40B4-BE49-F238E27FC236}">
+                <a16:creationId xmlns:a16="http://schemas.microsoft.com/office/drawing/2014/main" id="{A07C0EF0-72CD-4195-B71C-B2FE4B7164FD}"/>
+              </a:ext>
+            </a:extLst>
+          </p:cNvPr>
+          <p:cNvSpPr txBox="1"/>
+          <p:nvPr/>
+        </p:nvSpPr>
+        <p:spPr>
+          <a:xfrm>
+            <a:off x="1126435" y="2769704"/>
+            <a:ext cx="6997148" cy="2354491"/>
+          </a:xfrm>
+          <a:prstGeom prst="rect">
+            <a:avLst/>
+          </a:prstGeom>
+          <a:noFill/>
+        </p:spPr>
+        <p:txBody>
+          <a:bodyPr wrap="square" rtlCol="0">
+            <a:spAutoFit/>
+          </a:bodyPr>
+          <a:lstStyle/>
+          <a:p>
+            <a:pPr marL="342900" indent="-342900">
+              <a:buFont typeface="Arial" panose="020B0604020202020204" pitchFamily="34" charset="0"/>
+              <a:buChar char="•"/>
+            </a:pPr>
+            <a:r>
+              <a:rPr lang="en-US" sz="2100"/>
+              <a:t>Xây dựng “Bag” chứa tất cả các từ xuất hiện trong bảng dữ liệu</a:t>
+            </a:r>
+          </a:p>
+          <a:p>
+            <a:pPr marL="342900" indent="-342900">
+              <a:buFont typeface="Arial" panose="020B0604020202020204" pitchFamily="34" charset="0"/>
+              <a:buChar char="•"/>
+            </a:pPr>
+            <a:r>
+              <a:rPr lang="en-US" sz="2100"/>
+              <a:t>Tìm số lần xuất hiện từng từ của văn bản tương ứng trong “Bag”</a:t>
+            </a:r>
+          </a:p>
+          <a:p>
+            <a:r>
+              <a:rPr lang="en-US" sz="2100"/>
+              <a:t>Ví dụ:     “Hôm nay trời nắng”</a:t>
+            </a:r>
+          </a:p>
+          <a:p>
+            <a:r>
+              <a:rPr lang="en-US" sz="2100"/>
+              <a:t>	“ Hôm kia trời mưa” </a:t>
+            </a:r>
+          </a:p>
+          <a:p>
+            <a:pPr marL="342900" indent="-342900">
+              <a:buFont typeface="Arial" panose="020B0604020202020204" pitchFamily="34" charset="0"/>
+              <a:buChar char="•"/>
+            </a:pPr>
+            <a:endParaRPr lang="en-US" sz="2100"/>
+          </a:p>
+        </p:txBody>
+      </p:sp>
+      <p:pic>
+        <p:nvPicPr>
+          <p:cNvPr id="5" name="Picture 4" descr="Table&#10;&#10;Description automatically generated">
+            <a:extLst>
+              <a:ext uri="{FF2B5EF4-FFF2-40B4-BE49-F238E27FC236}">
+                <a16:creationId xmlns:a16="http://schemas.microsoft.com/office/drawing/2014/main" id="{B8812165-E7CF-4D9C-9C65-9A4395704DDF}"/>
+              </a:ext>
+            </a:extLst>
+          </p:cNvPr>
+          <p:cNvPicPr>
+            <a:picLocks noChangeAspect="1"/>
+          </p:cNvPicPr>
+          <p:nvPr/>
+        </p:nvPicPr>
+        <p:blipFill>
+          <a:blip r:embed="rId2">
+            <a:extLst>
+              <a:ext uri="{28A0092B-C50C-407E-A947-70E740481C1C}">
+                <a14:useLocalDpi xmlns:a14="http://schemas.microsoft.com/office/drawing/2010/main" val="0"/>
+              </a:ext>
+            </a:extLst>
+          </a:blip>
+          <a:stretch>
+            <a:fillRect/>
+          </a:stretch>
+        </p:blipFill>
+        <p:spPr>
+          <a:xfrm>
+            <a:off x="1624305" y="5000106"/>
+            <a:ext cx="6078704" cy="1098089"/>
+          </a:xfrm>
+          <a:prstGeom prst="rect">
+            <a:avLst/>
+          </a:prstGeom>
+        </p:spPr>
+      </p:pic>
+    </p:spTree>
+    <p:extLst>
+      <p:ext uri="{BB962C8B-B14F-4D97-AF65-F5344CB8AC3E}">
+        <p14:creationId xmlns:p14="http://schemas.microsoft.com/office/powerpoint/2010/main" val="213966407"/>
+      </p:ext>
+    </p:extLst>
+  </p:cSld>
+  <p:clrMapOvr>
+    <a:masterClrMapping/>
+  </p:clrMapOvr>
+</p:sld>
+</file>
+
+<file path=ppt/slides/slide11.xml><?xml version="1.0" encoding="utf-8"?>
 <p:sld xmlns:a="http://schemas.openxmlformats.org/drawingml/2006/main" xmlns:r="http://schemas.openxmlformats.org/officeDocument/2006/relationships" xmlns:p="http://schemas.openxmlformats.org/presentationml/2006/main">
   <p:cSld>
     <p:bg>
@@ -7134,7 +7881,7 @@
 </p:sld>
 </file>
 
-<file path=ppt/slides/slide11.xml><?xml version="1.0" encoding="utf-8"?>
+<file path=ppt/slides/slide12.xml><?xml version="1.0" encoding="utf-8"?>
 <p:sld xmlns:a="http://schemas.openxmlformats.org/drawingml/2006/main" xmlns:r="http://schemas.openxmlformats.org/officeDocument/2006/relationships" xmlns:p="http://schemas.openxmlformats.org/presentationml/2006/main">
   <p:cSld>
     <p:bg>
@@ -7715,7 +8462,7 @@
                   <a:srgbClr val="FFFFFF"/>
                 </a:solidFill>
               </a:rPr>
-              <a:t>Model for predicting</a:t>
+              <a:t>Mô hình huấn luyện</a:t>
             </a:r>
           </a:p>
         </p:txBody>
@@ -7832,7 +8579,7 @@
 </p:sld>
 </file>
 
-<file path=ppt/slides/slide12.xml><?xml version="1.0" encoding="utf-8"?>
+<file path=ppt/slides/slide13.xml><?xml version="1.0" encoding="utf-8"?>
 <p:sld xmlns:a="http://schemas.openxmlformats.org/drawingml/2006/main" xmlns:r="http://schemas.openxmlformats.org/officeDocument/2006/relationships" xmlns:p="http://schemas.openxmlformats.org/presentationml/2006/main">
   <p:cSld>
     <p:bg>
@@ -10743,7 +11490,7 @@
 </p:sld>
 </file>
 
-<file path=ppt/slides/slide13.xml><?xml version="1.0" encoding="utf-8"?>
+<file path=ppt/slides/slide14.xml><?xml version="1.0" encoding="utf-8"?>
 <p:sld xmlns:a="http://schemas.openxmlformats.org/drawingml/2006/main" xmlns:r="http://schemas.openxmlformats.org/officeDocument/2006/relationships" xmlns:p="http://schemas.openxmlformats.org/presentationml/2006/main">
   <p:cSld>
     <p:bg>
@@ -12772,7 +13519,7 @@
 </p:sld>
 </file>
 
-<file path=ppt/slides/slide14.xml><?xml version="1.0" encoding="utf-8"?>
+<file path=ppt/slides/slide15.xml><?xml version="1.0" encoding="utf-8"?>
 <p:sld xmlns:a="http://schemas.openxmlformats.org/drawingml/2006/main" xmlns:r="http://schemas.openxmlformats.org/officeDocument/2006/relationships" xmlns:p="http://schemas.openxmlformats.org/presentationml/2006/main">
   <p:cSld>
     <p:bg>
@@ -13516,7 +14263,7 @@
 </p:sld>
 </file>
 
-<file path=ppt/slides/slide15.xml><?xml version="1.0" encoding="utf-8"?>
+<file path=ppt/slides/slide16.xml><?xml version="1.0" encoding="utf-8"?>
 <p:sld xmlns:a="http://schemas.openxmlformats.org/drawingml/2006/main" xmlns:r="http://schemas.openxmlformats.org/officeDocument/2006/relationships" xmlns:p="http://schemas.openxmlformats.org/presentationml/2006/main">
   <p:cSld>
     <p:bg>
@@ -14175,7 +14922,7 @@
 </p:sld>
 </file>
 
-<file path=ppt/slides/slide16.xml><?xml version="1.0" encoding="utf-8"?>
+<file path=ppt/slides/slide17.xml><?xml version="1.0" encoding="utf-8"?>
 <p:sld xmlns:a="http://schemas.openxmlformats.org/drawingml/2006/main" xmlns:r="http://schemas.openxmlformats.org/officeDocument/2006/relationships" xmlns:p="http://schemas.openxmlformats.org/presentationml/2006/main">
   <p:cSld>
     <p:bg>
@@ -14761,8 +15508,8 @@
           </a:p>
         </p:txBody>
       </p:sp>
-      <mc:AlternateContent xmlns:mc="http://schemas.openxmlformats.org/markup-compatibility/2006">
-        <mc:Choice xmlns:a14="http://schemas.microsoft.com/office/drawing/2010/main" Requires="a14">
+      <mc:AlternateContent xmlns:mc="http://schemas.openxmlformats.org/markup-compatibility/2006" xmlns:a14="http://schemas.microsoft.com/office/drawing/2010/main">
+        <mc:Choice Requires="a14">
           <p:graphicFrame>
             <p:nvGraphicFramePr>
               <p:cNvPr id="5" name="Table 6">
@@ -14905,6 +15652,7 @@
                         <a:bodyPr/>
                         <a:lstStyle/>
                         <a:p>
+                          <a:pPr/>
                           <a14:m>
                             <m:oMathPara xmlns:m="http://schemas.openxmlformats.org/officeDocument/2006/math">
                               <m:oMathParaPr>
@@ -15001,6 +15749,7 @@
                         <a:bodyPr/>
                         <a:lstStyle/>
                         <a:p>
+                          <a:pPr/>
                           <a14:m>
                             <m:oMathPara xmlns:m="http://schemas.openxmlformats.org/officeDocument/2006/math">
                               <m:oMathParaPr>
@@ -15186,6 +15935,7 @@
                         <a:bodyPr/>
                         <a:lstStyle/>
                         <a:p>
+                          <a:pPr/>
                           <a14:m>
                             <m:oMathPara xmlns:m="http://schemas.openxmlformats.org/officeDocument/2006/math">
                               <m:oMathParaPr>
@@ -15346,6 +16096,7 @@
                         <a:bodyPr/>
                         <a:lstStyle/>
                         <a:p>
+                          <a:pPr/>
                           <a14:m>
                             <m:oMathPara xmlns:m="http://schemas.openxmlformats.org/officeDocument/2006/math">
                               <m:oMathParaPr>
@@ -15501,7 +16252,7 @@
             </a:graphic>
           </p:graphicFrame>
         </mc:Choice>
-        <mc:Fallback>
+        <mc:Fallback xmlns="">
           <p:graphicFrame>
             <p:nvGraphicFramePr>
               <p:cNvPr id="5" name="Table 6">
@@ -15908,7 +16659,642 @@
 </p:sld>
 </file>
 
-<file path=ppt/slides/slide17.xml><?xml version="1.0" encoding="utf-8"?>
+<file path=ppt/slides/slide18.xml><?xml version="1.0" encoding="utf-8"?>
+<p:sld xmlns:a="http://schemas.openxmlformats.org/drawingml/2006/main" xmlns:r="http://schemas.openxmlformats.org/officeDocument/2006/relationships" xmlns:p="http://schemas.openxmlformats.org/presentationml/2006/main">
+  <p:cSld>
+    <p:bg>
+      <p:bgPr>
+        <a:solidFill>
+          <a:schemeClr val="bg1"/>
+        </a:solidFill>
+        <a:effectLst/>
+      </p:bgPr>
+    </p:bg>
+    <p:spTree>
+      <p:nvGrpSpPr>
+        <p:cNvPr id="1" name=""/>
+        <p:cNvGrpSpPr/>
+        <p:nvPr/>
+      </p:nvGrpSpPr>
+      <p:grpSpPr>
+        <a:xfrm>
+          <a:off x="0" y="0"/>
+          <a:ext cx="0" cy="0"/>
+          <a:chOff x="0" y="0"/>
+          <a:chExt cx="0" cy="0"/>
+        </a:xfrm>
+      </p:grpSpPr>
+      <p:sp useBgFill="1">
+        <p:nvSpPr>
+          <p:cNvPr id="8" name="Rectangle 7">
+            <a:extLst>
+              <a:ext uri="{FF2B5EF4-FFF2-40B4-BE49-F238E27FC236}">
+                <a16:creationId xmlns:a16="http://schemas.microsoft.com/office/drawing/2014/main" id="{827B839B-9ADE-406B-8590-F1CAEDED45A1}"/>
+              </a:ext>
+              <a:ext uri="{C183D7F6-B498-43B3-948B-1728B52AA6E4}">
+                <adec:decorative xmlns:adec="http://schemas.microsoft.com/office/drawing/2017/decorative" val="1"/>
+              </a:ext>
+            </a:extLst>
+          </p:cNvPr>
+          <p:cNvSpPr>
+            <a:spLocks noGrp="1" noRot="1" noChangeAspect="1" noMove="1" noResize="1" noEditPoints="1" noAdjustHandles="1" noChangeArrowheads="1" noChangeShapeType="1" noTextEdit="1"/>
+          </p:cNvSpPr>
+          <p:nvPr>
+            <p:extLst>
+              <p:ext uri="{386F3935-93C4-4BCD-93E2-E3B085C9AB24}">
+                <p16:designElem xmlns:p16="http://schemas.microsoft.com/office/powerpoint/2015/main" val="1"/>
+              </p:ext>
+            </p:extLst>
+          </p:nvPr>
+        </p:nvSpPr>
+        <p:spPr>
+          <a:xfrm>
+            <a:off x="0" y="0"/>
+            <a:ext cx="9141714" cy="6858000"/>
+          </a:xfrm>
+          <a:prstGeom prst="rect">
+            <a:avLst/>
+          </a:prstGeom>
+          <a:ln>
+            <a:noFill/>
+          </a:ln>
+        </p:spPr>
+        <p:style>
+          <a:lnRef idx="2">
+            <a:schemeClr val="accent1">
+              <a:shade val="50000"/>
+            </a:schemeClr>
+          </a:lnRef>
+          <a:fillRef idx="1">
+            <a:schemeClr val="accent1"/>
+          </a:fillRef>
+          <a:effectRef idx="0">
+            <a:schemeClr val="accent1"/>
+          </a:effectRef>
+          <a:fontRef idx="minor">
+            <a:schemeClr val="lt1"/>
+          </a:fontRef>
+        </p:style>
+        <p:txBody>
+          <a:bodyPr rtlCol="0" anchor="ctr"/>
+          <a:lstStyle/>
+          <a:p>
+            <a:pPr algn="ctr"/>
+            <a:endParaRPr lang="en-US"/>
+          </a:p>
+        </p:txBody>
+      </p:sp>
+      <p:sp>
+        <p:nvSpPr>
+          <p:cNvPr id="10" name="Freeform 45">
+            <a:extLst>
+              <a:ext uri="{FF2B5EF4-FFF2-40B4-BE49-F238E27FC236}">
+                <a16:creationId xmlns:a16="http://schemas.microsoft.com/office/drawing/2014/main" id="{CFE45BF0-46DB-408C-B5F7-7B11716805D4}"/>
+              </a:ext>
+              <a:ext uri="{C183D7F6-B498-43B3-948B-1728B52AA6E4}">
+                <adec:decorative xmlns:adec="http://schemas.microsoft.com/office/drawing/2017/decorative" val="1"/>
+              </a:ext>
+            </a:extLst>
+          </p:cNvPr>
+          <p:cNvSpPr>
+            <a:spLocks noGrp="1" noRot="1" noChangeAspect="1" noMove="1" noResize="1" noEditPoints="1" noAdjustHandles="1" noChangeArrowheads="1" noChangeShapeType="1" noTextEdit="1"/>
+          </p:cNvSpPr>
+          <p:nvPr>
+            <p:extLst>
+              <p:ext uri="{386F3935-93C4-4BCD-93E2-E3B085C9AB24}">
+                <p16:designElem xmlns:p16="http://schemas.microsoft.com/office/powerpoint/2015/main" val="1"/>
+              </p:ext>
+            </p:extLst>
+          </p:nvPr>
+        </p:nvSpPr>
+        <p:spPr bwMode="auto">
+          <a:xfrm>
+            <a:off x="307282" y="1022350"/>
+            <a:ext cx="532209" cy="2095501"/>
+          </a:xfrm>
+          <a:custGeom>
+            <a:avLst/>
+            <a:gdLst>
+              <a:gd name="T0" fmla="*/ 447 w 447"/>
+              <a:gd name="T1" fmla="*/ 1363 h 1363"/>
+              <a:gd name="T2" fmla="*/ 0 w 447"/>
+              <a:gd name="T3" fmla="*/ 987 h 1363"/>
+              <a:gd name="T4" fmla="*/ 0 w 447"/>
+              <a:gd name="T5" fmla="*/ 0 h 1363"/>
+              <a:gd name="T6" fmla="*/ 447 w 447"/>
+              <a:gd name="T7" fmla="*/ 376 h 1363"/>
+              <a:gd name="T8" fmla="*/ 447 w 447"/>
+              <a:gd name="T9" fmla="*/ 1363 h 1363"/>
+            </a:gdLst>
+            <a:ahLst/>
+            <a:cxnLst>
+              <a:cxn ang="0">
+                <a:pos x="T0" y="T1"/>
+              </a:cxn>
+              <a:cxn ang="0">
+                <a:pos x="T2" y="T3"/>
+              </a:cxn>
+              <a:cxn ang="0">
+                <a:pos x="T4" y="T5"/>
+              </a:cxn>
+              <a:cxn ang="0">
+                <a:pos x="T6" y="T7"/>
+              </a:cxn>
+              <a:cxn ang="0">
+                <a:pos x="T8" y="T9"/>
+              </a:cxn>
+            </a:cxnLst>
+            <a:rect l="0" t="0" r="r" b="b"/>
+            <a:pathLst>
+              <a:path w="447" h="1363">
+                <a:moveTo>
+                  <a:pt x="447" y="1363"/>
+                </a:moveTo>
+                <a:lnTo>
+                  <a:pt x="0" y="987"/>
+                </a:lnTo>
+                <a:lnTo>
+                  <a:pt x="0" y="0"/>
+                </a:lnTo>
+                <a:lnTo>
+                  <a:pt x="447" y="376"/>
+                </a:lnTo>
+                <a:lnTo>
+                  <a:pt x="447" y="1363"/>
+                </a:lnTo>
+                <a:close/>
+              </a:path>
+            </a:pathLst>
+          </a:custGeom>
+          <a:solidFill>
+            <a:schemeClr val="accent1">
+              <a:lumMod val="50000"/>
+            </a:schemeClr>
+          </a:solidFill>
+          <a:ln>
+            <a:noFill/>
+          </a:ln>
+        </p:spPr>
+        <p:txBody>
+          <a:bodyPr vert="horz" wrap="square" lIns="91440" tIns="45720" rIns="91440" bIns="45720" numCol="1" anchor="t" anchorCtr="0" compatLnSpc="1">
+            <a:prstTxWarp prst="textNoShape">
+              <a:avLst/>
+            </a:prstTxWarp>
+          </a:bodyPr>
+          <a:lstStyle/>
+          <a:p>
+            <a:endParaRPr lang="en-US"/>
+          </a:p>
+        </p:txBody>
+      </p:sp>
+      <p:sp>
+        <p:nvSpPr>
+          <p:cNvPr id="12" name="Freeform 46">
+            <a:extLst>
+              <a:ext uri="{FF2B5EF4-FFF2-40B4-BE49-F238E27FC236}">
+                <a16:creationId xmlns:a16="http://schemas.microsoft.com/office/drawing/2014/main" id="{2AEBC8F2-97B1-41B4-93F1-2D289E197FBA}"/>
+              </a:ext>
+              <a:ext uri="{C183D7F6-B498-43B3-948B-1728B52AA6E4}">
+                <adec:decorative xmlns:adec="http://schemas.microsoft.com/office/drawing/2017/decorative" val="1"/>
+              </a:ext>
+            </a:extLst>
+          </p:cNvPr>
+          <p:cNvSpPr>
+            <a:spLocks noGrp="1" noRot="1" noChangeAspect="1" noMove="1" noResize="1" noEditPoints="1" noAdjustHandles="1" noChangeArrowheads="1" noChangeShapeType="1" noTextEdit="1"/>
+          </p:cNvSpPr>
+          <p:nvPr>
+            <p:extLst>
+              <p:ext uri="{386F3935-93C4-4BCD-93E2-E3B085C9AB24}">
+                <p16:designElem xmlns:p16="http://schemas.microsoft.com/office/powerpoint/2015/main" val="1"/>
+              </p:ext>
+            </p:extLst>
+          </p:nvPr>
+        </p:nvSpPr>
+        <p:spPr bwMode="auto">
+          <a:xfrm>
+            <a:off x="307282" y="837744"/>
+            <a:ext cx="302419" cy="1705431"/>
+          </a:xfrm>
+          <a:custGeom>
+            <a:avLst/>
+            <a:gdLst>
+              <a:gd name="T0" fmla="*/ 254 w 254"/>
+              <a:gd name="T1" fmla="*/ 987 h 1109"/>
+              <a:gd name="T2" fmla="*/ 0 w 254"/>
+              <a:gd name="T3" fmla="*/ 1109 h 1109"/>
+              <a:gd name="T4" fmla="*/ 0 w 254"/>
+              <a:gd name="T5" fmla="*/ 119 h 1109"/>
+              <a:gd name="T6" fmla="*/ 254 w 254"/>
+              <a:gd name="T7" fmla="*/ 0 h 1109"/>
+              <a:gd name="T8" fmla="*/ 254 w 254"/>
+              <a:gd name="T9" fmla="*/ 987 h 1109"/>
+            </a:gdLst>
+            <a:ahLst/>
+            <a:cxnLst>
+              <a:cxn ang="0">
+                <a:pos x="T0" y="T1"/>
+              </a:cxn>
+              <a:cxn ang="0">
+                <a:pos x="T2" y="T3"/>
+              </a:cxn>
+              <a:cxn ang="0">
+                <a:pos x="T4" y="T5"/>
+              </a:cxn>
+              <a:cxn ang="0">
+                <a:pos x="T6" y="T7"/>
+              </a:cxn>
+              <a:cxn ang="0">
+                <a:pos x="T8" y="T9"/>
+              </a:cxn>
+            </a:cxnLst>
+            <a:rect l="0" t="0" r="r" b="b"/>
+            <a:pathLst>
+              <a:path w="254" h="1109">
+                <a:moveTo>
+                  <a:pt x="254" y="987"/>
+                </a:moveTo>
+                <a:lnTo>
+                  <a:pt x="0" y="1109"/>
+                </a:lnTo>
+                <a:lnTo>
+                  <a:pt x="0" y="119"/>
+                </a:lnTo>
+                <a:lnTo>
+                  <a:pt x="254" y="0"/>
+                </a:lnTo>
+                <a:lnTo>
+                  <a:pt x="254" y="987"/>
+                </a:lnTo>
+                <a:close/>
+              </a:path>
+            </a:pathLst>
+          </a:custGeom>
+          <a:solidFill>
+            <a:schemeClr val="accent1">
+              <a:lumMod val="75000"/>
+            </a:schemeClr>
+          </a:solidFill>
+          <a:ln>
+            <a:noFill/>
+          </a:ln>
+        </p:spPr>
+        <p:txBody>
+          <a:bodyPr vert="horz" wrap="square" lIns="91440" tIns="45720" rIns="91440" bIns="45720" numCol="1" anchor="t" anchorCtr="0" compatLnSpc="1">
+            <a:prstTxWarp prst="textNoShape">
+              <a:avLst/>
+            </a:prstTxWarp>
+          </a:bodyPr>
+          <a:lstStyle/>
+          <a:p>
+            <a:endParaRPr lang="en-US"/>
+          </a:p>
+        </p:txBody>
+      </p:sp>
+      <p:sp>
+        <p:nvSpPr>
+          <p:cNvPr id="14" name="Freeform 47">
+            <a:extLst>
+              <a:ext uri="{FF2B5EF4-FFF2-40B4-BE49-F238E27FC236}">
+                <a16:creationId xmlns:a16="http://schemas.microsoft.com/office/drawing/2014/main" id="{472E3A19-F5D5-48FC-BB9C-48C2F68F598B}"/>
+              </a:ext>
+              <a:ext uri="{C183D7F6-B498-43B3-948B-1728B52AA6E4}">
+                <adec:decorative xmlns:adec="http://schemas.microsoft.com/office/drawing/2017/decorative" val="1"/>
+              </a:ext>
+            </a:extLst>
+          </p:cNvPr>
+          <p:cNvSpPr>
+            <a:spLocks noGrp="1" noRot="1" noChangeAspect="1" noMove="1" noResize="1" noEditPoints="1" noAdjustHandles="1" noChangeArrowheads="1" noChangeShapeType="1" noTextEdit="1"/>
+          </p:cNvSpPr>
+          <p:nvPr>
+            <p:extLst>
+              <p:ext uri="{386F3935-93C4-4BCD-93E2-E3B085C9AB24}">
+                <p16:designElem xmlns:p16="http://schemas.microsoft.com/office/powerpoint/2015/main" val="1"/>
+              </p:ext>
+            </p:extLst>
+          </p:nvPr>
+        </p:nvSpPr>
+        <p:spPr bwMode="auto">
+          <a:xfrm>
+            <a:off x="483495" y="640894"/>
+            <a:ext cx="126206" cy="1713195"/>
+          </a:xfrm>
+          <a:custGeom>
+            <a:avLst/>
+            <a:gdLst>
+              <a:gd name="T0" fmla="*/ 106 w 106"/>
+              <a:gd name="T1" fmla="*/ 1114 h 1114"/>
+              <a:gd name="T2" fmla="*/ 0 w 106"/>
+              <a:gd name="T3" fmla="*/ 1005 h 1114"/>
+              <a:gd name="T4" fmla="*/ 0 w 106"/>
+              <a:gd name="T5" fmla="*/ 0 h 1114"/>
+              <a:gd name="T6" fmla="*/ 106 w 106"/>
+              <a:gd name="T7" fmla="*/ 110 h 1114"/>
+              <a:gd name="T8" fmla="*/ 106 w 106"/>
+              <a:gd name="T9" fmla="*/ 1114 h 1114"/>
+            </a:gdLst>
+            <a:ahLst/>
+            <a:cxnLst>
+              <a:cxn ang="0">
+                <a:pos x="T0" y="T1"/>
+              </a:cxn>
+              <a:cxn ang="0">
+                <a:pos x="T2" y="T3"/>
+              </a:cxn>
+              <a:cxn ang="0">
+                <a:pos x="T4" y="T5"/>
+              </a:cxn>
+              <a:cxn ang="0">
+                <a:pos x="T6" y="T7"/>
+              </a:cxn>
+              <a:cxn ang="0">
+                <a:pos x="T8" y="T9"/>
+              </a:cxn>
+            </a:cxnLst>
+            <a:rect l="0" t="0" r="r" b="b"/>
+            <a:pathLst>
+              <a:path w="106" h="1114">
+                <a:moveTo>
+                  <a:pt x="106" y="1114"/>
+                </a:moveTo>
+                <a:lnTo>
+                  <a:pt x="0" y="1005"/>
+                </a:lnTo>
+                <a:lnTo>
+                  <a:pt x="0" y="0"/>
+                </a:lnTo>
+                <a:lnTo>
+                  <a:pt x="106" y="110"/>
+                </a:lnTo>
+                <a:lnTo>
+                  <a:pt x="106" y="1114"/>
+                </a:lnTo>
+                <a:close/>
+              </a:path>
+            </a:pathLst>
+          </a:custGeom>
+          <a:solidFill>
+            <a:schemeClr val="accent1">
+              <a:lumMod val="50000"/>
+            </a:schemeClr>
+          </a:solidFill>
+          <a:ln>
+            <a:noFill/>
+          </a:ln>
+        </p:spPr>
+        <p:txBody>
+          <a:bodyPr vert="horz" wrap="square" lIns="91440" tIns="45720" rIns="91440" bIns="45720" numCol="1" anchor="t" anchorCtr="0" compatLnSpc="1">
+            <a:prstTxWarp prst="textNoShape">
+              <a:avLst/>
+            </a:prstTxWarp>
+          </a:bodyPr>
+          <a:lstStyle/>
+          <a:p>
+            <a:endParaRPr lang="en-US"/>
+          </a:p>
+        </p:txBody>
+      </p:sp>
+      <p:sp>
+        <p:nvSpPr>
+          <p:cNvPr id="16" name="Freeform 44">
+            <a:extLst>
+              <a:ext uri="{FF2B5EF4-FFF2-40B4-BE49-F238E27FC236}">
+                <a16:creationId xmlns:a16="http://schemas.microsoft.com/office/drawing/2014/main" id="{7A62E32F-BB65-43A8-8EB5-92346890E549}"/>
+              </a:ext>
+              <a:ext uri="{C183D7F6-B498-43B3-948B-1728B52AA6E4}">
+                <adec:decorative xmlns:adec="http://schemas.microsoft.com/office/drawing/2017/decorative" val="1"/>
+              </a:ext>
+            </a:extLst>
+          </p:cNvPr>
+          <p:cNvSpPr>
+            <a:spLocks noGrp="1" noRot="1" noChangeAspect="1" noMove="1" noResize="1" noEditPoints="1" noAdjustHandles="1" noChangeArrowheads="1" noChangeShapeType="1" noTextEdit="1"/>
+          </p:cNvSpPr>
+          <p:nvPr>
+            <p:extLst>
+              <p:ext uri="{386F3935-93C4-4BCD-93E2-E3B085C9AB24}">
+                <p16:designElem xmlns:p16="http://schemas.microsoft.com/office/powerpoint/2015/main" val="1"/>
+              </p:ext>
+            </p:extLst>
+          </p:nvPr>
+        </p:nvSpPr>
+        <p:spPr bwMode="auto">
+          <a:xfrm>
+            <a:off x="8417402" y="635716"/>
+            <a:ext cx="246459" cy="1742360"/>
+          </a:xfrm>
+          <a:custGeom>
+            <a:avLst/>
+            <a:gdLst>
+              <a:gd name="T0" fmla="*/ 207 w 207"/>
+              <a:gd name="T1" fmla="*/ 987 h 1114"/>
+              <a:gd name="T2" fmla="*/ 0 w 207"/>
+              <a:gd name="T3" fmla="*/ 1114 h 1114"/>
+              <a:gd name="T4" fmla="*/ 0 w 207"/>
+              <a:gd name="T5" fmla="*/ 127 h 1114"/>
+              <a:gd name="T6" fmla="*/ 207 w 207"/>
+              <a:gd name="T7" fmla="*/ 0 h 1114"/>
+              <a:gd name="T8" fmla="*/ 207 w 207"/>
+              <a:gd name="T9" fmla="*/ 987 h 1114"/>
+            </a:gdLst>
+            <a:ahLst/>
+            <a:cxnLst>
+              <a:cxn ang="0">
+                <a:pos x="T0" y="T1"/>
+              </a:cxn>
+              <a:cxn ang="0">
+                <a:pos x="T2" y="T3"/>
+              </a:cxn>
+              <a:cxn ang="0">
+                <a:pos x="T4" y="T5"/>
+              </a:cxn>
+              <a:cxn ang="0">
+                <a:pos x="T6" y="T7"/>
+              </a:cxn>
+              <a:cxn ang="0">
+                <a:pos x="T8" y="T9"/>
+              </a:cxn>
+            </a:cxnLst>
+            <a:rect l="0" t="0" r="r" b="b"/>
+            <a:pathLst>
+              <a:path w="207" h="1114">
+                <a:moveTo>
+                  <a:pt x="207" y="987"/>
+                </a:moveTo>
+                <a:lnTo>
+                  <a:pt x="0" y="1114"/>
+                </a:lnTo>
+                <a:lnTo>
+                  <a:pt x="0" y="127"/>
+                </a:lnTo>
+                <a:lnTo>
+                  <a:pt x="207" y="0"/>
+                </a:lnTo>
+                <a:lnTo>
+                  <a:pt x="207" y="987"/>
+                </a:lnTo>
+                <a:close/>
+              </a:path>
+            </a:pathLst>
+          </a:custGeom>
+          <a:solidFill>
+            <a:schemeClr val="accent1">
+              <a:lumMod val="50000"/>
+            </a:schemeClr>
+          </a:solidFill>
+          <a:ln>
+            <a:noFill/>
+          </a:ln>
+        </p:spPr>
+        <p:txBody>
+          <a:bodyPr vert="horz" wrap="square" lIns="91440" tIns="45720" rIns="91440" bIns="45720" numCol="1" anchor="t" anchorCtr="0" compatLnSpc="1">
+            <a:prstTxWarp prst="textNoShape">
+              <a:avLst/>
+            </a:prstTxWarp>
+          </a:bodyPr>
+          <a:lstStyle/>
+          <a:p>
+            <a:endParaRPr lang="en-US"/>
+          </a:p>
+        </p:txBody>
+      </p:sp>
+      <p:sp>
+        <p:nvSpPr>
+          <p:cNvPr id="18" name="Rectangle 17">
+            <a:extLst>
+              <a:ext uri="{FF2B5EF4-FFF2-40B4-BE49-F238E27FC236}">
+                <a16:creationId xmlns:a16="http://schemas.microsoft.com/office/drawing/2014/main" id="{14E91B64-9FCC-451E-AFB4-A827D6329367}"/>
+              </a:ext>
+              <a:ext uri="{C183D7F6-B498-43B3-948B-1728B52AA6E4}">
+                <adec:decorative xmlns:adec="http://schemas.microsoft.com/office/drawing/2017/decorative" val="1"/>
+              </a:ext>
+            </a:extLst>
+          </p:cNvPr>
+          <p:cNvSpPr>
+            <a:spLocks noGrp="1" noRot="1" noChangeAspect="1" noMove="1" noResize="1" noEditPoints="1" noAdjustHandles="1" noChangeArrowheads="1" noChangeShapeType="1" noTextEdit="1"/>
+          </p:cNvSpPr>
+          <p:nvPr>
+            <p:extLst>
+              <p:ext uri="{386F3935-93C4-4BCD-93E2-E3B085C9AB24}">
+                <p16:designElem xmlns:p16="http://schemas.microsoft.com/office/powerpoint/2015/main" val="1"/>
+              </p:ext>
+            </p:extLst>
+          </p:nvPr>
+        </p:nvSpPr>
+        <p:spPr bwMode="auto">
+          <a:xfrm>
+            <a:off x="483041" y="635715"/>
+            <a:ext cx="8180897" cy="1541457"/>
+          </a:xfrm>
+          <a:prstGeom prst="rect">
+            <a:avLst/>
+          </a:prstGeom>
+          <a:solidFill>
+            <a:schemeClr val="accent1"/>
+          </a:solidFill>
+          <a:ln>
+            <a:noFill/>
+          </a:ln>
+        </p:spPr>
+        <p:txBody>
+          <a:bodyPr vert="horz" wrap="square" lIns="91440" tIns="45720" rIns="91440" bIns="45720" numCol="1" anchor="t" anchorCtr="0" compatLnSpc="1">
+            <a:prstTxWarp prst="textNoShape">
+              <a:avLst/>
+            </a:prstTxWarp>
+          </a:bodyPr>
+          <a:lstStyle/>
+          <a:p>
+            <a:endParaRPr lang="en-US"/>
+          </a:p>
+        </p:txBody>
+      </p:sp>
+      <p:sp>
+        <p:nvSpPr>
+          <p:cNvPr id="2" name="Title 1">
+            <a:extLst>
+              <a:ext uri="{FF2B5EF4-FFF2-40B4-BE49-F238E27FC236}">
+                <a16:creationId xmlns:a16="http://schemas.microsoft.com/office/drawing/2014/main" id="{CD9E2982-EC51-4226-B184-8092219A6A34}"/>
+              </a:ext>
+            </a:extLst>
+          </p:cNvPr>
+          <p:cNvSpPr>
+            <a:spLocks noGrp="1"/>
+          </p:cNvSpPr>
+          <p:nvPr>
+            <p:ph type="title"/>
+          </p:nvPr>
+        </p:nvSpPr>
+        <p:spPr>
+          <a:xfrm>
+            <a:off x="718879" y="800392"/>
+            <a:ext cx="7698523" cy="1212102"/>
+          </a:xfrm>
+        </p:spPr>
+        <p:txBody>
+          <a:bodyPr>
+            <a:normAutofit/>
+          </a:bodyPr>
+          <a:lstStyle/>
+          <a:p>
+            <a:r>
+              <a:rPr lang="en-US" sz="3500">
+                <a:solidFill>
+                  <a:srgbClr val="FFFFFF"/>
+                </a:solidFill>
+              </a:rPr>
+              <a:t>Quy trình huấn luyện</a:t>
+            </a:r>
+          </a:p>
+        </p:txBody>
+      </p:sp>
+      <p:pic>
+        <p:nvPicPr>
+          <p:cNvPr id="5" name="Picture 4" descr="Diagram&#10;&#10;Description automatically generated">
+            <a:extLst>
+              <a:ext uri="{FF2B5EF4-FFF2-40B4-BE49-F238E27FC236}">
+                <a16:creationId xmlns:a16="http://schemas.microsoft.com/office/drawing/2014/main" id="{D3A6D46C-4D2F-45A8-9208-85D09599A71B}"/>
+              </a:ext>
+            </a:extLst>
+          </p:cNvPr>
+          <p:cNvPicPr>
+            <a:picLocks noChangeAspect="1"/>
+          </p:cNvPicPr>
+          <p:nvPr/>
+        </p:nvPicPr>
+        <p:blipFill>
+          <a:blip r:embed="rId2">
+            <a:extLst>
+              <a:ext uri="{28A0092B-C50C-407E-A947-70E740481C1C}">
+                <a14:useLocalDpi xmlns:a14="http://schemas.microsoft.com/office/drawing/2010/main" val="0"/>
+              </a:ext>
+            </a:extLst>
+          </a:blip>
+          <a:stretch>
+            <a:fillRect/>
+          </a:stretch>
+        </p:blipFill>
+        <p:spPr>
+          <a:xfrm>
+            <a:off x="1965793" y="2371942"/>
+            <a:ext cx="5283146" cy="3735680"/>
+          </a:xfrm>
+          <a:prstGeom prst="rect">
+            <a:avLst/>
+          </a:prstGeom>
+        </p:spPr>
+      </p:pic>
+    </p:spTree>
+    <p:extLst>
+      <p:ext uri="{BB962C8B-B14F-4D97-AF65-F5344CB8AC3E}">
+        <p14:creationId xmlns:p14="http://schemas.microsoft.com/office/powerpoint/2010/main" val="629963643"/>
+      </p:ext>
+    </p:extLst>
+  </p:cSld>
+  <p:clrMapOvr>
+    <a:masterClrMapping/>
+  </p:clrMapOvr>
+</p:sld>
+</file>
+
+<file path=ppt/slides/slide19.xml><?xml version="1.0" encoding="utf-8"?>
 <p:sld xmlns:a="http://schemas.openxmlformats.org/drawingml/2006/main" xmlns:r="http://schemas.openxmlformats.org/officeDocument/2006/relationships" xmlns:p="http://schemas.openxmlformats.org/presentationml/2006/main">
   <p:cSld>
     <p:bg>
@@ -16522,7 +17908,7 @@
                   <a:srgbClr val="FFFFFF"/>
                 </a:solidFill>
               </a:rPr>
-              <a:t>Result </a:t>
+              <a:t>Kết quả</a:t>
             </a:r>
           </a:p>
         </p:txBody>
@@ -16591,7 +17977,7 @@
             </a:pPr>
             <a:r>
               <a:rPr lang="en-US" sz="2100"/>
-              <a:t>Vetorizer: TF-IDF</a:t>
+              <a:t>Vetorizer: BoW + TF-IDF</a:t>
             </a:r>
           </a:p>
           <a:p>
@@ -16601,7 +17987,7 @@
             </a:pPr>
             <a:r>
               <a:rPr lang="en-US" sz="2100"/>
-              <a:t>Train model: Kernel SVM</a:t>
+              <a:t>Mô hình huấn luyện: Kernel SVM</a:t>
             </a:r>
           </a:p>
         </p:txBody>
@@ -16619,7 +18005,2020 @@
 </p:sld>
 </file>
 
-<file path=ppt/slides/slide18.xml><?xml version="1.0" encoding="utf-8"?>
+<file path=ppt/slides/slide2.xml><?xml version="1.0" encoding="utf-8"?>
+<p:sld xmlns:a="http://schemas.openxmlformats.org/drawingml/2006/main" xmlns:r="http://schemas.openxmlformats.org/officeDocument/2006/relationships" xmlns:p="http://schemas.openxmlformats.org/presentationml/2006/main">
+  <p:cSld>
+    <p:bg>
+      <p:bgPr>
+        <a:solidFill>
+          <a:schemeClr val="bg1"/>
+        </a:solidFill>
+        <a:effectLst/>
+      </p:bgPr>
+    </p:bg>
+    <p:spTree>
+      <p:nvGrpSpPr>
+        <p:cNvPr id="1" name=""/>
+        <p:cNvGrpSpPr/>
+        <p:nvPr/>
+      </p:nvGrpSpPr>
+      <p:grpSpPr>
+        <a:xfrm>
+          <a:off x="0" y="0"/>
+          <a:ext cx="0" cy="0"/>
+          <a:chOff x="0" y="0"/>
+          <a:chExt cx="0" cy="0"/>
+        </a:xfrm>
+      </p:grpSpPr>
+      <p:sp useBgFill="1">
+        <p:nvSpPr>
+          <p:cNvPr id="8" name="Rectangle 7">
+            <a:extLst>
+              <a:ext uri="{FF2B5EF4-FFF2-40B4-BE49-F238E27FC236}">
+                <a16:creationId xmlns:a16="http://schemas.microsoft.com/office/drawing/2014/main" id="{3B854194-185D-494D-905C-7C7CB2E30F6E}"/>
+              </a:ext>
+              <a:ext uri="{C183D7F6-B498-43B3-948B-1728B52AA6E4}">
+                <adec:decorative xmlns:adec="http://schemas.microsoft.com/office/drawing/2017/decorative" val="1"/>
+              </a:ext>
+            </a:extLst>
+          </p:cNvPr>
+          <p:cNvSpPr>
+            <a:spLocks noGrp="1" noRot="1" noChangeAspect="1" noMove="1" noResize="1" noEditPoints="1" noAdjustHandles="1" noChangeArrowheads="1" noChangeShapeType="1" noTextEdit="1"/>
+          </p:cNvSpPr>
+          <p:nvPr>
+            <p:extLst>
+              <p:ext uri="{386F3935-93C4-4BCD-93E2-E3B085C9AB24}">
+                <p16:designElem xmlns:p16="http://schemas.microsoft.com/office/powerpoint/2015/main" val="1"/>
+              </p:ext>
+            </p:extLst>
+          </p:nvPr>
+        </p:nvSpPr>
+        <p:spPr>
+          <a:xfrm>
+            <a:off x="0" y="0"/>
+            <a:ext cx="4561583" cy="6858000"/>
+          </a:xfrm>
+          <a:prstGeom prst="rect">
+            <a:avLst/>
+          </a:prstGeom>
+          <a:ln>
+            <a:noFill/>
+          </a:ln>
+        </p:spPr>
+        <p:style>
+          <a:lnRef idx="2">
+            <a:schemeClr val="accent1">
+              <a:shade val="50000"/>
+            </a:schemeClr>
+          </a:lnRef>
+          <a:fillRef idx="1">
+            <a:schemeClr val="accent1"/>
+          </a:fillRef>
+          <a:effectRef idx="0">
+            <a:schemeClr val="accent1"/>
+          </a:effectRef>
+          <a:fontRef idx="minor">
+            <a:schemeClr val="lt1"/>
+          </a:fontRef>
+        </p:style>
+        <p:txBody>
+          <a:bodyPr rtlCol="0" anchor="ctr"/>
+          <a:lstStyle/>
+          <a:p>
+            <a:pPr algn="ctr"/>
+            <a:endParaRPr lang="en-US"/>
+          </a:p>
+        </p:txBody>
+      </p:sp>
+      <p:sp>
+        <p:nvSpPr>
+          <p:cNvPr id="10" name="Rectangle 9">
+            <a:extLst>
+              <a:ext uri="{FF2B5EF4-FFF2-40B4-BE49-F238E27FC236}">
+                <a16:creationId xmlns:a16="http://schemas.microsoft.com/office/drawing/2014/main" id="{B4F5FA0D-0104-4987-8241-EFF7C85B88DE}"/>
+              </a:ext>
+              <a:ext uri="{C183D7F6-B498-43B3-948B-1728B52AA6E4}">
+                <adec:decorative xmlns:adec="http://schemas.microsoft.com/office/drawing/2017/decorative" val="1"/>
+              </a:ext>
+            </a:extLst>
+          </p:cNvPr>
+          <p:cNvSpPr>
+            <a:spLocks noGrp="1" noRot="1" noChangeAspect="1" noMove="1" noResize="1" noEditPoints="1" noAdjustHandles="1" noChangeArrowheads="1" noChangeShapeType="1" noTextEdit="1"/>
+          </p:cNvSpPr>
+          <p:nvPr>
+            <p:extLst>
+              <p:ext uri="{386F3935-93C4-4BCD-93E2-E3B085C9AB24}">
+                <p16:designElem xmlns:p16="http://schemas.microsoft.com/office/powerpoint/2015/main" val="1"/>
+              </p:ext>
+            </p:extLst>
+          </p:nvPr>
+        </p:nvSpPr>
+        <p:spPr>
+          <a:xfrm>
+            <a:off x="0" y="0"/>
+            <a:ext cx="9143999" cy="6858000"/>
+          </a:xfrm>
+          <a:prstGeom prst="rect">
+            <a:avLst/>
+          </a:prstGeom>
+          <a:gradFill>
+            <a:gsLst>
+              <a:gs pos="0">
+                <a:schemeClr val="accent1">
+                  <a:lumMod val="90000"/>
+                </a:schemeClr>
+              </a:gs>
+              <a:gs pos="25000">
+                <a:schemeClr val="accent1">
+                  <a:lumMod val="90000"/>
+                </a:schemeClr>
+              </a:gs>
+              <a:gs pos="94000">
+                <a:schemeClr val="bg2">
+                  <a:lumMod val="25000"/>
+                </a:schemeClr>
+              </a:gs>
+              <a:gs pos="100000">
+                <a:schemeClr val="bg2">
+                  <a:lumMod val="25000"/>
+                </a:schemeClr>
+              </a:gs>
+            </a:gsLst>
+            <a:lin ang="4200000" scaled="0"/>
+          </a:gradFill>
+          <a:ln>
+            <a:noFill/>
+          </a:ln>
+        </p:spPr>
+        <p:style>
+          <a:lnRef idx="2">
+            <a:schemeClr val="accent1">
+              <a:shade val="50000"/>
+            </a:schemeClr>
+          </a:lnRef>
+          <a:fillRef idx="1">
+            <a:schemeClr val="accent1"/>
+          </a:fillRef>
+          <a:effectRef idx="0">
+            <a:schemeClr val="accent1"/>
+          </a:effectRef>
+          <a:fontRef idx="minor">
+            <a:schemeClr val="lt1"/>
+          </a:fontRef>
+        </p:style>
+        <p:txBody>
+          <a:bodyPr rtlCol="0" anchor="ctr"/>
+          <a:lstStyle/>
+          <a:p>
+            <a:pPr algn="ctr"/>
+            <a:endParaRPr lang="en-US"/>
+          </a:p>
+        </p:txBody>
+      </p:sp>
+      <p:pic>
+        <p:nvPicPr>
+          <p:cNvPr id="12" name="Picture 11">
+            <a:extLst>
+              <a:ext uri="{FF2B5EF4-FFF2-40B4-BE49-F238E27FC236}">
+                <a16:creationId xmlns:a16="http://schemas.microsoft.com/office/drawing/2014/main" id="{2897127E-6CEF-446C-BE87-93B7C46E49D1}"/>
+              </a:ext>
+              <a:ext uri="{C183D7F6-B498-43B3-948B-1728B52AA6E4}">
+                <adec:decorative xmlns:adec="http://schemas.microsoft.com/office/drawing/2017/decorative" val="1"/>
+              </a:ext>
+            </a:extLst>
+          </p:cNvPr>
+          <p:cNvPicPr>
+            <a:picLocks noGrp="1" noRot="1" noChangeAspect="1" noMove="1" noResize="1" noEditPoints="1" noAdjustHandles="1" noChangeArrowheads="1" noChangeShapeType="1" noCrop="1"/>
+          </p:cNvPicPr>
+          <p:nvPr>
+            <p:extLst>
+              <p:ext uri="{386F3935-93C4-4BCD-93E2-E3B085C9AB24}">
+                <p16:designElem xmlns:p16="http://schemas.microsoft.com/office/powerpoint/2015/main" val="1"/>
+              </p:ext>
+            </p:extLst>
+          </p:nvPr>
+        </p:nvPicPr>
+        <p:blipFill>
+          <a:blip r:embed="rId2">
+            <a:extLst>
+              <a:ext uri="{28A0092B-C50C-407E-A947-70E740481C1C}">
+                <a14:useLocalDpi xmlns:a14="http://schemas.microsoft.com/office/drawing/2010/main" val="0"/>
+              </a:ext>
+            </a:extLst>
+          </a:blip>
+          <a:stretch>
+            <a:fillRect/>
+          </a:stretch>
+        </p:blipFill>
+        <p:spPr>
+          <a:xfrm>
+            <a:off x="0" y="0"/>
+            <a:ext cx="9144000" cy="6858000"/>
+          </a:xfrm>
+          <a:prstGeom prst="rect">
+            <a:avLst/>
+          </a:prstGeom>
+        </p:spPr>
+      </p:pic>
+      <p:sp>
+        <p:nvSpPr>
+          <p:cNvPr id="2" name="Title 1"/>
+          <p:cNvSpPr>
+            <a:spLocks noGrp="1"/>
+          </p:cNvSpPr>
+          <p:nvPr>
+            <p:ph type="title"/>
+          </p:nvPr>
+        </p:nvSpPr>
+        <p:spPr>
+          <a:xfrm>
+            <a:off x="480059" y="2053641"/>
+            <a:ext cx="2751871" cy="2760098"/>
+          </a:xfrm>
+        </p:spPr>
+        <p:txBody>
+          <a:bodyPr>
+            <a:normAutofit/>
+          </a:bodyPr>
+          <a:lstStyle/>
+          <a:p>
+            <a:r>
+              <a:rPr lang="en-US">
+                <a:solidFill>
+                  <a:srgbClr val="FFFFFF"/>
+                </a:solidFill>
+              </a:rPr>
+              <a:t>Nội dung</a:t>
+            </a:r>
+          </a:p>
+        </p:txBody>
+      </p:sp>
+      <p:grpSp>
+        <p:nvGrpSpPr>
+          <p:cNvPr id="9" name="Group 8">
+            <a:extLst>
+              <a:ext uri="{FF2B5EF4-FFF2-40B4-BE49-F238E27FC236}">
+                <a16:creationId xmlns:a16="http://schemas.microsoft.com/office/drawing/2014/main" id="{8D38AA49-E93E-4CA0-9DFC-EF813700D7EB}"/>
+              </a:ext>
+            </a:extLst>
+          </p:cNvPr>
+          <p:cNvGrpSpPr/>
+          <p:nvPr/>
+        </p:nvGrpSpPr>
+        <p:grpSpPr>
+          <a:xfrm>
+            <a:off x="4582419" y="1160237"/>
+            <a:ext cx="3875384" cy="1059437"/>
+            <a:chOff x="0" y="563094"/>
+            <a:chExt cx="3943350" cy="1392299"/>
+          </a:xfrm>
+        </p:grpSpPr>
+        <p:sp>
+          <p:nvSpPr>
+            <p:cNvPr id="20" name="Rectangle: Rounded Corners 19">
+              <a:extLst>
+                <a:ext uri="{FF2B5EF4-FFF2-40B4-BE49-F238E27FC236}">
+                  <a16:creationId xmlns:a16="http://schemas.microsoft.com/office/drawing/2014/main" id="{AE865433-6401-40B9-AFCD-B5A4E3B9E970}"/>
+                </a:ext>
+              </a:extLst>
+            </p:cNvPr>
+            <p:cNvSpPr/>
+            <p:nvPr/>
+          </p:nvSpPr>
+          <p:spPr>
+            <a:xfrm>
+              <a:off x="0" y="563094"/>
+              <a:ext cx="3943350" cy="1392299"/>
+            </a:xfrm>
+            <a:prstGeom prst="roundRect">
+              <a:avLst/>
+            </a:prstGeom>
+          </p:spPr>
+          <p:style>
+            <a:lnRef idx="2">
+              <a:schemeClr val="lt1">
+                <a:hueOff val="0"/>
+                <a:satOff val="0"/>
+                <a:lumOff val="0"/>
+                <a:alphaOff val="0"/>
+              </a:schemeClr>
+            </a:lnRef>
+            <a:fillRef idx="1">
+              <a:schemeClr val="accent2">
+                <a:hueOff val="0"/>
+                <a:satOff val="0"/>
+                <a:lumOff val="0"/>
+                <a:alphaOff val="0"/>
+              </a:schemeClr>
+            </a:fillRef>
+            <a:effectRef idx="0">
+              <a:schemeClr val="accent2">
+                <a:hueOff val="0"/>
+                <a:satOff val="0"/>
+                <a:lumOff val="0"/>
+                <a:alphaOff val="0"/>
+              </a:schemeClr>
+            </a:effectRef>
+            <a:fontRef idx="minor">
+              <a:schemeClr val="lt1"/>
+            </a:fontRef>
+          </p:style>
+        </p:sp>
+        <p:sp>
+          <p:nvSpPr>
+            <p:cNvPr id="21" name="Rectangle: Rounded Corners 4">
+              <a:extLst>
+                <a:ext uri="{FF2B5EF4-FFF2-40B4-BE49-F238E27FC236}">
+                  <a16:creationId xmlns:a16="http://schemas.microsoft.com/office/drawing/2014/main" id="{53EF1199-4898-46AC-8D4B-19AE115C7580}"/>
+                </a:ext>
+              </a:extLst>
+            </p:cNvPr>
+            <p:cNvSpPr txBox="1"/>
+            <p:nvPr/>
+          </p:nvSpPr>
+          <p:spPr>
+            <a:xfrm>
+              <a:off x="67966" y="631060"/>
+              <a:ext cx="3807418" cy="1256367"/>
+            </a:xfrm>
+            <a:prstGeom prst="rect">
+              <a:avLst/>
+            </a:prstGeom>
+          </p:spPr>
+          <p:style>
+            <a:lnRef idx="0">
+              <a:scrgbClr r="0" g="0" b="0"/>
+            </a:lnRef>
+            <a:fillRef idx="0">
+              <a:scrgbClr r="0" g="0" b="0"/>
+            </a:fillRef>
+            <a:effectRef idx="0">
+              <a:scrgbClr r="0" g="0" b="0"/>
+            </a:effectRef>
+            <a:fontRef idx="minor">
+              <a:schemeClr val="lt1"/>
+            </a:fontRef>
+          </p:style>
+          <p:txBody>
+            <a:bodyPr spcFirstLastPara="0" vert="horz" wrap="square" lIns="133350" tIns="133350" rIns="133350" bIns="133350" numCol="1" spcCol="1270" anchor="ctr" anchorCtr="0">
+              <a:noAutofit/>
+            </a:bodyPr>
+            <a:lstStyle/>
+            <a:p>
+              <a:pPr marL="0" lvl="0" indent="0" algn="l" defTabSz="1555750">
+                <a:lnSpc>
+                  <a:spcPct val="90000"/>
+                </a:lnSpc>
+                <a:spcBef>
+                  <a:spcPct val="0"/>
+                </a:spcBef>
+                <a:spcAft>
+                  <a:spcPct val="35000"/>
+                </a:spcAft>
+                <a:buNone/>
+              </a:pPr>
+              <a:r>
+                <a:rPr lang="en-US" sz="2400" kern="1200"/>
+                <a:t>Giới thiệu bài toán</a:t>
+              </a:r>
+            </a:p>
+          </p:txBody>
+        </p:sp>
+      </p:grpSp>
+      <p:grpSp>
+        <p:nvGrpSpPr>
+          <p:cNvPr id="11" name="Group 10">
+            <a:extLst>
+              <a:ext uri="{FF2B5EF4-FFF2-40B4-BE49-F238E27FC236}">
+                <a16:creationId xmlns:a16="http://schemas.microsoft.com/office/drawing/2014/main" id="{BA626B6D-5891-4962-8801-8DAA5F79905B}"/>
+              </a:ext>
+            </a:extLst>
+          </p:cNvPr>
+          <p:cNvGrpSpPr/>
+          <p:nvPr/>
+        </p:nvGrpSpPr>
+        <p:grpSpPr>
+          <a:xfrm>
+            <a:off x="4582419" y="2653338"/>
+            <a:ext cx="3943350" cy="1059436"/>
+            <a:chOff x="0" y="2056194"/>
+            <a:chExt cx="3943350" cy="1392299"/>
+          </a:xfrm>
+        </p:grpSpPr>
+        <p:sp>
+          <p:nvSpPr>
+            <p:cNvPr id="17" name="Rectangle: Rounded Corners 16">
+              <a:extLst>
+                <a:ext uri="{FF2B5EF4-FFF2-40B4-BE49-F238E27FC236}">
+                  <a16:creationId xmlns:a16="http://schemas.microsoft.com/office/drawing/2014/main" id="{2ED9B839-169F-40AC-956A-9DD19392CA15}"/>
+                </a:ext>
+              </a:extLst>
+            </p:cNvPr>
+            <p:cNvSpPr/>
+            <p:nvPr/>
+          </p:nvSpPr>
+          <p:spPr>
+            <a:xfrm>
+              <a:off x="0" y="2056194"/>
+              <a:ext cx="3943350" cy="1392299"/>
+            </a:xfrm>
+            <a:prstGeom prst="roundRect">
+              <a:avLst/>
+            </a:prstGeom>
+          </p:spPr>
+          <p:style>
+            <a:lnRef idx="2">
+              <a:schemeClr val="lt1">
+                <a:hueOff val="0"/>
+                <a:satOff val="0"/>
+                <a:lumOff val="0"/>
+                <a:alphaOff val="0"/>
+              </a:schemeClr>
+            </a:lnRef>
+            <a:fillRef idx="1">
+              <a:schemeClr val="accent3">
+                <a:hueOff val="0"/>
+                <a:satOff val="0"/>
+                <a:lumOff val="0"/>
+                <a:alphaOff val="0"/>
+              </a:schemeClr>
+            </a:fillRef>
+            <a:effectRef idx="0">
+              <a:schemeClr val="accent3">
+                <a:hueOff val="0"/>
+                <a:satOff val="0"/>
+                <a:lumOff val="0"/>
+                <a:alphaOff val="0"/>
+              </a:schemeClr>
+            </a:effectRef>
+            <a:fontRef idx="minor">
+              <a:schemeClr val="lt1"/>
+            </a:fontRef>
+          </p:style>
+        </p:sp>
+        <p:sp>
+          <p:nvSpPr>
+            <p:cNvPr id="19" name="Rectangle: Rounded Corners 6">
+              <a:extLst>
+                <a:ext uri="{FF2B5EF4-FFF2-40B4-BE49-F238E27FC236}">
+                  <a16:creationId xmlns:a16="http://schemas.microsoft.com/office/drawing/2014/main" id="{1044F06C-3102-474D-AFCA-C4EEDFF85F12}"/>
+                </a:ext>
+              </a:extLst>
+            </p:cNvPr>
+            <p:cNvSpPr txBox="1"/>
+            <p:nvPr/>
+          </p:nvSpPr>
+          <p:spPr>
+            <a:xfrm>
+              <a:off x="67966" y="2124160"/>
+              <a:ext cx="3807418" cy="1256367"/>
+            </a:xfrm>
+            <a:prstGeom prst="rect">
+              <a:avLst/>
+            </a:prstGeom>
+          </p:spPr>
+          <p:style>
+            <a:lnRef idx="0">
+              <a:scrgbClr r="0" g="0" b="0"/>
+            </a:lnRef>
+            <a:fillRef idx="0">
+              <a:scrgbClr r="0" g="0" b="0"/>
+            </a:fillRef>
+            <a:effectRef idx="0">
+              <a:scrgbClr r="0" g="0" b="0"/>
+            </a:effectRef>
+            <a:fontRef idx="minor">
+              <a:schemeClr val="lt1"/>
+            </a:fontRef>
+          </p:style>
+          <p:txBody>
+            <a:bodyPr spcFirstLastPara="0" vert="horz" wrap="square" lIns="133350" tIns="133350" rIns="133350" bIns="133350" numCol="1" spcCol="1270" anchor="ctr" anchorCtr="0">
+              <a:noAutofit/>
+            </a:bodyPr>
+            <a:lstStyle/>
+            <a:p>
+              <a:pPr marL="0" lvl="0" indent="0" algn="l" defTabSz="1555750">
+                <a:lnSpc>
+                  <a:spcPct val="90000"/>
+                </a:lnSpc>
+                <a:spcBef>
+                  <a:spcPct val="0"/>
+                </a:spcBef>
+                <a:spcAft>
+                  <a:spcPct val="35000"/>
+                </a:spcAft>
+                <a:buNone/>
+              </a:pPr>
+              <a:r>
+                <a:rPr lang="en-US" sz="2400" kern="1200"/>
+                <a:t>Phân tích và giải quyết bài toán</a:t>
+              </a:r>
+            </a:p>
+          </p:txBody>
+        </p:sp>
+      </p:grpSp>
+      <p:grpSp>
+        <p:nvGrpSpPr>
+          <p:cNvPr id="13" name="Group 12">
+            <a:extLst>
+              <a:ext uri="{FF2B5EF4-FFF2-40B4-BE49-F238E27FC236}">
+                <a16:creationId xmlns:a16="http://schemas.microsoft.com/office/drawing/2014/main" id="{AB460D31-0830-45B8-92AB-1BA99F150C01}"/>
+              </a:ext>
+            </a:extLst>
+          </p:cNvPr>
+          <p:cNvGrpSpPr/>
+          <p:nvPr/>
+        </p:nvGrpSpPr>
+        <p:grpSpPr>
+          <a:xfrm>
+            <a:off x="4582419" y="4146438"/>
+            <a:ext cx="3875384" cy="1059436"/>
+            <a:chOff x="0" y="3549294"/>
+            <a:chExt cx="3943350" cy="1392299"/>
+          </a:xfrm>
+        </p:grpSpPr>
+        <p:sp>
+          <p:nvSpPr>
+            <p:cNvPr id="15" name="Rectangle: Rounded Corners 14">
+              <a:extLst>
+                <a:ext uri="{FF2B5EF4-FFF2-40B4-BE49-F238E27FC236}">
+                  <a16:creationId xmlns:a16="http://schemas.microsoft.com/office/drawing/2014/main" id="{02F0CA94-FC59-41D5-9F0F-84E1FF5B609B}"/>
+                </a:ext>
+              </a:extLst>
+            </p:cNvPr>
+            <p:cNvSpPr/>
+            <p:nvPr/>
+          </p:nvSpPr>
+          <p:spPr>
+            <a:xfrm>
+              <a:off x="0" y="3549294"/>
+              <a:ext cx="3943350" cy="1392299"/>
+            </a:xfrm>
+            <a:prstGeom prst="roundRect">
+              <a:avLst/>
+            </a:prstGeom>
+          </p:spPr>
+          <p:style>
+            <a:lnRef idx="2">
+              <a:schemeClr val="lt1">
+                <a:hueOff val="0"/>
+                <a:satOff val="0"/>
+                <a:lumOff val="0"/>
+                <a:alphaOff val="0"/>
+              </a:schemeClr>
+            </a:lnRef>
+            <a:fillRef idx="1">
+              <a:schemeClr val="accent4">
+                <a:hueOff val="0"/>
+                <a:satOff val="0"/>
+                <a:lumOff val="0"/>
+                <a:alphaOff val="0"/>
+              </a:schemeClr>
+            </a:fillRef>
+            <a:effectRef idx="0">
+              <a:schemeClr val="accent4">
+                <a:hueOff val="0"/>
+                <a:satOff val="0"/>
+                <a:lumOff val="0"/>
+                <a:alphaOff val="0"/>
+              </a:schemeClr>
+            </a:effectRef>
+            <a:fontRef idx="minor">
+              <a:schemeClr val="lt1"/>
+            </a:fontRef>
+          </p:style>
+        </p:sp>
+        <p:sp>
+          <p:nvSpPr>
+            <p:cNvPr id="16" name="Rectangle: Rounded Corners 8">
+              <a:extLst>
+                <a:ext uri="{FF2B5EF4-FFF2-40B4-BE49-F238E27FC236}">
+                  <a16:creationId xmlns:a16="http://schemas.microsoft.com/office/drawing/2014/main" id="{FEE00E1B-66AF-49CD-86C9-4D0EAE4449BF}"/>
+                </a:ext>
+              </a:extLst>
+            </p:cNvPr>
+            <p:cNvSpPr txBox="1"/>
+            <p:nvPr/>
+          </p:nvSpPr>
+          <p:spPr>
+            <a:xfrm>
+              <a:off x="67966" y="3617260"/>
+              <a:ext cx="3807418" cy="1256367"/>
+            </a:xfrm>
+            <a:prstGeom prst="rect">
+              <a:avLst/>
+            </a:prstGeom>
+          </p:spPr>
+          <p:style>
+            <a:lnRef idx="0">
+              <a:scrgbClr r="0" g="0" b="0"/>
+            </a:lnRef>
+            <a:fillRef idx="0">
+              <a:scrgbClr r="0" g="0" b="0"/>
+            </a:fillRef>
+            <a:effectRef idx="0">
+              <a:scrgbClr r="0" g="0" b="0"/>
+            </a:effectRef>
+            <a:fontRef idx="minor">
+              <a:schemeClr val="lt1"/>
+            </a:fontRef>
+          </p:style>
+          <p:txBody>
+            <a:bodyPr spcFirstLastPara="0" vert="horz" wrap="square" lIns="133350" tIns="133350" rIns="133350" bIns="133350" numCol="1" spcCol="1270" anchor="ctr" anchorCtr="0">
+              <a:noAutofit/>
+            </a:bodyPr>
+            <a:lstStyle/>
+            <a:p>
+              <a:pPr marL="0" lvl="0" indent="0" algn="l" defTabSz="1555750">
+                <a:lnSpc>
+                  <a:spcPct val="90000"/>
+                </a:lnSpc>
+                <a:spcBef>
+                  <a:spcPct val="0"/>
+                </a:spcBef>
+                <a:spcAft>
+                  <a:spcPct val="35000"/>
+                </a:spcAft>
+                <a:buNone/>
+              </a:pPr>
+              <a:r>
+                <a:rPr lang="en-US" sz="2400" kern="1200"/>
+                <a:t>Kết luận</a:t>
+              </a:r>
+            </a:p>
+          </p:txBody>
+        </p:sp>
+      </p:grpSp>
+    </p:spTree>
+    <p:extLst>
+      <p:ext uri="{BB962C8B-B14F-4D97-AF65-F5344CB8AC3E}">
+        <p14:creationId xmlns:p14="http://schemas.microsoft.com/office/powerpoint/2010/main" val="2365241059"/>
+      </p:ext>
+    </p:extLst>
+  </p:cSld>
+  <p:clrMapOvr>
+    <a:masterClrMapping/>
+  </p:clrMapOvr>
+</p:sld>
+</file>
+
+<file path=ppt/slides/slide20.xml><?xml version="1.0" encoding="utf-8"?>
+<p:sld xmlns:a="http://schemas.openxmlformats.org/drawingml/2006/main" xmlns:r="http://schemas.openxmlformats.org/officeDocument/2006/relationships" xmlns:p="http://schemas.openxmlformats.org/presentationml/2006/main">
+  <p:cSld>
+    <p:bg>
+      <p:bgPr>
+        <a:solidFill>
+          <a:schemeClr val="bg1"/>
+        </a:solidFill>
+        <a:effectLst/>
+      </p:bgPr>
+    </p:bg>
+    <p:spTree>
+      <p:nvGrpSpPr>
+        <p:cNvPr id="1" name=""/>
+        <p:cNvGrpSpPr/>
+        <p:nvPr/>
+      </p:nvGrpSpPr>
+      <p:grpSpPr>
+        <a:xfrm>
+          <a:off x="0" y="0"/>
+          <a:ext cx="0" cy="0"/>
+          <a:chOff x="0" y="0"/>
+          <a:chExt cx="0" cy="0"/>
+        </a:xfrm>
+      </p:grpSpPr>
+      <p:sp useBgFill="1">
+        <p:nvSpPr>
+          <p:cNvPr id="8" name="Rectangle 7">
+            <a:extLst>
+              <a:ext uri="{FF2B5EF4-FFF2-40B4-BE49-F238E27FC236}">
+                <a16:creationId xmlns:a16="http://schemas.microsoft.com/office/drawing/2014/main" id="{827B839B-9ADE-406B-8590-F1CAEDED45A1}"/>
+              </a:ext>
+              <a:ext uri="{C183D7F6-B498-43B3-948B-1728B52AA6E4}">
+                <adec:decorative xmlns:adec="http://schemas.microsoft.com/office/drawing/2017/decorative" val="1"/>
+              </a:ext>
+            </a:extLst>
+          </p:cNvPr>
+          <p:cNvSpPr>
+            <a:spLocks noGrp="1" noRot="1" noChangeAspect="1" noMove="1" noResize="1" noEditPoints="1" noAdjustHandles="1" noChangeArrowheads="1" noChangeShapeType="1" noTextEdit="1"/>
+          </p:cNvSpPr>
+          <p:nvPr>
+            <p:extLst>
+              <p:ext uri="{386F3935-93C4-4BCD-93E2-E3B085C9AB24}">
+                <p16:designElem xmlns:p16="http://schemas.microsoft.com/office/powerpoint/2015/main" val="1"/>
+              </p:ext>
+            </p:extLst>
+          </p:nvPr>
+        </p:nvSpPr>
+        <p:spPr>
+          <a:xfrm>
+            <a:off x="0" y="0"/>
+            <a:ext cx="9141714" cy="6858000"/>
+          </a:xfrm>
+          <a:prstGeom prst="rect">
+            <a:avLst/>
+          </a:prstGeom>
+          <a:ln>
+            <a:noFill/>
+          </a:ln>
+        </p:spPr>
+        <p:style>
+          <a:lnRef idx="2">
+            <a:schemeClr val="accent1">
+              <a:shade val="50000"/>
+            </a:schemeClr>
+          </a:lnRef>
+          <a:fillRef idx="1">
+            <a:schemeClr val="accent1"/>
+          </a:fillRef>
+          <a:effectRef idx="0">
+            <a:schemeClr val="accent1"/>
+          </a:effectRef>
+          <a:fontRef idx="minor">
+            <a:schemeClr val="lt1"/>
+          </a:fontRef>
+        </p:style>
+        <p:txBody>
+          <a:bodyPr rtlCol="0" anchor="ctr"/>
+          <a:lstStyle/>
+          <a:p>
+            <a:pPr algn="ctr"/>
+            <a:endParaRPr lang="en-US"/>
+          </a:p>
+        </p:txBody>
+      </p:sp>
+      <p:sp>
+        <p:nvSpPr>
+          <p:cNvPr id="10" name="Freeform 45">
+            <a:extLst>
+              <a:ext uri="{FF2B5EF4-FFF2-40B4-BE49-F238E27FC236}">
+                <a16:creationId xmlns:a16="http://schemas.microsoft.com/office/drawing/2014/main" id="{CFE45BF0-46DB-408C-B5F7-7B11716805D4}"/>
+              </a:ext>
+              <a:ext uri="{C183D7F6-B498-43B3-948B-1728B52AA6E4}">
+                <adec:decorative xmlns:adec="http://schemas.microsoft.com/office/drawing/2017/decorative" val="1"/>
+              </a:ext>
+            </a:extLst>
+          </p:cNvPr>
+          <p:cNvSpPr>
+            <a:spLocks noGrp="1" noRot="1" noChangeAspect="1" noMove="1" noResize="1" noEditPoints="1" noAdjustHandles="1" noChangeArrowheads="1" noChangeShapeType="1" noTextEdit="1"/>
+          </p:cNvSpPr>
+          <p:nvPr>
+            <p:extLst>
+              <p:ext uri="{386F3935-93C4-4BCD-93E2-E3B085C9AB24}">
+                <p16:designElem xmlns:p16="http://schemas.microsoft.com/office/powerpoint/2015/main" val="1"/>
+              </p:ext>
+            </p:extLst>
+          </p:nvPr>
+        </p:nvSpPr>
+        <p:spPr bwMode="auto">
+          <a:xfrm>
+            <a:off x="307282" y="1022350"/>
+            <a:ext cx="532209" cy="2095501"/>
+          </a:xfrm>
+          <a:custGeom>
+            <a:avLst/>
+            <a:gdLst>
+              <a:gd name="T0" fmla="*/ 447 w 447"/>
+              <a:gd name="T1" fmla="*/ 1363 h 1363"/>
+              <a:gd name="T2" fmla="*/ 0 w 447"/>
+              <a:gd name="T3" fmla="*/ 987 h 1363"/>
+              <a:gd name="T4" fmla="*/ 0 w 447"/>
+              <a:gd name="T5" fmla="*/ 0 h 1363"/>
+              <a:gd name="T6" fmla="*/ 447 w 447"/>
+              <a:gd name="T7" fmla="*/ 376 h 1363"/>
+              <a:gd name="T8" fmla="*/ 447 w 447"/>
+              <a:gd name="T9" fmla="*/ 1363 h 1363"/>
+            </a:gdLst>
+            <a:ahLst/>
+            <a:cxnLst>
+              <a:cxn ang="0">
+                <a:pos x="T0" y="T1"/>
+              </a:cxn>
+              <a:cxn ang="0">
+                <a:pos x="T2" y="T3"/>
+              </a:cxn>
+              <a:cxn ang="0">
+                <a:pos x="T4" y="T5"/>
+              </a:cxn>
+              <a:cxn ang="0">
+                <a:pos x="T6" y="T7"/>
+              </a:cxn>
+              <a:cxn ang="0">
+                <a:pos x="T8" y="T9"/>
+              </a:cxn>
+            </a:cxnLst>
+            <a:rect l="0" t="0" r="r" b="b"/>
+            <a:pathLst>
+              <a:path w="447" h="1363">
+                <a:moveTo>
+                  <a:pt x="447" y="1363"/>
+                </a:moveTo>
+                <a:lnTo>
+                  <a:pt x="0" y="987"/>
+                </a:lnTo>
+                <a:lnTo>
+                  <a:pt x="0" y="0"/>
+                </a:lnTo>
+                <a:lnTo>
+                  <a:pt x="447" y="376"/>
+                </a:lnTo>
+                <a:lnTo>
+                  <a:pt x="447" y="1363"/>
+                </a:lnTo>
+                <a:close/>
+              </a:path>
+            </a:pathLst>
+          </a:custGeom>
+          <a:solidFill>
+            <a:schemeClr val="accent1">
+              <a:lumMod val="50000"/>
+            </a:schemeClr>
+          </a:solidFill>
+          <a:ln>
+            <a:noFill/>
+          </a:ln>
+        </p:spPr>
+        <p:txBody>
+          <a:bodyPr vert="horz" wrap="square" lIns="91440" tIns="45720" rIns="91440" bIns="45720" numCol="1" anchor="t" anchorCtr="0" compatLnSpc="1">
+            <a:prstTxWarp prst="textNoShape">
+              <a:avLst/>
+            </a:prstTxWarp>
+          </a:bodyPr>
+          <a:lstStyle/>
+          <a:p>
+            <a:endParaRPr lang="en-US"/>
+          </a:p>
+        </p:txBody>
+      </p:sp>
+      <p:sp>
+        <p:nvSpPr>
+          <p:cNvPr id="12" name="Freeform 46">
+            <a:extLst>
+              <a:ext uri="{FF2B5EF4-FFF2-40B4-BE49-F238E27FC236}">
+                <a16:creationId xmlns:a16="http://schemas.microsoft.com/office/drawing/2014/main" id="{2AEBC8F2-97B1-41B4-93F1-2D289E197FBA}"/>
+              </a:ext>
+              <a:ext uri="{C183D7F6-B498-43B3-948B-1728B52AA6E4}">
+                <adec:decorative xmlns:adec="http://schemas.microsoft.com/office/drawing/2017/decorative" val="1"/>
+              </a:ext>
+            </a:extLst>
+          </p:cNvPr>
+          <p:cNvSpPr>
+            <a:spLocks noGrp="1" noRot="1" noChangeAspect="1" noMove="1" noResize="1" noEditPoints="1" noAdjustHandles="1" noChangeArrowheads="1" noChangeShapeType="1" noTextEdit="1"/>
+          </p:cNvSpPr>
+          <p:nvPr>
+            <p:extLst>
+              <p:ext uri="{386F3935-93C4-4BCD-93E2-E3B085C9AB24}">
+                <p16:designElem xmlns:p16="http://schemas.microsoft.com/office/powerpoint/2015/main" val="1"/>
+              </p:ext>
+            </p:extLst>
+          </p:nvPr>
+        </p:nvSpPr>
+        <p:spPr bwMode="auto">
+          <a:xfrm>
+            <a:off x="307282" y="837744"/>
+            <a:ext cx="302419" cy="1705431"/>
+          </a:xfrm>
+          <a:custGeom>
+            <a:avLst/>
+            <a:gdLst>
+              <a:gd name="T0" fmla="*/ 254 w 254"/>
+              <a:gd name="T1" fmla="*/ 987 h 1109"/>
+              <a:gd name="T2" fmla="*/ 0 w 254"/>
+              <a:gd name="T3" fmla="*/ 1109 h 1109"/>
+              <a:gd name="T4" fmla="*/ 0 w 254"/>
+              <a:gd name="T5" fmla="*/ 119 h 1109"/>
+              <a:gd name="T6" fmla="*/ 254 w 254"/>
+              <a:gd name="T7" fmla="*/ 0 h 1109"/>
+              <a:gd name="T8" fmla="*/ 254 w 254"/>
+              <a:gd name="T9" fmla="*/ 987 h 1109"/>
+            </a:gdLst>
+            <a:ahLst/>
+            <a:cxnLst>
+              <a:cxn ang="0">
+                <a:pos x="T0" y="T1"/>
+              </a:cxn>
+              <a:cxn ang="0">
+                <a:pos x="T2" y="T3"/>
+              </a:cxn>
+              <a:cxn ang="0">
+                <a:pos x="T4" y="T5"/>
+              </a:cxn>
+              <a:cxn ang="0">
+                <a:pos x="T6" y="T7"/>
+              </a:cxn>
+              <a:cxn ang="0">
+                <a:pos x="T8" y="T9"/>
+              </a:cxn>
+            </a:cxnLst>
+            <a:rect l="0" t="0" r="r" b="b"/>
+            <a:pathLst>
+              <a:path w="254" h="1109">
+                <a:moveTo>
+                  <a:pt x="254" y="987"/>
+                </a:moveTo>
+                <a:lnTo>
+                  <a:pt x="0" y="1109"/>
+                </a:lnTo>
+                <a:lnTo>
+                  <a:pt x="0" y="119"/>
+                </a:lnTo>
+                <a:lnTo>
+                  <a:pt x="254" y="0"/>
+                </a:lnTo>
+                <a:lnTo>
+                  <a:pt x="254" y="987"/>
+                </a:lnTo>
+                <a:close/>
+              </a:path>
+            </a:pathLst>
+          </a:custGeom>
+          <a:solidFill>
+            <a:schemeClr val="accent1">
+              <a:lumMod val="75000"/>
+            </a:schemeClr>
+          </a:solidFill>
+          <a:ln>
+            <a:noFill/>
+          </a:ln>
+        </p:spPr>
+        <p:txBody>
+          <a:bodyPr vert="horz" wrap="square" lIns="91440" tIns="45720" rIns="91440" bIns="45720" numCol="1" anchor="t" anchorCtr="0" compatLnSpc="1">
+            <a:prstTxWarp prst="textNoShape">
+              <a:avLst/>
+            </a:prstTxWarp>
+          </a:bodyPr>
+          <a:lstStyle/>
+          <a:p>
+            <a:endParaRPr lang="en-US"/>
+          </a:p>
+        </p:txBody>
+      </p:sp>
+      <p:sp>
+        <p:nvSpPr>
+          <p:cNvPr id="14" name="Freeform 47">
+            <a:extLst>
+              <a:ext uri="{FF2B5EF4-FFF2-40B4-BE49-F238E27FC236}">
+                <a16:creationId xmlns:a16="http://schemas.microsoft.com/office/drawing/2014/main" id="{472E3A19-F5D5-48FC-BB9C-48C2F68F598B}"/>
+              </a:ext>
+              <a:ext uri="{C183D7F6-B498-43B3-948B-1728B52AA6E4}">
+                <adec:decorative xmlns:adec="http://schemas.microsoft.com/office/drawing/2017/decorative" val="1"/>
+              </a:ext>
+            </a:extLst>
+          </p:cNvPr>
+          <p:cNvSpPr>
+            <a:spLocks noGrp="1" noRot="1" noChangeAspect="1" noMove="1" noResize="1" noEditPoints="1" noAdjustHandles="1" noChangeArrowheads="1" noChangeShapeType="1" noTextEdit="1"/>
+          </p:cNvSpPr>
+          <p:nvPr>
+            <p:extLst>
+              <p:ext uri="{386F3935-93C4-4BCD-93E2-E3B085C9AB24}">
+                <p16:designElem xmlns:p16="http://schemas.microsoft.com/office/powerpoint/2015/main" val="1"/>
+              </p:ext>
+            </p:extLst>
+          </p:nvPr>
+        </p:nvSpPr>
+        <p:spPr bwMode="auto">
+          <a:xfrm>
+            <a:off x="483495" y="640894"/>
+            <a:ext cx="126206" cy="1713195"/>
+          </a:xfrm>
+          <a:custGeom>
+            <a:avLst/>
+            <a:gdLst>
+              <a:gd name="T0" fmla="*/ 106 w 106"/>
+              <a:gd name="T1" fmla="*/ 1114 h 1114"/>
+              <a:gd name="T2" fmla="*/ 0 w 106"/>
+              <a:gd name="T3" fmla="*/ 1005 h 1114"/>
+              <a:gd name="T4" fmla="*/ 0 w 106"/>
+              <a:gd name="T5" fmla="*/ 0 h 1114"/>
+              <a:gd name="T6" fmla="*/ 106 w 106"/>
+              <a:gd name="T7" fmla="*/ 110 h 1114"/>
+              <a:gd name="T8" fmla="*/ 106 w 106"/>
+              <a:gd name="T9" fmla="*/ 1114 h 1114"/>
+            </a:gdLst>
+            <a:ahLst/>
+            <a:cxnLst>
+              <a:cxn ang="0">
+                <a:pos x="T0" y="T1"/>
+              </a:cxn>
+              <a:cxn ang="0">
+                <a:pos x="T2" y="T3"/>
+              </a:cxn>
+              <a:cxn ang="0">
+                <a:pos x="T4" y="T5"/>
+              </a:cxn>
+              <a:cxn ang="0">
+                <a:pos x="T6" y="T7"/>
+              </a:cxn>
+              <a:cxn ang="0">
+                <a:pos x="T8" y="T9"/>
+              </a:cxn>
+            </a:cxnLst>
+            <a:rect l="0" t="0" r="r" b="b"/>
+            <a:pathLst>
+              <a:path w="106" h="1114">
+                <a:moveTo>
+                  <a:pt x="106" y="1114"/>
+                </a:moveTo>
+                <a:lnTo>
+                  <a:pt x="0" y="1005"/>
+                </a:lnTo>
+                <a:lnTo>
+                  <a:pt x="0" y="0"/>
+                </a:lnTo>
+                <a:lnTo>
+                  <a:pt x="106" y="110"/>
+                </a:lnTo>
+                <a:lnTo>
+                  <a:pt x="106" y="1114"/>
+                </a:lnTo>
+                <a:close/>
+              </a:path>
+            </a:pathLst>
+          </a:custGeom>
+          <a:solidFill>
+            <a:schemeClr val="accent1">
+              <a:lumMod val="50000"/>
+            </a:schemeClr>
+          </a:solidFill>
+          <a:ln>
+            <a:noFill/>
+          </a:ln>
+        </p:spPr>
+        <p:txBody>
+          <a:bodyPr vert="horz" wrap="square" lIns="91440" tIns="45720" rIns="91440" bIns="45720" numCol="1" anchor="t" anchorCtr="0" compatLnSpc="1">
+            <a:prstTxWarp prst="textNoShape">
+              <a:avLst/>
+            </a:prstTxWarp>
+          </a:bodyPr>
+          <a:lstStyle/>
+          <a:p>
+            <a:endParaRPr lang="en-US"/>
+          </a:p>
+        </p:txBody>
+      </p:sp>
+      <p:sp>
+        <p:nvSpPr>
+          <p:cNvPr id="16" name="Freeform 44">
+            <a:extLst>
+              <a:ext uri="{FF2B5EF4-FFF2-40B4-BE49-F238E27FC236}">
+                <a16:creationId xmlns:a16="http://schemas.microsoft.com/office/drawing/2014/main" id="{7A62E32F-BB65-43A8-8EB5-92346890E549}"/>
+              </a:ext>
+              <a:ext uri="{C183D7F6-B498-43B3-948B-1728B52AA6E4}">
+                <adec:decorative xmlns:adec="http://schemas.microsoft.com/office/drawing/2017/decorative" val="1"/>
+              </a:ext>
+            </a:extLst>
+          </p:cNvPr>
+          <p:cNvSpPr>
+            <a:spLocks noGrp="1" noRot="1" noChangeAspect="1" noMove="1" noResize="1" noEditPoints="1" noAdjustHandles="1" noChangeArrowheads="1" noChangeShapeType="1" noTextEdit="1"/>
+          </p:cNvSpPr>
+          <p:nvPr>
+            <p:extLst>
+              <p:ext uri="{386F3935-93C4-4BCD-93E2-E3B085C9AB24}">
+                <p16:designElem xmlns:p16="http://schemas.microsoft.com/office/powerpoint/2015/main" val="1"/>
+              </p:ext>
+            </p:extLst>
+          </p:nvPr>
+        </p:nvSpPr>
+        <p:spPr bwMode="auto">
+          <a:xfrm>
+            <a:off x="8417402" y="635716"/>
+            <a:ext cx="246459" cy="1742360"/>
+          </a:xfrm>
+          <a:custGeom>
+            <a:avLst/>
+            <a:gdLst>
+              <a:gd name="T0" fmla="*/ 207 w 207"/>
+              <a:gd name="T1" fmla="*/ 987 h 1114"/>
+              <a:gd name="T2" fmla="*/ 0 w 207"/>
+              <a:gd name="T3" fmla="*/ 1114 h 1114"/>
+              <a:gd name="T4" fmla="*/ 0 w 207"/>
+              <a:gd name="T5" fmla="*/ 127 h 1114"/>
+              <a:gd name="T6" fmla="*/ 207 w 207"/>
+              <a:gd name="T7" fmla="*/ 0 h 1114"/>
+              <a:gd name="T8" fmla="*/ 207 w 207"/>
+              <a:gd name="T9" fmla="*/ 987 h 1114"/>
+            </a:gdLst>
+            <a:ahLst/>
+            <a:cxnLst>
+              <a:cxn ang="0">
+                <a:pos x="T0" y="T1"/>
+              </a:cxn>
+              <a:cxn ang="0">
+                <a:pos x="T2" y="T3"/>
+              </a:cxn>
+              <a:cxn ang="0">
+                <a:pos x="T4" y="T5"/>
+              </a:cxn>
+              <a:cxn ang="0">
+                <a:pos x="T6" y="T7"/>
+              </a:cxn>
+              <a:cxn ang="0">
+                <a:pos x="T8" y="T9"/>
+              </a:cxn>
+            </a:cxnLst>
+            <a:rect l="0" t="0" r="r" b="b"/>
+            <a:pathLst>
+              <a:path w="207" h="1114">
+                <a:moveTo>
+                  <a:pt x="207" y="987"/>
+                </a:moveTo>
+                <a:lnTo>
+                  <a:pt x="0" y="1114"/>
+                </a:lnTo>
+                <a:lnTo>
+                  <a:pt x="0" y="127"/>
+                </a:lnTo>
+                <a:lnTo>
+                  <a:pt x="207" y="0"/>
+                </a:lnTo>
+                <a:lnTo>
+                  <a:pt x="207" y="987"/>
+                </a:lnTo>
+                <a:close/>
+              </a:path>
+            </a:pathLst>
+          </a:custGeom>
+          <a:solidFill>
+            <a:schemeClr val="accent1">
+              <a:lumMod val="50000"/>
+            </a:schemeClr>
+          </a:solidFill>
+          <a:ln>
+            <a:noFill/>
+          </a:ln>
+        </p:spPr>
+        <p:txBody>
+          <a:bodyPr vert="horz" wrap="square" lIns="91440" tIns="45720" rIns="91440" bIns="45720" numCol="1" anchor="t" anchorCtr="0" compatLnSpc="1">
+            <a:prstTxWarp prst="textNoShape">
+              <a:avLst/>
+            </a:prstTxWarp>
+          </a:bodyPr>
+          <a:lstStyle/>
+          <a:p>
+            <a:endParaRPr lang="en-US"/>
+          </a:p>
+        </p:txBody>
+      </p:sp>
+      <p:sp>
+        <p:nvSpPr>
+          <p:cNvPr id="18" name="Rectangle 17">
+            <a:extLst>
+              <a:ext uri="{FF2B5EF4-FFF2-40B4-BE49-F238E27FC236}">
+                <a16:creationId xmlns:a16="http://schemas.microsoft.com/office/drawing/2014/main" id="{14E91B64-9FCC-451E-AFB4-A827D6329367}"/>
+              </a:ext>
+              <a:ext uri="{C183D7F6-B498-43B3-948B-1728B52AA6E4}">
+                <adec:decorative xmlns:adec="http://schemas.microsoft.com/office/drawing/2017/decorative" val="1"/>
+              </a:ext>
+            </a:extLst>
+          </p:cNvPr>
+          <p:cNvSpPr>
+            <a:spLocks noGrp="1" noRot="1" noChangeAspect="1" noMove="1" noResize="1" noEditPoints="1" noAdjustHandles="1" noChangeArrowheads="1" noChangeShapeType="1" noTextEdit="1"/>
+          </p:cNvSpPr>
+          <p:nvPr>
+            <p:extLst>
+              <p:ext uri="{386F3935-93C4-4BCD-93E2-E3B085C9AB24}">
+                <p16:designElem xmlns:p16="http://schemas.microsoft.com/office/powerpoint/2015/main" val="1"/>
+              </p:ext>
+            </p:extLst>
+          </p:nvPr>
+        </p:nvSpPr>
+        <p:spPr bwMode="auto">
+          <a:xfrm>
+            <a:off x="483041" y="635715"/>
+            <a:ext cx="8180897" cy="1541457"/>
+          </a:xfrm>
+          <a:prstGeom prst="rect">
+            <a:avLst/>
+          </a:prstGeom>
+          <a:solidFill>
+            <a:schemeClr val="accent1"/>
+          </a:solidFill>
+          <a:ln>
+            <a:noFill/>
+          </a:ln>
+        </p:spPr>
+        <p:txBody>
+          <a:bodyPr vert="horz" wrap="square" lIns="91440" tIns="45720" rIns="91440" bIns="45720" numCol="1" anchor="t" anchorCtr="0" compatLnSpc="1">
+            <a:prstTxWarp prst="textNoShape">
+              <a:avLst/>
+            </a:prstTxWarp>
+          </a:bodyPr>
+          <a:lstStyle/>
+          <a:p>
+            <a:endParaRPr lang="en-US"/>
+          </a:p>
+        </p:txBody>
+      </p:sp>
+      <p:sp>
+        <p:nvSpPr>
+          <p:cNvPr id="2" name="Title 1">
+            <a:extLst>
+              <a:ext uri="{FF2B5EF4-FFF2-40B4-BE49-F238E27FC236}">
+                <a16:creationId xmlns:a16="http://schemas.microsoft.com/office/drawing/2014/main" id="{CD9E2982-EC51-4226-B184-8092219A6A34}"/>
+              </a:ext>
+            </a:extLst>
+          </p:cNvPr>
+          <p:cNvSpPr>
+            <a:spLocks noGrp="1"/>
+          </p:cNvSpPr>
+          <p:nvPr>
+            <p:ph type="title"/>
+          </p:nvPr>
+        </p:nvSpPr>
+        <p:spPr>
+          <a:xfrm>
+            <a:off x="718879" y="800392"/>
+            <a:ext cx="7698523" cy="1212102"/>
+          </a:xfrm>
+        </p:spPr>
+        <p:txBody>
+          <a:bodyPr>
+            <a:normAutofit/>
+          </a:bodyPr>
+          <a:lstStyle/>
+          <a:p>
+            <a:r>
+              <a:rPr lang="en-US" sz="3500">
+                <a:solidFill>
+                  <a:srgbClr val="FFFFFF"/>
+                </a:solidFill>
+              </a:rPr>
+              <a:t>Đánh giá	</a:t>
+            </a:r>
+          </a:p>
+        </p:txBody>
+      </p:sp>
+      <p:sp>
+        <p:nvSpPr>
+          <p:cNvPr id="3" name="TextBox 2">
+            <a:extLst>
+              <a:ext uri="{FF2B5EF4-FFF2-40B4-BE49-F238E27FC236}">
+                <a16:creationId xmlns:a16="http://schemas.microsoft.com/office/drawing/2014/main" id="{1BBCCFC3-9282-4490-AEAE-293E344A047E}"/>
+              </a:ext>
+            </a:extLst>
+          </p:cNvPr>
+          <p:cNvSpPr txBox="1"/>
+          <p:nvPr/>
+        </p:nvSpPr>
+        <p:spPr>
+          <a:xfrm>
+            <a:off x="1060174" y="2543175"/>
+            <a:ext cx="7050156" cy="1708160"/>
+          </a:xfrm>
+          <a:prstGeom prst="rect">
+            <a:avLst/>
+          </a:prstGeom>
+          <a:noFill/>
+        </p:spPr>
+        <p:txBody>
+          <a:bodyPr wrap="square" rtlCol="0">
+            <a:spAutoFit/>
+          </a:bodyPr>
+          <a:lstStyle/>
+          <a:p>
+            <a:pPr marL="342900" indent="-342900">
+              <a:buFont typeface="Wingdings" panose="05000000000000000000" pitchFamily="2" charset="2"/>
+              <a:buChar char="v"/>
+            </a:pPr>
+            <a:r>
+              <a:rPr lang="en-US" sz="2100"/>
+              <a:t>Ưu điểm</a:t>
+            </a:r>
+          </a:p>
+          <a:p>
+            <a:pPr marL="800100" lvl="1" indent="-342900">
+              <a:buFont typeface="Wingdings" panose="05000000000000000000" pitchFamily="2" charset="2"/>
+              <a:buChar char="ü"/>
+            </a:pPr>
+            <a:r>
+              <a:rPr lang="en-US" sz="2100"/>
+              <a:t>Vector hóa dữ liệu và mô hình truyền thống dễ sử dụng</a:t>
+            </a:r>
+          </a:p>
+          <a:p>
+            <a:pPr marL="342900" indent="-342900">
+              <a:buFont typeface="Wingdings" panose="05000000000000000000" pitchFamily="2" charset="2"/>
+              <a:buChar char="v"/>
+            </a:pPr>
+            <a:r>
+              <a:rPr lang="en-US" sz="2100"/>
+              <a:t>Nhược điểm</a:t>
+            </a:r>
+          </a:p>
+          <a:p>
+            <a:pPr marL="800100" lvl="1" indent="-342900">
+              <a:buFont typeface="Wingdings" panose="05000000000000000000" pitchFamily="2" charset="2"/>
+              <a:buChar char="ü"/>
+            </a:pPr>
+            <a:r>
+              <a:rPr lang="en-US" sz="2100"/>
+              <a:t>Độ chính xác chưa cao</a:t>
+            </a:r>
+          </a:p>
+          <a:p>
+            <a:pPr marL="800100" lvl="1" indent="-342900">
+              <a:buFont typeface="Wingdings" panose="05000000000000000000" pitchFamily="2" charset="2"/>
+              <a:buChar char="ü"/>
+            </a:pPr>
+            <a:r>
+              <a:rPr lang="en-US" sz="2100"/>
+              <a:t>Dữ liệu phân tán</a:t>
+            </a:r>
+          </a:p>
+        </p:txBody>
+      </p:sp>
+    </p:spTree>
+    <p:extLst>
+      <p:ext uri="{BB962C8B-B14F-4D97-AF65-F5344CB8AC3E}">
+        <p14:creationId xmlns:p14="http://schemas.microsoft.com/office/powerpoint/2010/main" val="3167695808"/>
+      </p:ext>
+    </p:extLst>
+  </p:cSld>
+  <p:clrMapOvr>
+    <a:masterClrMapping/>
+  </p:clrMapOvr>
+</p:sld>
+</file>
+
+<file path=ppt/slides/slide21.xml><?xml version="1.0" encoding="utf-8"?>
+<p:sld xmlns:a="http://schemas.openxmlformats.org/drawingml/2006/main" xmlns:r="http://schemas.openxmlformats.org/officeDocument/2006/relationships" xmlns:p="http://schemas.openxmlformats.org/presentationml/2006/main">
+  <p:cSld>
+    <p:bg>
+      <p:bgPr>
+        <a:solidFill>
+          <a:schemeClr val="bg1"/>
+        </a:solidFill>
+        <a:effectLst/>
+      </p:bgPr>
+    </p:bg>
+    <p:spTree>
+      <p:nvGrpSpPr>
+        <p:cNvPr id="1" name=""/>
+        <p:cNvGrpSpPr/>
+        <p:nvPr/>
+      </p:nvGrpSpPr>
+      <p:grpSpPr>
+        <a:xfrm>
+          <a:off x="0" y="0"/>
+          <a:ext cx="0" cy="0"/>
+          <a:chOff x="0" y="0"/>
+          <a:chExt cx="0" cy="0"/>
+        </a:xfrm>
+      </p:grpSpPr>
+      <p:sp useBgFill="1">
+        <p:nvSpPr>
+          <p:cNvPr id="8" name="Rectangle 7">
+            <a:extLst>
+              <a:ext uri="{FF2B5EF4-FFF2-40B4-BE49-F238E27FC236}">
+                <a16:creationId xmlns:a16="http://schemas.microsoft.com/office/drawing/2014/main" id="{827B839B-9ADE-406B-8590-F1CAEDED45A1}"/>
+              </a:ext>
+              <a:ext uri="{C183D7F6-B498-43B3-948B-1728B52AA6E4}">
+                <adec:decorative xmlns:adec="http://schemas.microsoft.com/office/drawing/2017/decorative" val="1"/>
+              </a:ext>
+            </a:extLst>
+          </p:cNvPr>
+          <p:cNvSpPr>
+            <a:spLocks noGrp="1" noRot="1" noChangeAspect="1" noMove="1" noResize="1" noEditPoints="1" noAdjustHandles="1" noChangeArrowheads="1" noChangeShapeType="1" noTextEdit="1"/>
+          </p:cNvSpPr>
+          <p:nvPr>
+            <p:extLst>
+              <p:ext uri="{386F3935-93C4-4BCD-93E2-E3B085C9AB24}">
+                <p16:designElem xmlns:p16="http://schemas.microsoft.com/office/powerpoint/2015/main" val="1"/>
+              </p:ext>
+            </p:extLst>
+          </p:nvPr>
+        </p:nvSpPr>
+        <p:spPr>
+          <a:xfrm>
+            <a:off x="0" y="0"/>
+            <a:ext cx="9141714" cy="6858000"/>
+          </a:xfrm>
+          <a:prstGeom prst="rect">
+            <a:avLst/>
+          </a:prstGeom>
+          <a:ln>
+            <a:noFill/>
+          </a:ln>
+        </p:spPr>
+        <p:style>
+          <a:lnRef idx="2">
+            <a:schemeClr val="accent1">
+              <a:shade val="50000"/>
+            </a:schemeClr>
+          </a:lnRef>
+          <a:fillRef idx="1">
+            <a:schemeClr val="accent1"/>
+          </a:fillRef>
+          <a:effectRef idx="0">
+            <a:schemeClr val="accent1"/>
+          </a:effectRef>
+          <a:fontRef idx="minor">
+            <a:schemeClr val="lt1"/>
+          </a:fontRef>
+        </p:style>
+        <p:txBody>
+          <a:bodyPr rtlCol="0" anchor="ctr"/>
+          <a:lstStyle/>
+          <a:p>
+            <a:pPr algn="ctr"/>
+            <a:endParaRPr lang="en-US"/>
+          </a:p>
+        </p:txBody>
+      </p:sp>
+      <p:sp>
+        <p:nvSpPr>
+          <p:cNvPr id="10" name="Freeform 45">
+            <a:extLst>
+              <a:ext uri="{FF2B5EF4-FFF2-40B4-BE49-F238E27FC236}">
+                <a16:creationId xmlns:a16="http://schemas.microsoft.com/office/drawing/2014/main" id="{CFE45BF0-46DB-408C-B5F7-7B11716805D4}"/>
+              </a:ext>
+              <a:ext uri="{C183D7F6-B498-43B3-948B-1728B52AA6E4}">
+                <adec:decorative xmlns:adec="http://schemas.microsoft.com/office/drawing/2017/decorative" val="1"/>
+              </a:ext>
+            </a:extLst>
+          </p:cNvPr>
+          <p:cNvSpPr>
+            <a:spLocks noGrp="1" noRot="1" noChangeAspect="1" noMove="1" noResize="1" noEditPoints="1" noAdjustHandles="1" noChangeArrowheads="1" noChangeShapeType="1" noTextEdit="1"/>
+          </p:cNvSpPr>
+          <p:nvPr>
+            <p:extLst>
+              <p:ext uri="{386F3935-93C4-4BCD-93E2-E3B085C9AB24}">
+                <p16:designElem xmlns:p16="http://schemas.microsoft.com/office/powerpoint/2015/main" val="1"/>
+              </p:ext>
+            </p:extLst>
+          </p:nvPr>
+        </p:nvSpPr>
+        <p:spPr bwMode="auto">
+          <a:xfrm>
+            <a:off x="307282" y="1022350"/>
+            <a:ext cx="532209" cy="2095501"/>
+          </a:xfrm>
+          <a:custGeom>
+            <a:avLst/>
+            <a:gdLst>
+              <a:gd name="T0" fmla="*/ 447 w 447"/>
+              <a:gd name="T1" fmla="*/ 1363 h 1363"/>
+              <a:gd name="T2" fmla="*/ 0 w 447"/>
+              <a:gd name="T3" fmla="*/ 987 h 1363"/>
+              <a:gd name="T4" fmla="*/ 0 w 447"/>
+              <a:gd name="T5" fmla="*/ 0 h 1363"/>
+              <a:gd name="T6" fmla="*/ 447 w 447"/>
+              <a:gd name="T7" fmla="*/ 376 h 1363"/>
+              <a:gd name="T8" fmla="*/ 447 w 447"/>
+              <a:gd name="T9" fmla="*/ 1363 h 1363"/>
+            </a:gdLst>
+            <a:ahLst/>
+            <a:cxnLst>
+              <a:cxn ang="0">
+                <a:pos x="T0" y="T1"/>
+              </a:cxn>
+              <a:cxn ang="0">
+                <a:pos x="T2" y="T3"/>
+              </a:cxn>
+              <a:cxn ang="0">
+                <a:pos x="T4" y="T5"/>
+              </a:cxn>
+              <a:cxn ang="0">
+                <a:pos x="T6" y="T7"/>
+              </a:cxn>
+              <a:cxn ang="0">
+                <a:pos x="T8" y="T9"/>
+              </a:cxn>
+            </a:cxnLst>
+            <a:rect l="0" t="0" r="r" b="b"/>
+            <a:pathLst>
+              <a:path w="447" h="1363">
+                <a:moveTo>
+                  <a:pt x="447" y="1363"/>
+                </a:moveTo>
+                <a:lnTo>
+                  <a:pt x="0" y="987"/>
+                </a:lnTo>
+                <a:lnTo>
+                  <a:pt x="0" y="0"/>
+                </a:lnTo>
+                <a:lnTo>
+                  <a:pt x="447" y="376"/>
+                </a:lnTo>
+                <a:lnTo>
+                  <a:pt x="447" y="1363"/>
+                </a:lnTo>
+                <a:close/>
+              </a:path>
+            </a:pathLst>
+          </a:custGeom>
+          <a:solidFill>
+            <a:schemeClr val="accent1">
+              <a:lumMod val="50000"/>
+            </a:schemeClr>
+          </a:solidFill>
+          <a:ln>
+            <a:noFill/>
+          </a:ln>
+        </p:spPr>
+        <p:txBody>
+          <a:bodyPr vert="horz" wrap="square" lIns="91440" tIns="45720" rIns="91440" bIns="45720" numCol="1" anchor="t" anchorCtr="0" compatLnSpc="1">
+            <a:prstTxWarp prst="textNoShape">
+              <a:avLst/>
+            </a:prstTxWarp>
+          </a:bodyPr>
+          <a:lstStyle/>
+          <a:p>
+            <a:endParaRPr lang="en-US"/>
+          </a:p>
+        </p:txBody>
+      </p:sp>
+      <p:sp>
+        <p:nvSpPr>
+          <p:cNvPr id="12" name="Freeform 46">
+            <a:extLst>
+              <a:ext uri="{FF2B5EF4-FFF2-40B4-BE49-F238E27FC236}">
+                <a16:creationId xmlns:a16="http://schemas.microsoft.com/office/drawing/2014/main" id="{2AEBC8F2-97B1-41B4-93F1-2D289E197FBA}"/>
+              </a:ext>
+              <a:ext uri="{C183D7F6-B498-43B3-948B-1728B52AA6E4}">
+                <adec:decorative xmlns:adec="http://schemas.microsoft.com/office/drawing/2017/decorative" val="1"/>
+              </a:ext>
+            </a:extLst>
+          </p:cNvPr>
+          <p:cNvSpPr>
+            <a:spLocks noGrp="1" noRot="1" noChangeAspect="1" noMove="1" noResize="1" noEditPoints="1" noAdjustHandles="1" noChangeArrowheads="1" noChangeShapeType="1" noTextEdit="1"/>
+          </p:cNvSpPr>
+          <p:nvPr>
+            <p:extLst>
+              <p:ext uri="{386F3935-93C4-4BCD-93E2-E3B085C9AB24}">
+                <p16:designElem xmlns:p16="http://schemas.microsoft.com/office/powerpoint/2015/main" val="1"/>
+              </p:ext>
+            </p:extLst>
+          </p:nvPr>
+        </p:nvSpPr>
+        <p:spPr bwMode="auto">
+          <a:xfrm>
+            <a:off x="307282" y="837744"/>
+            <a:ext cx="302419" cy="1705431"/>
+          </a:xfrm>
+          <a:custGeom>
+            <a:avLst/>
+            <a:gdLst>
+              <a:gd name="T0" fmla="*/ 254 w 254"/>
+              <a:gd name="T1" fmla="*/ 987 h 1109"/>
+              <a:gd name="T2" fmla="*/ 0 w 254"/>
+              <a:gd name="T3" fmla="*/ 1109 h 1109"/>
+              <a:gd name="T4" fmla="*/ 0 w 254"/>
+              <a:gd name="T5" fmla="*/ 119 h 1109"/>
+              <a:gd name="T6" fmla="*/ 254 w 254"/>
+              <a:gd name="T7" fmla="*/ 0 h 1109"/>
+              <a:gd name="T8" fmla="*/ 254 w 254"/>
+              <a:gd name="T9" fmla="*/ 987 h 1109"/>
+            </a:gdLst>
+            <a:ahLst/>
+            <a:cxnLst>
+              <a:cxn ang="0">
+                <a:pos x="T0" y="T1"/>
+              </a:cxn>
+              <a:cxn ang="0">
+                <a:pos x="T2" y="T3"/>
+              </a:cxn>
+              <a:cxn ang="0">
+                <a:pos x="T4" y="T5"/>
+              </a:cxn>
+              <a:cxn ang="0">
+                <a:pos x="T6" y="T7"/>
+              </a:cxn>
+              <a:cxn ang="0">
+                <a:pos x="T8" y="T9"/>
+              </a:cxn>
+            </a:cxnLst>
+            <a:rect l="0" t="0" r="r" b="b"/>
+            <a:pathLst>
+              <a:path w="254" h="1109">
+                <a:moveTo>
+                  <a:pt x="254" y="987"/>
+                </a:moveTo>
+                <a:lnTo>
+                  <a:pt x="0" y="1109"/>
+                </a:lnTo>
+                <a:lnTo>
+                  <a:pt x="0" y="119"/>
+                </a:lnTo>
+                <a:lnTo>
+                  <a:pt x="254" y="0"/>
+                </a:lnTo>
+                <a:lnTo>
+                  <a:pt x="254" y="987"/>
+                </a:lnTo>
+                <a:close/>
+              </a:path>
+            </a:pathLst>
+          </a:custGeom>
+          <a:solidFill>
+            <a:schemeClr val="accent1">
+              <a:lumMod val="75000"/>
+            </a:schemeClr>
+          </a:solidFill>
+          <a:ln>
+            <a:noFill/>
+          </a:ln>
+        </p:spPr>
+        <p:txBody>
+          <a:bodyPr vert="horz" wrap="square" lIns="91440" tIns="45720" rIns="91440" bIns="45720" numCol="1" anchor="t" anchorCtr="0" compatLnSpc="1">
+            <a:prstTxWarp prst="textNoShape">
+              <a:avLst/>
+            </a:prstTxWarp>
+          </a:bodyPr>
+          <a:lstStyle/>
+          <a:p>
+            <a:endParaRPr lang="en-US"/>
+          </a:p>
+        </p:txBody>
+      </p:sp>
+      <p:sp>
+        <p:nvSpPr>
+          <p:cNvPr id="14" name="Freeform 47">
+            <a:extLst>
+              <a:ext uri="{FF2B5EF4-FFF2-40B4-BE49-F238E27FC236}">
+                <a16:creationId xmlns:a16="http://schemas.microsoft.com/office/drawing/2014/main" id="{472E3A19-F5D5-48FC-BB9C-48C2F68F598B}"/>
+              </a:ext>
+              <a:ext uri="{C183D7F6-B498-43B3-948B-1728B52AA6E4}">
+                <adec:decorative xmlns:adec="http://schemas.microsoft.com/office/drawing/2017/decorative" val="1"/>
+              </a:ext>
+            </a:extLst>
+          </p:cNvPr>
+          <p:cNvSpPr>
+            <a:spLocks noGrp="1" noRot="1" noChangeAspect="1" noMove="1" noResize="1" noEditPoints="1" noAdjustHandles="1" noChangeArrowheads="1" noChangeShapeType="1" noTextEdit="1"/>
+          </p:cNvSpPr>
+          <p:nvPr>
+            <p:extLst>
+              <p:ext uri="{386F3935-93C4-4BCD-93E2-E3B085C9AB24}">
+                <p16:designElem xmlns:p16="http://schemas.microsoft.com/office/powerpoint/2015/main" val="1"/>
+              </p:ext>
+            </p:extLst>
+          </p:nvPr>
+        </p:nvSpPr>
+        <p:spPr bwMode="auto">
+          <a:xfrm>
+            <a:off x="483495" y="640894"/>
+            <a:ext cx="126206" cy="1713195"/>
+          </a:xfrm>
+          <a:custGeom>
+            <a:avLst/>
+            <a:gdLst>
+              <a:gd name="T0" fmla="*/ 106 w 106"/>
+              <a:gd name="T1" fmla="*/ 1114 h 1114"/>
+              <a:gd name="T2" fmla="*/ 0 w 106"/>
+              <a:gd name="T3" fmla="*/ 1005 h 1114"/>
+              <a:gd name="T4" fmla="*/ 0 w 106"/>
+              <a:gd name="T5" fmla="*/ 0 h 1114"/>
+              <a:gd name="T6" fmla="*/ 106 w 106"/>
+              <a:gd name="T7" fmla="*/ 110 h 1114"/>
+              <a:gd name="T8" fmla="*/ 106 w 106"/>
+              <a:gd name="T9" fmla="*/ 1114 h 1114"/>
+            </a:gdLst>
+            <a:ahLst/>
+            <a:cxnLst>
+              <a:cxn ang="0">
+                <a:pos x="T0" y="T1"/>
+              </a:cxn>
+              <a:cxn ang="0">
+                <a:pos x="T2" y="T3"/>
+              </a:cxn>
+              <a:cxn ang="0">
+                <a:pos x="T4" y="T5"/>
+              </a:cxn>
+              <a:cxn ang="0">
+                <a:pos x="T6" y="T7"/>
+              </a:cxn>
+              <a:cxn ang="0">
+                <a:pos x="T8" y="T9"/>
+              </a:cxn>
+            </a:cxnLst>
+            <a:rect l="0" t="0" r="r" b="b"/>
+            <a:pathLst>
+              <a:path w="106" h="1114">
+                <a:moveTo>
+                  <a:pt x="106" y="1114"/>
+                </a:moveTo>
+                <a:lnTo>
+                  <a:pt x="0" y="1005"/>
+                </a:lnTo>
+                <a:lnTo>
+                  <a:pt x="0" y="0"/>
+                </a:lnTo>
+                <a:lnTo>
+                  <a:pt x="106" y="110"/>
+                </a:lnTo>
+                <a:lnTo>
+                  <a:pt x="106" y="1114"/>
+                </a:lnTo>
+                <a:close/>
+              </a:path>
+            </a:pathLst>
+          </a:custGeom>
+          <a:solidFill>
+            <a:schemeClr val="accent1">
+              <a:lumMod val="50000"/>
+            </a:schemeClr>
+          </a:solidFill>
+          <a:ln>
+            <a:noFill/>
+          </a:ln>
+        </p:spPr>
+        <p:txBody>
+          <a:bodyPr vert="horz" wrap="square" lIns="91440" tIns="45720" rIns="91440" bIns="45720" numCol="1" anchor="t" anchorCtr="0" compatLnSpc="1">
+            <a:prstTxWarp prst="textNoShape">
+              <a:avLst/>
+            </a:prstTxWarp>
+          </a:bodyPr>
+          <a:lstStyle/>
+          <a:p>
+            <a:endParaRPr lang="en-US"/>
+          </a:p>
+        </p:txBody>
+      </p:sp>
+      <p:sp>
+        <p:nvSpPr>
+          <p:cNvPr id="16" name="Freeform 44">
+            <a:extLst>
+              <a:ext uri="{FF2B5EF4-FFF2-40B4-BE49-F238E27FC236}">
+                <a16:creationId xmlns:a16="http://schemas.microsoft.com/office/drawing/2014/main" id="{7A62E32F-BB65-43A8-8EB5-92346890E549}"/>
+              </a:ext>
+              <a:ext uri="{C183D7F6-B498-43B3-948B-1728B52AA6E4}">
+                <adec:decorative xmlns:adec="http://schemas.microsoft.com/office/drawing/2017/decorative" val="1"/>
+              </a:ext>
+            </a:extLst>
+          </p:cNvPr>
+          <p:cNvSpPr>
+            <a:spLocks noGrp="1" noRot="1" noChangeAspect="1" noMove="1" noResize="1" noEditPoints="1" noAdjustHandles="1" noChangeArrowheads="1" noChangeShapeType="1" noTextEdit="1"/>
+          </p:cNvSpPr>
+          <p:nvPr>
+            <p:extLst>
+              <p:ext uri="{386F3935-93C4-4BCD-93E2-E3B085C9AB24}">
+                <p16:designElem xmlns:p16="http://schemas.microsoft.com/office/powerpoint/2015/main" val="1"/>
+              </p:ext>
+            </p:extLst>
+          </p:nvPr>
+        </p:nvSpPr>
+        <p:spPr bwMode="auto">
+          <a:xfrm>
+            <a:off x="8417402" y="635716"/>
+            <a:ext cx="246459" cy="1742360"/>
+          </a:xfrm>
+          <a:custGeom>
+            <a:avLst/>
+            <a:gdLst>
+              <a:gd name="T0" fmla="*/ 207 w 207"/>
+              <a:gd name="T1" fmla="*/ 987 h 1114"/>
+              <a:gd name="T2" fmla="*/ 0 w 207"/>
+              <a:gd name="T3" fmla="*/ 1114 h 1114"/>
+              <a:gd name="T4" fmla="*/ 0 w 207"/>
+              <a:gd name="T5" fmla="*/ 127 h 1114"/>
+              <a:gd name="T6" fmla="*/ 207 w 207"/>
+              <a:gd name="T7" fmla="*/ 0 h 1114"/>
+              <a:gd name="T8" fmla="*/ 207 w 207"/>
+              <a:gd name="T9" fmla="*/ 987 h 1114"/>
+            </a:gdLst>
+            <a:ahLst/>
+            <a:cxnLst>
+              <a:cxn ang="0">
+                <a:pos x="T0" y="T1"/>
+              </a:cxn>
+              <a:cxn ang="0">
+                <a:pos x="T2" y="T3"/>
+              </a:cxn>
+              <a:cxn ang="0">
+                <a:pos x="T4" y="T5"/>
+              </a:cxn>
+              <a:cxn ang="0">
+                <a:pos x="T6" y="T7"/>
+              </a:cxn>
+              <a:cxn ang="0">
+                <a:pos x="T8" y="T9"/>
+              </a:cxn>
+            </a:cxnLst>
+            <a:rect l="0" t="0" r="r" b="b"/>
+            <a:pathLst>
+              <a:path w="207" h="1114">
+                <a:moveTo>
+                  <a:pt x="207" y="987"/>
+                </a:moveTo>
+                <a:lnTo>
+                  <a:pt x="0" y="1114"/>
+                </a:lnTo>
+                <a:lnTo>
+                  <a:pt x="0" y="127"/>
+                </a:lnTo>
+                <a:lnTo>
+                  <a:pt x="207" y="0"/>
+                </a:lnTo>
+                <a:lnTo>
+                  <a:pt x="207" y="987"/>
+                </a:lnTo>
+                <a:close/>
+              </a:path>
+            </a:pathLst>
+          </a:custGeom>
+          <a:solidFill>
+            <a:schemeClr val="accent1">
+              <a:lumMod val="50000"/>
+            </a:schemeClr>
+          </a:solidFill>
+          <a:ln>
+            <a:noFill/>
+          </a:ln>
+        </p:spPr>
+        <p:txBody>
+          <a:bodyPr vert="horz" wrap="square" lIns="91440" tIns="45720" rIns="91440" bIns="45720" numCol="1" anchor="t" anchorCtr="0" compatLnSpc="1">
+            <a:prstTxWarp prst="textNoShape">
+              <a:avLst/>
+            </a:prstTxWarp>
+          </a:bodyPr>
+          <a:lstStyle/>
+          <a:p>
+            <a:endParaRPr lang="en-US"/>
+          </a:p>
+        </p:txBody>
+      </p:sp>
+      <p:sp>
+        <p:nvSpPr>
+          <p:cNvPr id="18" name="Rectangle 17">
+            <a:extLst>
+              <a:ext uri="{FF2B5EF4-FFF2-40B4-BE49-F238E27FC236}">
+                <a16:creationId xmlns:a16="http://schemas.microsoft.com/office/drawing/2014/main" id="{14E91B64-9FCC-451E-AFB4-A827D6329367}"/>
+              </a:ext>
+              <a:ext uri="{C183D7F6-B498-43B3-948B-1728B52AA6E4}">
+                <adec:decorative xmlns:adec="http://schemas.microsoft.com/office/drawing/2017/decorative" val="1"/>
+              </a:ext>
+            </a:extLst>
+          </p:cNvPr>
+          <p:cNvSpPr>
+            <a:spLocks noGrp="1" noRot="1" noChangeAspect="1" noMove="1" noResize="1" noEditPoints="1" noAdjustHandles="1" noChangeArrowheads="1" noChangeShapeType="1" noTextEdit="1"/>
+          </p:cNvSpPr>
+          <p:nvPr>
+            <p:extLst>
+              <p:ext uri="{386F3935-93C4-4BCD-93E2-E3B085C9AB24}">
+                <p16:designElem xmlns:p16="http://schemas.microsoft.com/office/powerpoint/2015/main" val="1"/>
+              </p:ext>
+            </p:extLst>
+          </p:nvPr>
+        </p:nvSpPr>
+        <p:spPr bwMode="auto">
+          <a:xfrm>
+            <a:off x="483041" y="635715"/>
+            <a:ext cx="8180897" cy="1541457"/>
+          </a:xfrm>
+          <a:prstGeom prst="rect">
+            <a:avLst/>
+          </a:prstGeom>
+          <a:solidFill>
+            <a:schemeClr val="accent1"/>
+          </a:solidFill>
+          <a:ln>
+            <a:noFill/>
+          </a:ln>
+        </p:spPr>
+        <p:txBody>
+          <a:bodyPr vert="horz" wrap="square" lIns="91440" tIns="45720" rIns="91440" bIns="45720" numCol="1" anchor="t" anchorCtr="0" compatLnSpc="1">
+            <a:prstTxWarp prst="textNoShape">
+              <a:avLst/>
+            </a:prstTxWarp>
+          </a:bodyPr>
+          <a:lstStyle/>
+          <a:p>
+            <a:endParaRPr lang="en-US"/>
+          </a:p>
+        </p:txBody>
+      </p:sp>
+      <p:sp>
+        <p:nvSpPr>
+          <p:cNvPr id="2" name="Title 1">
+            <a:extLst>
+              <a:ext uri="{FF2B5EF4-FFF2-40B4-BE49-F238E27FC236}">
+                <a16:creationId xmlns:a16="http://schemas.microsoft.com/office/drawing/2014/main" id="{CD9E2982-EC51-4226-B184-8092219A6A34}"/>
+              </a:ext>
+            </a:extLst>
+          </p:cNvPr>
+          <p:cNvSpPr>
+            <a:spLocks noGrp="1"/>
+          </p:cNvSpPr>
+          <p:nvPr>
+            <p:ph type="title"/>
+          </p:nvPr>
+        </p:nvSpPr>
+        <p:spPr>
+          <a:xfrm>
+            <a:off x="718879" y="800392"/>
+            <a:ext cx="7698523" cy="1212102"/>
+          </a:xfrm>
+        </p:spPr>
+        <p:txBody>
+          <a:bodyPr>
+            <a:normAutofit/>
+          </a:bodyPr>
+          <a:lstStyle/>
+          <a:p>
+            <a:r>
+              <a:rPr lang="en-US" sz="3500">
+                <a:solidFill>
+                  <a:srgbClr val="FFFFFF"/>
+                </a:solidFill>
+              </a:rPr>
+              <a:t>Chạy lại mô hình với bộ dữ liệu mới	</a:t>
+            </a:r>
+          </a:p>
+        </p:txBody>
+      </p:sp>
+      <p:sp>
+        <p:nvSpPr>
+          <p:cNvPr id="3" name="TextBox 2">
+            <a:extLst>
+              <a:ext uri="{FF2B5EF4-FFF2-40B4-BE49-F238E27FC236}">
+                <a16:creationId xmlns:a16="http://schemas.microsoft.com/office/drawing/2014/main" id="{1BBCCFC3-9282-4490-AEAE-293E344A047E}"/>
+              </a:ext>
+            </a:extLst>
+          </p:cNvPr>
+          <p:cNvSpPr txBox="1"/>
+          <p:nvPr/>
+        </p:nvSpPr>
+        <p:spPr>
+          <a:xfrm>
+            <a:off x="1103368" y="2574920"/>
+            <a:ext cx="7050156" cy="1708160"/>
+          </a:xfrm>
+          <a:prstGeom prst="rect">
+            <a:avLst/>
+          </a:prstGeom>
+          <a:noFill/>
+        </p:spPr>
+        <p:txBody>
+          <a:bodyPr wrap="square" rtlCol="0">
+            <a:spAutoFit/>
+          </a:bodyPr>
+          <a:lstStyle/>
+          <a:p>
+            <a:pPr marL="342900" indent="-342900">
+              <a:buFont typeface="Arial" panose="020B0604020202020204" pitchFamily="34" charset="0"/>
+              <a:buChar char="•"/>
+            </a:pPr>
+            <a:r>
+              <a:rPr lang="en-US" sz="2100"/>
+              <a:t>Input: AIVIVN.COM, 16086 bản ghi</a:t>
+            </a:r>
+          </a:p>
+          <a:p>
+            <a:pPr marL="342900" indent="-342900">
+              <a:buFont typeface="Arial" panose="020B0604020202020204" pitchFamily="34" charset="0"/>
+              <a:buChar char="•"/>
+            </a:pPr>
+            <a:r>
+              <a:rPr lang="en-US" sz="2100"/>
+              <a:t>Vectorizer: BoW + TF-IDF</a:t>
+            </a:r>
+          </a:p>
+          <a:p>
+            <a:pPr marL="342900" indent="-342900">
+              <a:buFont typeface="Arial" panose="020B0604020202020204" pitchFamily="34" charset="0"/>
+              <a:buChar char="•"/>
+            </a:pPr>
+            <a:r>
+              <a:rPr lang="en-US" sz="2100"/>
+              <a:t>Model: SVM kernel = ‘linear’ </a:t>
+            </a:r>
+          </a:p>
+          <a:p>
+            <a:pPr marL="342900" indent="-342900">
+              <a:buFont typeface="Arial" panose="020B0604020202020204" pitchFamily="34" charset="0"/>
+              <a:buChar char="•"/>
+            </a:pPr>
+            <a:r>
+              <a:rPr lang="en-US" sz="2100"/>
+              <a:t>Kết quả: test accuracy = 80.12%</a:t>
+            </a:r>
+          </a:p>
+          <a:p>
+            <a:pPr marL="342900" indent="-342900">
+              <a:buFont typeface="Arial" panose="020B0604020202020204" pitchFamily="34" charset="0"/>
+              <a:buChar char="•"/>
+            </a:pPr>
+            <a:r>
+              <a:rPr lang="en-US" sz="2100"/>
+              <a:t>Kết quả sau khi gán lại nhãn: 93,66%</a:t>
+            </a:r>
+          </a:p>
+        </p:txBody>
+      </p:sp>
+    </p:spTree>
+    <p:extLst>
+      <p:ext uri="{BB962C8B-B14F-4D97-AF65-F5344CB8AC3E}">
+        <p14:creationId xmlns:p14="http://schemas.microsoft.com/office/powerpoint/2010/main" val="2772454867"/>
+      </p:ext>
+    </p:extLst>
+  </p:cSld>
+  <p:clrMapOvr>
+    <a:masterClrMapping/>
+  </p:clrMapOvr>
+</p:sld>
+</file>
+
+<file path=ppt/slides/slide22.xml><?xml version="1.0" encoding="utf-8"?>
 <p:sld xmlns:a="http://schemas.openxmlformats.org/drawingml/2006/main" xmlns:r="http://schemas.openxmlformats.org/officeDocument/2006/relationships" xmlns:p="http://schemas.openxmlformats.org/presentationml/2006/main">
   <p:cSld>
     <p:bg>
@@ -17063,42 +20462,7 @@
           <a:p>
             <a:r>
               <a:rPr lang="en-US" sz="3600" b="1"/>
-              <a:t>Conclusion</a:t>
-            </a:r>
-          </a:p>
-        </p:txBody>
-      </p:sp>
-      <p:sp>
-        <p:nvSpPr>
-          <p:cNvPr id="10" name="TextBox 9">
-            <a:extLst>
-              <a:ext uri="{FF2B5EF4-FFF2-40B4-BE49-F238E27FC236}">
-                <a16:creationId xmlns:a16="http://schemas.microsoft.com/office/drawing/2014/main" id="{507D2957-1FB5-4BA8-8FA3-F16D894E043A}"/>
-              </a:ext>
-            </a:extLst>
-          </p:cNvPr>
-          <p:cNvSpPr txBox="1"/>
-          <p:nvPr/>
-        </p:nvSpPr>
-        <p:spPr>
-          <a:xfrm>
-            <a:off x="5088835" y="2903852"/>
-            <a:ext cx="3233530" cy="1384995"/>
-          </a:xfrm>
-          <a:prstGeom prst="rect">
-            <a:avLst/>
-          </a:prstGeom>
-          <a:noFill/>
-        </p:spPr>
-        <p:txBody>
-          <a:bodyPr wrap="square" rtlCol="0">
-            <a:spAutoFit/>
-          </a:bodyPr>
-          <a:lstStyle/>
-          <a:p>
-            <a:r>
-              <a:rPr lang="en-US" sz="2100"/>
-              <a:t>Vectorizer by TF-IDF vs train model by Kernel SVM for result better than Bag of Word vs Naïve Bayes</a:t>
+              <a:t>Kết luận</a:t>
             </a:r>
           </a:p>
         </p:txBody>
@@ -17116,7 +20480,7 @@
 </p:sld>
 </file>
 
-<file path=ppt/slides/slide19.xml><?xml version="1.0" encoding="utf-8"?>
+<file path=ppt/slides/slide23.xml><?xml version="1.0" encoding="utf-8"?>
 <p:sld xmlns:a="http://schemas.openxmlformats.org/drawingml/2006/main" xmlns:r="http://schemas.openxmlformats.org/officeDocument/2006/relationships" xmlns:p="http://schemas.openxmlformats.org/presentationml/2006/main">
   <p:cSld>
     <p:bg>
@@ -17765,663 +21129,6 @@
     <p:extLst>
       <p:ext uri="{BB962C8B-B14F-4D97-AF65-F5344CB8AC3E}">
         <p14:creationId xmlns:p14="http://schemas.microsoft.com/office/powerpoint/2010/main" val="3158584091"/>
-      </p:ext>
-    </p:extLst>
-  </p:cSld>
-  <p:clrMapOvr>
-    <a:masterClrMapping/>
-  </p:clrMapOvr>
-</p:sld>
-</file>
-
-<file path=ppt/slides/slide2.xml><?xml version="1.0" encoding="utf-8"?>
-<p:sld xmlns:a="http://schemas.openxmlformats.org/drawingml/2006/main" xmlns:r="http://schemas.openxmlformats.org/officeDocument/2006/relationships" xmlns:p="http://schemas.openxmlformats.org/presentationml/2006/main">
-  <p:cSld>
-    <p:bg>
-      <p:bgPr>
-        <a:solidFill>
-          <a:schemeClr val="bg1"/>
-        </a:solidFill>
-        <a:effectLst/>
-      </p:bgPr>
-    </p:bg>
-    <p:spTree>
-      <p:nvGrpSpPr>
-        <p:cNvPr id="1" name=""/>
-        <p:cNvGrpSpPr/>
-        <p:nvPr/>
-      </p:nvGrpSpPr>
-      <p:grpSpPr>
-        <a:xfrm>
-          <a:off x="0" y="0"/>
-          <a:ext cx="0" cy="0"/>
-          <a:chOff x="0" y="0"/>
-          <a:chExt cx="0" cy="0"/>
-        </a:xfrm>
-      </p:grpSpPr>
-      <p:sp useBgFill="1">
-        <p:nvSpPr>
-          <p:cNvPr id="8" name="Rectangle 7">
-            <a:extLst>
-              <a:ext uri="{FF2B5EF4-FFF2-40B4-BE49-F238E27FC236}">
-                <a16:creationId xmlns:a16="http://schemas.microsoft.com/office/drawing/2014/main" id="{3B854194-185D-494D-905C-7C7CB2E30F6E}"/>
-              </a:ext>
-              <a:ext uri="{C183D7F6-B498-43B3-948B-1728B52AA6E4}">
-                <adec:decorative xmlns:adec="http://schemas.microsoft.com/office/drawing/2017/decorative" val="1"/>
-              </a:ext>
-            </a:extLst>
-          </p:cNvPr>
-          <p:cNvSpPr>
-            <a:spLocks noGrp="1" noRot="1" noChangeAspect="1" noMove="1" noResize="1" noEditPoints="1" noAdjustHandles="1" noChangeArrowheads="1" noChangeShapeType="1" noTextEdit="1"/>
-          </p:cNvSpPr>
-          <p:nvPr>
-            <p:extLst>
-              <p:ext uri="{386F3935-93C4-4BCD-93E2-E3B085C9AB24}">
-                <p16:designElem xmlns:p16="http://schemas.microsoft.com/office/powerpoint/2015/main" val="1"/>
-              </p:ext>
-            </p:extLst>
-          </p:nvPr>
-        </p:nvSpPr>
-        <p:spPr>
-          <a:xfrm>
-            <a:off x="0" y="0"/>
-            <a:ext cx="4561583" cy="6858000"/>
-          </a:xfrm>
-          <a:prstGeom prst="rect">
-            <a:avLst/>
-          </a:prstGeom>
-          <a:ln>
-            <a:noFill/>
-          </a:ln>
-        </p:spPr>
-        <p:style>
-          <a:lnRef idx="2">
-            <a:schemeClr val="accent1">
-              <a:shade val="50000"/>
-            </a:schemeClr>
-          </a:lnRef>
-          <a:fillRef idx="1">
-            <a:schemeClr val="accent1"/>
-          </a:fillRef>
-          <a:effectRef idx="0">
-            <a:schemeClr val="accent1"/>
-          </a:effectRef>
-          <a:fontRef idx="minor">
-            <a:schemeClr val="lt1"/>
-          </a:fontRef>
-        </p:style>
-        <p:txBody>
-          <a:bodyPr rtlCol="0" anchor="ctr"/>
-          <a:lstStyle/>
-          <a:p>
-            <a:pPr algn="ctr"/>
-            <a:endParaRPr lang="en-US"/>
-          </a:p>
-        </p:txBody>
-      </p:sp>
-      <p:sp>
-        <p:nvSpPr>
-          <p:cNvPr id="10" name="Rectangle 9">
-            <a:extLst>
-              <a:ext uri="{FF2B5EF4-FFF2-40B4-BE49-F238E27FC236}">
-                <a16:creationId xmlns:a16="http://schemas.microsoft.com/office/drawing/2014/main" id="{B4F5FA0D-0104-4987-8241-EFF7C85B88DE}"/>
-              </a:ext>
-              <a:ext uri="{C183D7F6-B498-43B3-948B-1728B52AA6E4}">
-                <adec:decorative xmlns:adec="http://schemas.microsoft.com/office/drawing/2017/decorative" val="1"/>
-              </a:ext>
-            </a:extLst>
-          </p:cNvPr>
-          <p:cNvSpPr>
-            <a:spLocks noGrp="1" noRot="1" noChangeAspect="1" noMove="1" noResize="1" noEditPoints="1" noAdjustHandles="1" noChangeArrowheads="1" noChangeShapeType="1" noTextEdit="1"/>
-          </p:cNvSpPr>
-          <p:nvPr>
-            <p:extLst>
-              <p:ext uri="{386F3935-93C4-4BCD-93E2-E3B085C9AB24}">
-                <p16:designElem xmlns:p16="http://schemas.microsoft.com/office/powerpoint/2015/main" val="1"/>
-              </p:ext>
-            </p:extLst>
-          </p:nvPr>
-        </p:nvSpPr>
-        <p:spPr>
-          <a:xfrm>
-            <a:off x="0" y="0"/>
-            <a:ext cx="9143999" cy="6858000"/>
-          </a:xfrm>
-          <a:prstGeom prst="rect">
-            <a:avLst/>
-          </a:prstGeom>
-          <a:gradFill>
-            <a:gsLst>
-              <a:gs pos="0">
-                <a:schemeClr val="accent1">
-                  <a:lumMod val="90000"/>
-                </a:schemeClr>
-              </a:gs>
-              <a:gs pos="25000">
-                <a:schemeClr val="accent1">
-                  <a:lumMod val="90000"/>
-                </a:schemeClr>
-              </a:gs>
-              <a:gs pos="94000">
-                <a:schemeClr val="bg2">
-                  <a:lumMod val="25000"/>
-                </a:schemeClr>
-              </a:gs>
-              <a:gs pos="100000">
-                <a:schemeClr val="bg2">
-                  <a:lumMod val="25000"/>
-                </a:schemeClr>
-              </a:gs>
-            </a:gsLst>
-            <a:lin ang="4200000" scaled="0"/>
-          </a:gradFill>
-          <a:ln>
-            <a:noFill/>
-          </a:ln>
-        </p:spPr>
-        <p:style>
-          <a:lnRef idx="2">
-            <a:schemeClr val="accent1">
-              <a:shade val="50000"/>
-            </a:schemeClr>
-          </a:lnRef>
-          <a:fillRef idx="1">
-            <a:schemeClr val="accent1"/>
-          </a:fillRef>
-          <a:effectRef idx="0">
-            <a:schemeClr val="accent1"/>
-          </a:effectRef>
-          <a:fontRef idx="minor">
-            <a:schemeClr val="lt1"/>
-          </a:fontRef>
-        </p:style>
-        <p:txBody>
-          <a:bodyPr rtlCol="0" anchor="ctr"/>
-          <a:lstStyle/>
-          <a:p>
-            <a:pPr algn="ctr"/>
-            <a:endParaRPr lang="en-US"/>
-          </a:p>
-        </p:txBody>
-      </p:sp>
-      <p:pic>
-        <p:nvPicPr>
-          <p:cNvPr id="12" name="Picture 11">
-            <a:extLst>
-              <a:ext uri="{FF2B5EF4-FFF2-40B4-BE49-F238E27FC236}">
-                <a16:creationId xmlns:a16="http://schemas.microsoft.com/office/drawing/2014/main" id="{2897127E-6CEF-446C-BE87-93B7C46E49D1}"/>
-              </a:ext>
-              <a:ext uri="{C183D7F6-B498-43B3-948B-1728B52AA6E4}">
-                <adec:decorative xmlns:adec="http://schemas.microsoft.com/office/drawing/2017/decorative" val="1"/>
-              </a:ext>
-            </a:extLst>
-          </p:cNvPr>
-          <p:cNvPicPr>
-            <a:picLocks noGrp="1" noRot="1" noChangeAspect="1" noMove="1" noResize="1" noEditPoints="1" noAdjustHandles="1" noChangeArrowheads="1" noChangeShapeType="1" noCrop="1"/>
-          </p:cNvPicPr>
-          <p:nvPr>
-            <p:extLst>
-              <p:ext uri="{386F3935-93C4-4BCD-93E2-E3B085C9AB24}">
-                <p16:designElem xmlns:p16="http://schemas.microsoft.com/office/powerpoint/2015/main" val="1"/>
-              </p:ext>
-            </p:extLst>
-          </p:nvPr>
-        </p:nvPicPr>
-        <p:blipFill>
-          <a:blip r:embed="rId2">
-            <a:extLst>
-              <a:ext uri="{28A0092B-C50C-407E-A947-70E740481C1C}">
-                <a14:useLocalDpi xmlns:a14="http://schemas.microsoft.com/office/drawing/2010/main" val="0"/>
-              </a:ext>
-            </a:extLst>
-          </a:blip>
-          <a:stretch>
-            <a:fillRect/>
-          </a:stretch>
-        </p:blipFill>
-        <p:spPr>
-          <a:xfrm>
-            <a:off x="0" y="0"/>
-            <a:ext cx="9144000" cy="6858000"/>
-          </a:xfrm>
-          <a:prstGeom prst="rect">
-            <a:avLst/>
-          </a:prstGeom>
-        </p:spPr>
-      </p:pic>
-      <p:sp>
-        <p:nvSpPr>
-          <p:cNvPr id="2" name="Title 1"/>
-          <p:cNvSpPr>
-            <a:spLocks noGrp="1"/>
-          </p:cNvSpPr>
-          <p:nvPr>
-            <p:ph type="title"/>
-          </p:nvPr>
-        </p:nvSpPr>
-        <p:spPr>
-          <a:xfrm>
-            <a:off x="480059" y="2053641"/>
-            <a:ext cx="2751871" cy="2760098"/>
-          </a:xfrm>
-        </p:spPr>
-        <p:txBody>
-          <a:bodyPr>
-            <a:normAutofit/>
-          </a:bodyPr>
-          <a:lstStyle/>
-          <a:p>
-            <a:r>
-              <a:rPr lang="en-US">
-                <a:solidFill>
-                  <a:srgbClr val="FFFFFF"/>
-                </a:solidFill>
-              </a:rPr>
-              <a:t>CONTENT</a:t>
-            </a:r>
-          </a:p>
-        </p:txBody>
-      </p:sp>
-      <p:grpSp>
-        <p:nvGrpSpPr>
-          <p:cNvPr id="9" name="Group 8">
-            <a:extLst>
-              <a:ext uri="{FF2B5EF4-FFF2-40B4-BE49-F238E27FC236}">
-                <a16:creationId xmlns:a16="http://schemas.microsoft.com/office/drawing/2014/main" id="{8D38AA49-E93E-4CA0-9DFC-EF813700D7EB}"/>
-              </a:ext>
-            </a:extLst>
-          </p:cNvPr>
-          <p:cNvGrpSpPr/>
-          <p:nvPr/>
-        </p:nvGrpSpPr>
-        <p:grpSpPr>
-          <a:xfrm>
-            <a:off x="4582419" y="1160237"/>
-            <a:ext cx="3875384" cy="1059437"/>
-            <a:chOff x="0" y="563094"/>
-            <a:chExt cx="3943350" cy="1392299"/>
-          </a:xfrm>
-        </p:grpSpPr>
-        <p:sp>
-          <p:nvSpPr>
-            <p:cNvPr id="20" name="Rectangle: Rounded Corners 19">
-              <a:extLst>
-                <a:ext uri="{FF2B5EF4-FFF2-40B4-BE49-F238E27FC236}">
-                  <a16:creationId xmlns:a16="http://schemas.microsoft.com/office/drawing/2014/main" id="{AE865433-6401-40B9-AFCD-B5A4E3B9E970}"/>
-                </a:ext>
-              </a:extLst>
-            </p:cNvPr>
-            <p:cNvSpPr/>
-            <p:nvPr/>
-          </p:nvSpPr>
-          <p:spPr>
-            <a:xfrm>
-              <a:off x="0" y="563094"/>
-              <a:ext cx="3943350" cy="1392299"/>
-            </a:xfrm>
-            <a:prstGeom prst="roundRect">
-              <a:avLst/>
-            </a:prstGeom>
-          </p:spPr>
-          <p:style>
-            <a:lnRef idx="2">
-              <a:schemeClr val="lt1">
-                <a:hueOff val="0"/>
-                <a:satOff val="0"/>
-                <a:lumOff val="0"/>
-                <a:alphaOff val="0"/>
-              </a:schemeClr>
-            </a:lnRef>
-            <a:fillRef idx="1">
-              <a:schemeClr val="accent2">
-                <a:hueOff val="0"/>
-                <a:satOff val="0"/>
-                <a:lumOff val="0"/>
-                <a:alphaOff val="0"/>
-              </a:schemeClr>
-            </a:fillRef>
-            <a:effectRef idx="0">
-              <a:schemeClr val="accent2">
-                <a:hueOff val="0"/>
-                <a:satOff val="0"/>
-                <a:lumOff val="0"/>
-                <a:alphaOff val="0"/>
-              </a:schemeClr>
-            </a:effectRef>
-            <a:fontRef idx="minor">
-              <a:schemeClr val="lt1"/>
-            </a:fontRef>
-          </p:style>
-        </p:sp>
-        <p:sp>
-          <p:nvSpPr>
-            <p:cNvPr id="21" name="Rectangle: Rounded Corners 4">
-              <a:extLst>
-                <a:ext uri="{FF2B5EF4-FFF2-40B4-BE49-F238E27FC236}">
-                  <a16:creationId xmlns:a16="http://schemas.microsoft.com/office/drawing/2014/main" id="{53EF1199-4898-46AC-8D4B-19AE115C7580}"/>
-                </a:ext>
-              </a:extLst>
-            </p:cNvPr>
-            <p:cNvSpPr txBox="1"/>
-            <p:nvPr/>
-          </p:nvSpPr>
-          <p:spPr>
-            <a:xfrm>
-              <a:off x="67966" y="631060"/>
-              <a:ext cx="3807418" cy="1256367"/>
-            </a:xfrm>
-            <a:prstGeom prst="rect">
-              <a:avLst/>
-            </a:prstGeom>
-          </p:spPr>
-          <p:style>
-            <a:lnRef idx="0">
-              <a:scrgbClr r="0" g="0" b="0"/>
-            </a:lnRef>
-            <a:fillRef idx="0">
-              <a:scrgbClr r="0" g="0" b="0"/>
-            </a:fillRef>
-            <a:effectRef idx="0">
-              <a:scrgbClr r="0" g="0" b="0"/>
-            </a:effectRef>
-            <a:fontRef idx="minor">
-              <a:schemeClr val="lt1"/>
-            </a:fontRef>
-          </p:style>
-          <p:txBody>
-            <a:bodyPr spcFirstLastPara="0" vert="horz" wrap="square" lIns="133350" tIns="133350" rIns="133350" bIns="133350" numCol="1" spcCol="1270" anchor="ctr" anchorCtr="0">
-              <a:noAutofit/>
-            </a:bodyPr>
-            <a:lstStyle/>
-            <a:p>
-              <a:pPr marL="0" lvl="0" indent="0" algn="l" defTabSz="1555750">
-                <a:lnSpc>
-                  <a:spcPct val="90000"/>
-                </a:lnSpc>
-                <a:spcBef>
-                  <a:spcPct val="0"/>
-                </a:spcBef>
-                <a:spcAft>
-                  <a:spcPct val="35000"/>
-                </a:spcAft>
-                <a:buNone/>
-              </a:pPr>
-              <a:r>
-                <a:rPr lang="en-US" sz="2400" kern="1200"/>
-                <a:t>Introduce to Sentiment Analysis</a:t>
-              </a:r>
-            </a:p>
-          </p:txBody>
-        </p:sp>
-      </p:grpSp>
-      <p:grpSp>
-        <p:nvGrpSpPr>
-          <p:cNvPr id="11" name="Group 10">
-            <a:extLst>
-              <a:ext uri="{FF2B5EF4-FFF2-40B4-BE49-F238E27FC236}">
-                <a16:creationId xmlns:a16="http://schemas.microsoft.com/office/drawing/2014/main" id="{BA626B6D-5891-4962-8801-8DAA5F79905B}"/>
-              </a:ext>
-            </a:extLst>
-          </p:cNvPr>
-          <p:cNvGrpSpPr/>
-          <p:nvPr/>
-        </p:nvGrpSpPr>
-        <p:grpSpPr>
-          <a:xfrm>
-            <a:off x="4582419" y="2653338"/>
-            <a:ext cx="3943350" cy="1059436"/>
-            <a:chOff x="0" y="2056194"/>
-            <a:chExt cx="3943350" cy="1392299"/>
-          </a:xfrm>
-        </p:grpSpPr>
-        <p:sp>
-          <p:nvSpPr>
-            <p:cNvPr id="17" name="Rectangle: Rounded Corners 16">
-              <a:extLst>
-                <a:ext uri="{FF2B5EF4-FFF2-40B4-BE49-F238E27FC236}">
-                  <a16:creationId xmlns:a16="http://schemas.microsoft.com/office/drawing/2014/main" id="{2ED9B839-169F-40AC-956A-9DD19392CA15}"/>
-                </a:ext>
-              </a:extLst>
-            </p:cNvPr>
-            <p:cNvSpPr/>
-            <p:nvPr/>
-          </p:nvSpPr>
-          <p:spPr>
-            <a:xfrm>
-              <a:off x="0" y="2056194"/>
-              <a:ext cx="3943350" cy="1392299"/>
-            </a:xfrm>
-            <a:prstGeom prst="roundRect">
-              <a:avLst/>
-            </a:prstGeom>
-          </p:spPr>
-          <p:style>
-            <a:lnRef idx="2">
-              <a:schemeClr val="lt1">
-                <a:hueOff val="0"/>
-                <a:satOff val="0"/>
-                <a:lumOff val="0"/>
-                <a:alphaOff val="0"/>
-              </a:schemeClr>
-            </a:lnRef>
-            <a:fillRef idx="1">
-              <a:schemeClr val="accent3">
-                <a:hueOff val="0"/>
-                <a:satOff val="0"/>
-                <a:lumOff val="0"/>
-                <a:alphaOff val="0"/>
-              </a:schemeClr>
-            </a:fillRef>
-            <a:effectRef idx="0">
-              <a:schemeClr val="accent3">
-                <a:hueOff val="0"/>
-                <a:satOff val="0"/>
-                <a:lumOff val="0"/>
-                <a:alphaOff val="0"/>
-              </a:schemeClr>
-            </a:effectRef>
-            <a:fontRef idx="minor">
-              <a:schemeClr val="lt1"/>
-            </a:fontRef>
-          </p:style>
-        </p:sp>
-        <p:sp>
-          <p:nvSpPr>
-            <p:cNvPr id="19" name="Rectangle: Rounded Corners 6">
-              <a:extLst>
-                <a:ext uri="{FF2B5EF4-FFF2-40B4-BE49-F238E27FC236}">
-                  <a16:creationId xmlns:a16="http://schemas.microsoft.com/office/drawing/2014/main" id="{1044F06C-3102-474D-AFCA-C4EEDFF85F12}"/>
-                </a:ext>
-              </a:extLst>
-            </p:cNvPr>
-            <p:cNvSpPr txBox="1"/>
-            <p:nvPr/>
-          </p:nvSpPr>
-          <p:spPr>
-            <a:xfrm>
-              <a:off x="67966" y="2124160"/>
-              <a:ext cx="3807418" cy="1256367"/>
-            </a:xfrm>
-            <a:prstGeom prst="rect">
-              <a:avLst/>
-            </a:prstGeom>
-          </p:spPr>
-          <p:style>
-            <a:lnRef idx="0">
-              <a:scrgbClr r="0" g="0" b="0"/>
-            </a:lnRef>
-            <a:fillRef idx="0">
-              <a:scrgbClr r="0" g="0" b="0"/>
-            </a:fillRef>
-            <a:effectRef idx="0">
-              <a:scrgbClr r="0" g="0" b="0"/>
-            </a:effectRef>
-            <a:fontRef idx="minor">
-              <a:schemeClr val="lt1"/>
-            </a:fontRef>
-          </p:style>
-          <p:txBody>
-            <a:bodyPr spcFirstLastPara="0" vert="horz" wrap="square" lIns="133350" tIns="133350" rIns="133350" bIns="133350" numCol="1" spcCol="1270" anchor="ctr" anchorCtr="0">
-              <a:noAutofit/>
-            </a:bodyPr>
-            <a:lstStyle/>
-            <a:p>
-              <a:pPr marL="0" lvl="0" indent="0" algn="l" defTabSz="1555750">
-                <a:lnSpc>
-                  <a:spcPct val="90000"/>
-                </a:lnSpc>
-                <a:spcBef>
-                  <a:spcPct val="0"/>
-                </a:spcBef>
-                <a:spcAft>
-                  <a:spcPct val="35000"/>
-                </a:spcAft>
-                <a:buNone/>
-              </a:pPr>
-              <a:r>
-                <a:rPr lang="en-US" sz="2400" kern="1200"/>
-                <a:t>Build Sentiment Analysis Model</a:t>
-              </a:r>
-            </a:p>
-          </p:txBody>
-        </p:sp>
-      </p:grpSp>
-      <p:grpSp>
-        <p:nvGrpSpPr>
-          <p:cNvPr id="13" name="Group 12">
-            <a:extLst>
-              <a:ext uri="{FF2B5EF4-FFF2-40B4-BE49-F238E27FC236}">
-                <a16:creationId xmlns:a16="http://schemas.microsoft.com/office/drawing/2014/main" id="{AB460D31-0830-45B8-92AB-1BA99F150C01}"/>
-              </a:ext>
-            </a:extLst>
-          </p:cNvPr>
-          <p:cNvGrpSpPr/>
-          <p:nvPr/>
-        </p:nvGrpSpPr>
-        <p:grpSpPr>
-          <a:xfrm>
-            <a:off x="4582419" y="4146438"/>
-            <a:ext cx="3875384" cy="1059436"/>
-            <a:chOff x="0" y="3549294"/>
-            <a:chExt cx="3943350" cy="1392299"/>
-          </a:xfrm>
-        </p:grpSpPr>
-        <p:sp>
-          <p:nvSpPr>
-            <p:cNvPr id="15" name="Rectangle: Rounded Corners 14">
-              <a:extLst>
-                <a:ext uri="{FF2B5EF4-FFF2-40B4-BE49-F238E27FC236}">
-                  <a16:creationId xmlns:a16="http://schemas.microsoft.com/office/drawing/2014/main" id="{02F0CA94-FC59-41D5-9F0F-84E1FF5B609B}"/>
-                </a:ext>
-              </a:extLst>
-            </p:cNvPr>
-            <p:cNvSpPr/>
-            <p:nvPr/>
-          </p:nvSpPr>
-          <p:spPr>
-            <a:xfrm>
-              <a:off x="0" y="3549294"/>
-              <a:ext cx="3943350" cy="1392299"/>
-            </a:xfrm>
-            <a:prstGeom prst="roundRect">
-              <a:avLst/>
-            </a:prstGeom>
-          </p:spPr>
-          <p:style>
-            <a:lnRef idx="2">
-              <a:schemeClr val="lt1">
-                <a:hueOff val="0"/>
-                <a:satOff val="0"/>
-                <a:lumOff val="0"/>
-                <a:alphaOff val="0"/>
-              </a:schemeClr>
-            </a:lnRef>
-            <a:fillRef idx="1">
-              <a:schemeClr val="accent4">
-                <a:hueOff val="0"/>
-                <a:satOff val="0"/>
-                <a:lumOff val="0"/>
-                <a:alphaOff val="0"/>
-              </a:schemeClr>
-            </a:fillRef>
-            <a:effectRef idx="0">
-              <a:schemeClr val="accent4">
-                <a:hueOff val="0"/>
-                <a:satOff val="0"/>
-                <a:lumOff val="0"/>
-                <a:alphaOff val="0"/>
-              </a:schemeClr>
-            </a:effectRef>
-            <a:fontRef idx="minor">
-              <a:schemeClr val="lt1"/>
-            </a:fontRef>
-          </p:style>
-        </p:sp>
-        <p:sp>
-          <p:nvSpPr>
-            <p:cNvPr id="16" name="Rectangle: Rounded Corners 8">
-              <a:extLst>
-                <a:ext uri="{FF2B5EF4-FFF2-40B4-BE49-F238E27FC236}">
-                  <a16:creationId xmlns:a16="http://schemas.microsoft.com/office/drawing/2014/main" id="{FEE00E1B-66AF-49CD-86C9-4D0EAE4449BF}"/>
-                </a:ext>
-              </a:extLst>
-            </p:cNvPr>
-            <p:cNvSpPr txBox="1"/>
-            <p:nvPr/>
-          </p:nvSpPr>
-          <p:spPr>
-            <a:xfrm>
-              <a:off x="67966" y="3617260"/>
-              <a:ext cx="3807418" cy="1256367"/>
-            </a:xfrm>
-            <a:prstGeom prst="rect">
-              <a:avLst/>
-            </a:prstGeom>
-          </p:spPr>
-          <p:style>
-            <a:lnRef idx="0">
-              <a:scrgbClr r="0" g="0" b="0"/>
-            </a:lnRef>
-            <a:fillRef idx="0">
-              <a:scrgbClr r="0" g="0" b="0"/>
-            </a:fillRef>
-            <a:effectRef idx="0">
-              <a:scrgbClr r="0" g="0" b="0"/>
-            </a:effectRef>
-            <a:fontRef idx="minor">
-              <a:schemeClr val="lt1"/>
-            </a:fontRef>
-          </p:style>
-          <p:txBody>
-            <a:bodyPr spcFirstLastPara="0" vert="horz" wrap="square" lIns="133350" tIns="133350" rIns="133350" bIns="133350" numCol="1" spcCol="1270" anchor="ctr" anchorCtr="0">
-              <a:noAutofit/>
-            </a:bodyPr>
-            <a:lstStyle/>
-            <a:p>
-              <a:pPr marL="0" lvl="0" indent="0" algn="l" defTabSz="1555750">
-                <a:lnSpc>
-                  <a:spcPct val="90000"/>
-                </a:lnSpc>
-                <a:spcBef>
-                  <a:spcPct val="0"/>
-                </a:spcBef>
-                <a:spcAft>
-                  <a:spcPct val="35000"/>
-                </a:spcAft>
-                <a:buNone/>
-              </a:pPr>
-              <a:r>
-                <a:rPr lang="en-US" sz="2400" kern="1200"/>
-                <a:t>Conclusion</a:t>
-              </a:r>
-            </a:p>
-          </p:txBody>
-        </p:sp>
-      </p:grpSp>
-    </p:spTree>
-    <p:extLst>
-      <p:ext uri="{BB962C8B-B14F-4D97-AF65-F5344CB8AC3E}">
-        <p14:creationId xmlns:p14="http://schemas.microsoft.com/office/powerpoint/2010/main" val="2365241059"/>
       </p:ext>
     </p:extLst>
   </p:cSld>
@@ -19044,7 +21751,7 @@
                   <a:srgbClr val="FFFFFF"/>
                 </a:solidFill>
               </a:rPr>
-              <a:t>Introduction to sentiment analysis</a:t>
+              <a:t>Giới thiệu chung đề tài</a:t>
             </a:r>
           </a:p>
         </p:txBody>
@@ -19067,8 +21774,8 @@
         </p:nvSpPr>
         <p:spPr>
           <a:xfrm>
-            <a:off x="968028" y="3812003"/>
-            <a:ext cx="3040158" cy="1348680"/>
+            <a:off x="968028" y="3088238"/>
+            <a:ext cx="3040158" cy="2796209"/>
           </a:xfrm>
         </p:spPr>
         <p:txBody>
@@ -19079,21 +21786,19 @@
           <a:p>
             <a:r>
               <a:rPr lang="en-US"/>
-              <a:t>2 Approaches:</a:t>
+              <a:t>Khái niện phân tích cảm xúc</a:t>
             </a:r>
           </a:p>
           <a:p>
-            <a:pPr lvl="1"/>
             <a:r>
               <a:rPr lang="en-US"/>
-              <a:t>User</a:t>
+              <a:t>Các vấn đề xung quanh việc phân tích cảm xúc</a:t>
             </a:r>
           </a:p>
           <a:p>
-            <a:pPr lvl="1"/>
             <a:r>
               <a:rPr lang="en-US"/>
-              <a:t>Machine learning</a:t>
+              <a:t>Các dạng bài toán liên quan</a:t>
             </a:r>
           </a:p>
           <a:p>
@@ -19743,7 +22448,7 @@
                   <a:srgbClr val="FFFFFF"/>
                 </a:solidFill>
               </a:rPr>
-              <a:t>Application</a:t>
+              <a:t>Ứng dụng</a:t>
             </a:r>
           </a:p>
         </p:txBody>
@@ -19763,7 +22468,7 @@
         <p:spPr>
           <a:xfrm>
             <a:off x="916983" y="2402302"/>
-            <a:ext cx="7621031" cy="4108817"/>
+            <a:ext cx="7621031" cy="3277820"/>
           </a:xfrm>
           <a:prstGeom prst="rect">
             <a:avLst/>
@@ -19785,7 +22490,7 @@
             </a:pPr>
             <a:r>
               <a:rPr lang="en-US"/>
-              <a:t>Businesses and Organization:</a:t>
+              <a:t>Doanh nghiệp và tổ chức:</a:t>
             </a:r>
           </a:p>
           <a:p>
@@ -19798,7 +22503,7 @@
             </a:pPr>
             <a:r>
               <a:rPr lang="en-US"/>
-              <a:t>Brand analysis</a:t>
+              <a:t>Phân tích thương hiệu</a:t>
             </a:r>
           </a:p>
           <a:p>
@@ -19811,7 +22516,7 @@
             </a:pPr>
             <a:r>
               <a:rPr lang="en-US"/>
-              <a:t>New product perception</a:t>
+              <a:t>Đánh giá dòng sản phẩm mới</a:t>
             </a:r>
           </a:p>
           <a:p>
@@ -19824,7 +22529,20 @@
             </a:pPr>
             <a:r>
               <a:rPr lang="en-US"/>
-              <a:t>Product and Service benchmarking</a:t>
+              <a:t>….</a:t>
+            </a:r>
+          </a:p>
+          <a:p>
+            <a:pPr marL="285750" indent="-285750">
+              <a:lnSpc>
+                <a:spcPct val="150000"/>
+              </a:lnSpc>
+              <a:buFont typeface="Wingdings" panose="05000000000000000000" pitchFamily="2" charset="2"/>
+              <a:buChar char="ü"/>
+            </a:pPr>
+            <a:r>
+              <a:rPr lang="en-US"/>
+              <a:t>Cá nhân: Quan tâm đến ý kiến cá nhân của người khác khi….</a:t>
             </a:r>
           </a:p>
           <a:p>
@@ -19837,20 +22555,7 @@
             </a:pPr>
             <a:r>
               <a:rPr lang="en-US"/>
-              <a:t>Business spends a huge amount of money to find consumer sentiments and opinions.</a:t>
-            </a:r>
-          </a:p>
-          <a:p>
-            <a:pPr marL="285750" indent="-285750">
-              <a:lnSpc>
-                <a:spcPct val="150000"/>
-              </a:lnSpc>
-              <a:buFont typeface="Wingdings" panose="05000000000000000000" pitchFamily="2" charset="2"/>
-              <a:buChar char="ü"/>
-            </a:pPr>
-            <a:r>
-              <a:rPr lang="en-US"/>
-              <a:t>Individuals: Interested in other’s opinions when….</a:t>
+              <a:t>Mua một sản phẩm hay sử dụng một dịch vụ</a:t>
             </a:r>
           </a:p>
           <a:p>
@@ -19863,20 +22568,7 @@
             </a:pPr>
             <a:r>
               <a:rPr lang="en-US"/>
-              <a:t>Purchasing a product or using a service</a:t>
-            </a:r>
-          </a:p>
-          <a:p>
-            <a:pPr marL="742950" lvl="1" indent="-285750">
-              <a:lnSpc>
-                <a:spcPct val="150000"/>
-              </a:lnSpc>
-              <a:buFont typeface="Wingdings" panose="05000000000000000000" pitchFamily="2" charset="2"/>
-              <a:buChar char="q"/>
-            </a:pPr>
-            <a:r>
-              <a:rPr lang="en-US"/>
-              <a:t>Finding opinions on political topics, movies, etc.</a:t>
+              <a:t>….</a:t>
             </a:r>
           </a:p>
           <a:p>
@@ -20513,7 +23205,7 @@
                   <a:srgbClr val="FFFFFF"/>
                 </a:solidFill>
               </a:rPr>
-              <a:t>Build sentiment analysis model</a:t>
+              <a:t>Phân tích và giải quyết bài toán</a:t>
             </a:r>
           </a:p>
         </p:txBody>
@@ -20534,7 +23226,7 @@
             <p:ph idx="1"/>
             <p:extLst>
               <p:ext uri="{D42A27DB-BD31-4B8C-83A1-F6EECF244321}">
-                <p14:modId xmlns:p14="http://schemas.microsoft.com/office/powerpoint/2010/main" val="2185295305"/>
+                <p14:modId xmlns:p14="http://schemas.microsoft.com/office/powerpoint/2010/main" val="685734239"/>
               </p:ext>
             </p:extLst>
           </p:nvPr>
@@ -21224,7 +23916,7 @@
             <a:pPr algn="ctr"/>
             <a:r>
               <a:rPr lang="en-US"/>
-              <a:t>Training data</a:t>
+              <a:t>Pre-proceccing</a:t>
             </a:r>
           </a:p>
         </p:txBody>
@@ -23086,7 +25778,7 @@
       </p:grpSpPr>
       <p:sp useBgFill="1">
         <p:nvSpPr>
-          <p:cNvPr id="71" name="Rectangle 70">
+          <p:cNvPr id="9" name="Rectangle 8">
             <a:extLst>
               <a:ext uri="{FF2B5EF4-FFF2-40B4-BE49-F238E27FC236}">
                 <a16:creationId xmlns:a16="http://schemas.microsoft.com/office/drawing/2014/main" id="{F4C0B10B-D2C4-4A54-AFAD-3D27DF88BB37}"/>
@@ -23146,7 +25838,7 @@
       </p:sp>
       <p:grpSp>
         <p:nvGrpSpPr>
-          <p:cNvPr id="73" name="Group 72">
+          <p:cNvPr id="11" name="Group 10">
             <a:extLst>
               <a:ext uri="{FF2B5EF4-FFF2-40B4-BE49-F238E27FC236}">
                 <a16:creationId xmlns:a16="http://schemas.microsoft.com/office/drawing/2014/main" id="{B6BADB90-C74B-40D6-86DC-503F65FCE8DC}"/>
@@ -23177,7 +25869,7 @@
         </p:grpSpPr>
         <p:sp>
           <p:nvSpPr>
-            <p:cNvPr id="74" name="Freeform 44">
+            <p:cNvPr id="12" name="Freeform 44">
               <a:extLst>
                 <a:ext uri="{FF2B5EF4-FFF2-40B4-BE49-F238E27FC236}">
                   <a16:creationId xmlns:a16="http://schemas.microsoft.com/office/drawing/2014/main" id="{6559431D-1886-4AE0-9B87-9AD2ECAB8439}"/>
@@ -23280,7 +25972,7 @@
         </p:sp>
         <p:sp>
           <p:nvSpPr>
-            <p:cNvPr id="75" name="Freeform 45">
+            <p:cNvPr id="13" name="Freeform 45">
               <a:extLst>
                 <a:ext uri="{FF2B5EF4-FFF2-40B4-BE49-F238E27FC236}">
                   <a16:creationId xmlns:a16="http://schemas.microsoft.com/office/drawing/2014/main" id="{373850A5-B04A-4FCD-9E73-EE322167FB31}"/>
@@ -23383,7 +26075,7 @@
         </p:sp>
         <p:sp>
           <p:nvSpPr>
-            <p:cNvPr id="76" name="Freeform 46">
+            <p:cNvPr id="14" name="Freeform 46">
               <a:extLst>
                 <a:ext uri="{FF2B5EF4-FFF2-40B4-BE49-F238E27FC236}">
                   <a16:creationId xmlns:a16="http://schemas.microsoft.com/office/drawing/2014/main" id="{82C18C67-80FA-4738-AA53-0AF2419F98E0}"/>
@@ -23486,7 +26178,7 @@
         </p:sp>
         <p:sp>
           <p:nvSpPr>
-            <p:cNvPr id="77" name="Freeform 47">
+            <p:cNvPr id="15" name="Freeform 47">
               <a:extLst>
                 <a:ext uri="{FF2B5EF4-FFF2-40B4-BE49-F238E27FC236}">
                   <a16:creationId xmlns:a16="http://schemas.microsoft.com/office/drawing/2014/main" id="{48543B1A-8BF5-4C63-8404-41B2EA70B33E}"/>
@@ -23589,7 +26281,7 @@
         </p:sp>
         <p:sp>
           <p:nvSpPr>
-            <p:cNvPr id="78" name="Rectangle 77">
+            <p:cNvPr id="16" name="Rectangle 15">
               <a:extLst>
                 <a:ext uri="{FF2B5EF4-FFF2-40B4-BE49-F238E27FC236}">
                   <a16:creationId xmlns:a16="http://schemas.microsoft.com/office/drawing/2014/main" id="{92DF5096-E051-498C-A3ED-CBA77A813AAC}"/>
@@ -23643,7 +26335,7 @@
           <p:cNvPr id="2" name="Title 1">
             <a:extLst>
               <a:ext uri="{FF2B5EF4-FFF2-40B4-BE49-F238E27FC236}">
-                <a16:creationId xmlns:a16="http://schemas.microsoft.com/office/drawing/2014/main" id="{E85A56EF-DD75-4BAD-AC45-089427969E8D}"/>
+                <a16:creationId xmlns:a16="http://schemas.microsoft.com/office/drawing/2014/main" id="{8279DA14-483A-4B89-9894-5B37B55DCBAD}"/>
               </a:ext>
             </a:extLst>
           </p:cNvPr>
@@ -23672,62 +26364,338 @@
                   <a:srgbClr val="FFFFFF"/>
                 </a:solidFill>
               </a:rPr>
-              <a:t>Vectorizer – Bag of Words</a:t>
+              <a:t>Tiền xử lý dữ liệu</a:t>
             </a:r>
           </a:p>
         </p:txBody>
       </p:sp>
-      <p:pic>
-        <p:nvPicPr>
-          <p:cNvPr id="3076" name="Picture 4" descr="Bag of Words example | Download Scientific Diagram">
+      <p:sp>
+        <p:nvSpPr>
+          <p:cNvPr id="4" name="Rectangle 3">
             <a:extLst>
               <a:ext uri="{FF2B5EF4-FFF2-40B4-BE49-F238E27FC236}">
-                <a16:creationId xmlns:a16="http://schemas.microsoft.com/office/drawing/2014/main" id="{DA248E8F-CA2C-44E0-AB04-02E8680A2C63}"/>
+                <a16:creationId xmlns:a16="http://schemas.microsoft.com/office/drawing/2014/main" id="{FA8116D7-6DCC-429C-B990-849587043B5B}"/>
               </a:ext>
             </a:extLst>
           </p:cNvPr>
-          <p:cNvPicPr>
-            <a:picLocks noChangeAspect="1" noChangeArrowheads="1"/>
-          </p:cNvPicPr>
+          <p:cNvSpPr/>
           <p:nvPr/>
-        </p:nvPicPr>
-        <p:blipFill>
-          <a:blip r:embed="rId2">
-            <a:extLst>
-              <a:ext uri="{28A0092B-C50C-407E-A947-70E740481C1C}">
-                <a14:useLocalDpi xmlns:a14="http://schemas.microsoft.com/office/drawing/2010/main" val="0"/>
-              </a:ext>
-            </a:extLst>
-          </a:blip>
-          <a:srcRect/>
-          <a:stretch>
-            <a:fillRect/>
-          </a:stretch>
-        </p:blipFill>
-        <p:spPr bwMode="auto">
+        </p:nvSpPr>
+        <p:spPr>
           <a:xfrm>
-            <a:off x="1146772" y="2470263"/>
-            <a:ext cx="7270629" cy="4387737"/>
+            <a:off x="2113723" y="2338320"/>
+            <a:ext cx="1802295" cy="785191"/>
           </a:xfrm>
           <a:prstGeom prst="rect">
             <a:avLst/>
           </a:prstGeom>
-          <a:noFill/>
-          <a:extLst>
-            <a:ext uri="{909E8E84-426E-40DD-AFC4-6F175D3DCCD1}">
-              <a14:hiddenFill xmlns:a14="http://schemas.microsoft.com/office/drawing/2010/main">
-                <a:solidFill>
-                  <a:srgbClr val="FFFFFF"/>
-                </a:solidFill>
-              </a14:hiddenFill>
-            </a:ext>
-          </a:extLst>
         </p:spPr>
-      </p:pic>
+        <p:style>
+          <a:lnRef idx="2">
+            <a:schemeClr val="accent1">
+              <a:shade val="50000"/>
+            </a:schemeClr>
+          </a:lnRef>
+          <a:fillRef idx="1">
+            <a:schemeClr val="accent1"/>
+          </a:fillRef>
+          <a:effectRef idx="0">
+            <a:schemeClr val="accent1"/>
+          </a:effectRef>
+          <a:fontRef idx="minor">
+            <a:schemeClr val="lt1"/>
+          </a:fontRef>
+        </p:style>
+        <p:txBody>
+          <a:bodyPr rtlCol="0" anchor="ctr"/>
+          <a:lstStyle/>
+          <a:p>
+            <a:pPr algn="ctr"/>
+            <a:r>
+              <a:rPr lang="en-US" sz="2100"/>
+              <a:t>Làm sạch text</a:t>
+            </a:r>
+          </a:p>
+        </p:txBody>
+      </p:sp>
+      <p:sp>
+        <p:nvSpPr>
+          <p:cNvPr id="18" name="Rectangle 17">
+            <a:extLst>
+              <a:ext uri="{FF2B5EF4-FFF2-40B4-BE49-F238E27FC236}">
+                <a16:creationId xmlns:a16="http://schemas.microsoft.com/office/drawing/2014/main" id="{3F3B8EC0-7FD6-4A07-841C-8FE9281831B5}"/>
+              </a:ext>
+            </a:extLst>
+          </p:cNvPr>
+          <p:cNvSpPr/>
+          <p:nvPr/>
+        </p:nvSpPr>
+        <p:spPr>
+          <a:xfrm>
+            <a:off x="5903842" y="5911916"/>
+            <a:ext cx="1802295" cy="785191"/>
+          </a:xfrm>
+          <a:prstGeom prst="rect">
+            <a:avLst/>
+          </a:prstGeom>
+        </p:spPr>
+        <p:style>
+          <a:lnRef idx="2">
+            <a:schemeClr val="accent1">
+              <a:shade val="50000"/>
+            </a:schemeClr>
+          </a:lnRef>
+          <a:fillRef idx="1">
+            <a:schemeClr val="accent1"/>
+          </a:fillRef>
+          <a:effectRef idx="0">
+            <a:schemeClr val="accent1"/>
+          </a:effectRef>
+          <a:fontRef idx="minor">
+            <a:schemeClr val="lt1"/>
+          </a:fontRef>
+        </p:style>
+        <p:txBody>
+          <a:bodyPr rtlCol="0" anchor="ctr"/>
+          <a:lstStyle/>
+          <a:p>
+            <a:pPr algn="ctr"/>
+            <a:r>
+              <a:rPr lang="en-US" sz="2100"/>
+              <a:t>Loại bỏ stopwords</a:t>
+            </a:r>
+          </a:p>
+        </p:txBody>
+      </p:sp>
+      <p:sp>
+        <p:nvSpPr>
+          <p:cNvPr id="19" name="Rectangle 18">
+            <a:extLst>
+              <a:ext uri="{FF2B5EF4-FFF2-40B4-BE49-F238E27FC236}">
+                <a16:creationId xmlns:a16="http://schemas.microsoft.com/office/drawing/2014/main" id="{648BEF81-5084-42B0-83DE-4DBB5F013387}"/>
+              </a:ext>
+            </a:extLst>
+          </p:cNvPr>
+          <p:cNvSpPr/>
+          <p:nvPr/>
+        </p:nvSpPr>
+        <p:spPr>
+          <a:xfrm>
+            <a:off x="3346174" y="3556956"/>
+            <a:ext cx="1802295" cy="785191"/>
+          </a:xfrm>
+          <a:prstGeom prst="rect">
+            <a:avLst/>
+          </a:prstGeom>
+        </p:spPr>
+        <p:style>
+          <a:lnRef idx="2">
+            <a:schemeClr val="accent1">
+              <a:shade val="50000"/>
+            </a:schemeClr>
+          </a:lnRef>
+          <a:fillRef idx="1">
+            <a:schemeClr val="accent1"/>
+          </a:fillRef>
+          <a:effectRef idx="0">
+            <a:schemeClr val="accent1"/>
+          </a:effectRef>
+          <a:fontRef idx="minor">
+            <a:schemeClr val="lt1"/>
+          </a:fontRef>
+        </p:style>
+        <p:txBody>
+          <a:bodyPr rtlCol="0" anchor="ctr"/>
+          <a:lstStyle/>
+          <a:p>
+            <a:pPr algn="ctr"/>
+            <a:r>
+              <a:rPr lang="en-US" sz="2100"/>
+              <a:t>Tách từ trong câu</a:t>
+            </a:r>
+          </a:p>
+        </p:txBody>
+      </p:sp>
+      <p:sp>
+        <p:nvSpPr>
+          <p:cNvPr id="20" name="Rectangle 19">
+            <a:extLst>
+              <a:ext uri="{FF2B5EF4-FFF2-40B4-BE49-F238E27FC236}">
+                <a16:creationId xmlns:a16="http://schemas.microsoft.com/office/drawing/2014/main" id="{62246D70-8C76-4E58-9433-D7A2E06682CE}"/>
+              </a:ext>
+            </a:extLst>
+          </p:cNvPr>
+          <p:cNvSpPr/>
+          <p:nvPr/>
+        </p:nvSpPr>
+        <p:spPr>
+          <a:xfrm>
+            <a:off x="4631633" y="4802096"/>
+            <a:ext cx="1802295" cy="785191"/>
+          </a:xfrm>
+          <a:prstGeom prst="rect">
+            <a:avLst/>
+          </a:prstGeom>
+        </p:spPr>
+        <p:style>
+          <a:lnRef idx="2">
+            <a:schemeClr val="accent1">
+              <a:shade val="50000"/>
+            </a:schemeClr>
+          </a:lnRef>
+          <a:fillRef idx="1">
+            <a:schemeClr val="accent1"/>
+          </a:fillRef>
+          <a:effectRef idx="0">
+            <a:schemeClr val="accent1"/>
+          </a:effectRef>
+          <a:fontRef idx="minor">
+            <a:schemeClr val="lt1"/>
+          </a:fontRef>
+        </p:style>
+        <p:txBody>
+          <a:bodyPr rtlCol="0" anchor="ctr"/>
+          <a:lstStyle/>
+          <a:p>
+            <a:pPr algn="ctr"/>
+            <a:r>
+              <a:rPr lang="en-US" sz="2100"/>
+              <a:t>Chuẩn hóa từ</a:t>
+            </a:r>
+          </a:p>
+        </p:txBody>
+      </p:sp>
+      <p:cxnSp>
+        <p:nvCxnSpPr>
+          <p:cNvPr id="10" name="Connector: Elbow 9">
+            <a:extLst>
+              <a:ext uri="{FF2B5EF4-FFF2-40B4-BE49-F238E27FC236}">
+                <a16:creationId xmlns:a16="http://schemas.microsoft.com/office/drawing/2014/main" id="{9613FB38-3144-4C1F-88BF-B2877DB9607B}"/>
+              </a:ext>
+            </a:extLst>
+          </p:cNvPr>
+          <p:cNvCxnSpPr>
+            <a:stCxn id="4" idx="3"/>
+            <a:endCxn id="19" idx="0"/>
+          </p:cNvCxnSpPr>
+          <p:nvPr/>
+        </p:nvCxnSpPr>
+        <p:spPr>
+          <a:xfrm>
+            <a:off x="3916018" y="2730916"/>
+            <a:ext cx="331304" cy="826040"/>
+          </a:xfrm>
+          <a:prstGeom prst="bentConnector2">
+            <a:avLst/>
+          </a:prstGeom>
+          <a:ln>
+            <a:tailEnd type="triangle"/>
+          </a:ln>
+        </p:spPr>
+        <p:style>
+          <a:lnRef idx="1">
+            <a:schemeClr val="accent1"/>
+          </a:lnRef>
+          <a:fillRef idx="0">
+            <a:schemeClr val="accent1"/>
+          </a:fillRef>
+          <a:effectRef idx="0">
+            <a:schemeClr val="accent1"/>
+          </a:effectRef>
+          <a:fontRef idx="minor">
+            <a:schemeClr val="tx1"/>
+          </a:fontRef>
+        </p:style>
+      </p:cxnSp>
+      <p:cxnSp>
+        <p:nvCxnSpPr>
+          <p:cNvPr id="22" name="Connector: Elbow 21">
+            <a:extLst>
+              <a:ext uri="{FF2B5EF4-FFF2-40B4-BE49-F238E27FC236}">
+                <a16:creationId xmlns:a16="http://schemas.microsoft.com/office/drawing/2014/main" id="{09263EDE-271F-48C1-8E13-D731E3A8583B}"/>
+              </a:ext>
+            </a:extLst>
+          </p:cNvPr>
+          <p:cNvCxnSpPr>
+            <a:stCxn id="19" idx="3"/>
+            <a:endCxn id="20" idx="0"/>
+          </p:cNvCxnSpPr>
+          <p:nvPr/>
+        </p:nvCxnSpPr>
+        <p:spPr>
+          <a:xfrm>
+            <a:off x="5148469" y="3949552"/>
+            <a:ext cx="384312" cy="852544"/>
+          </a:xfrm>
+          <a:prstGeom prst="bentConnector2">
+            <a:avLst/>
+          </a:prstGeom>
+          <a:ln>
+            <a:tailEnd type="triangle"/>
+          </a:ln>
+        </p:spPr>
+        <p:style>
+          <a:lnRef idx="1">
+            <a:schemeClr val="accent1"/>
+          </a:lnRef>
+          <a:fillRef idx="0">
+            <a:schemeClr val="accent1"/>
+          </a:fillRef>
+          <a:effectRef idx="0">
+            <a:schemeClr val="accent1"/>
+          </a:effectRef>
+          <a:fontRef idx="minor">
+            <a:schemeClr val="tx1"/>
+          </a:fontRef>
+        </p:style>
+      </p:cxnSp>
+      <p:cxnSp>
+        <p:nvCxnSpPr>
+          <p:cNvPr id="24" name="Connector: Elbow 23">
+            <a:extLst>
+              <a:ext uri="{FF2B5EF4-FFF2-40B4-BE49-F238E27FC236}">
+                <a16:creationId xmlns:a16="http://schemas.microsoft.com/office/drawing/2014/main" id="{E1AA1125-5B96-48ED-83C2-517B3B0EADBC}"/>
+              </a:ext>
+            </a:extLst>
+          </p:cNvPr>
+          <p:cNvCxnSpPr>
+            <a:cxnSpLocks/>
+            <a:stCxn id="20" idx="3"/>
+            <a:endCxn id="18" idx="0"/>
+          </p:cNvCxnSpPr>
+          <p:nvPr/>
+        </p:nvCxnSpPr>
+        <p:spPr>
+          <a:xfrm>
+            <a:off x="6433928" y="5194692"/>
+            <a:ext cx="371062" cy="717224"/>
+          </a:xfrm>
+          <a:prstGeom prst="bentConnector2">
+            <a:avLst/>
+          </a:prstGeom>
+          <a:ln>
+            <a:tailEnd type="triangle"/>
+          </a:ln>
+        </p:spPr>
+        <p:style>
+          <a:lnRef idx="1">
+            <a:schemeClr val="accent1"/>
+          </a:lnRef>
+          <a:fillRef idx="0">
+            <a:schemeClr val="accent1"/>
+          </a:fillRef>
+          <a:effectRef idx="0">
+            <a:schemeClr val="accent1"/>
+          </a:effectRef>
+          <a:fontRef idx="minor">
+            <a:schemeClr val="tx1"/>
+          </a:fontRef>
+        </p:style>
+      </p:cxnSp>
     </p:spTree>
     <p:extLst>
       <p:ext uri="{BB962C8B-B14F-4D97-AF65-F5344CB8AC3E}">
-        <p14:creationId xmlns:p14="http://schemas.microsoft.com/office/powerpoint/2010/main" val="213966407"/>
+        <p14:creationId xmlns:p14="http://schemas.microsoft.com/office/powerpoint/2010/main" val="1196017393"/>
       </p:ext>
     </p:extLst>
   </p:cSld>
